--- a/Oblig2/Datastruktur.pptx
+++ b/Oblig2/Datastruktur.pptx
@@ -5,12 +5,13 @@
     <p:sldMasterId id="2147483648" r:id="rId1"/>
   </p:sldMasterIdLst>
   <p:notesMasterIdLst>
-    <p:notesMasterId r:id="rId5"/>
+    <p:notesMasterId r:id="rId6"/>
   </p:notesMasterIdLst>
   <p:sldIdLst>
     <p:sldId id="257" r:id="rId2"/>
     <p:sldId id="258" r:id="rId3"/>
     <p:sldId id="259" r:id="rId4"/>
+    <p:sldId id="260" r:id="rId5"/>
   </p:sldIdLst>
   <p:sldSz cx="12192000" cy="6858000"/>
   <p:notesSz cx="6858000" cy="9144000"/>
@@ -213,7 +214,7 @@
           <a:p>
             <a:fld id="{C407C5E1-F4A4-470A-BAB7-E3D58E2EB29B}" type="datetimeFigureOut">
               <a:rPr lang="nb-NO" smtClean="0"/>
-              <a:t>31.01.2020</a:t>
+              <a:t>11.02.2020</a:t>
             </a:fld>
             <a:endParaRPr lang="nb-NO"/>
           </a:p>
@@ -612,7 +613,7 @@
           <a:p>
             <a:fld id="{083A9BE8-26B7-4D1D-8CFD-17723E99B246}" type="datetimeFigureOut">
               <a:rPr lang="nb-NO" smtClean="0"/>
-              <a:t>31.01.2020</a:t>
+              <a:t>11.02.2020</a:t>
             </a:fld>
             <a:endParaRPr lang="nb-NO"/>
           </a:p>
@@ -782,7 +783,7 @@
           <a:p>
             <a:fld id="{083A9BE8-26B7-4D1D-8CFD-17723E99B246}" type="datetimeFigureOut">
               <a:rPr lang="nb-NO" smtClean="0"/>
-              <a:t>31.01.2020</a:t>
+              <a:t>11.02.2020</a:t>
             </a:fld>
             <a:endParaRPr lang="nb-NO"/>
           </a:p>
@@ -962,7 +963,7 @@
           <a:p>
             <a:fld id="{083A9BE8-26B7-4D1D-8CFD-17723E99B246}" type="datetimeFigureOut">
               <a:rPr lang="nb-NO" smtClean="0"/>
-              <a:t>31.01.2020</a:t>
+              <a:t>11.02.2020</a:t>
             </a:fld>
             <a:endParaRPr lang="nb-NO"/>
           </a:p>
@@ -1132,7 +1133,7 @@
           <a:p>
             <a:fld id="{083A9BE8-26B7-4D1D-8CFD-17723E99B246}" type="datetimeFigureOut">
               <a:rPr lang="nb-NO" smtClean="0"/>
-              <a:t>31.01.2020</a:t>
+              <a:t>11.02.2020</a:t>
             </a:fld>
             <a:endParaRPr lang="nb-NO"/>
           </a:p>
@@ -1378,7 +1379,7 @@
           <a:p>
             <a:fld id="{083A9BE8-26B7-4D1D-8CFD-17723E99B246}" type="datetimeFigureOut">
               <a:rPr lang="nb-NO" smtClean="0"/>
-              <a:t>31.01.2020</a:t>
+              <a:t>11.02.2020</a:t>
             </a:fld>
             <a:endParaRPr lang="nb-NO"/>
           </a:p>
@@ -1610,7 +1611,7 @@
           <a:p>
             <a:fld id="{083A9BE8-26B7-4D1D-8CFD-17723E99B246}" type="datetimeFigureOut">
               <a:rPr lang="nb-NO" smtClean="0"/>
-              <a:t>31.01.2020</a:t>
+              <a:t>11.02.2020</a:t>
             </a:fld>
             <a:endParaRPr lang="nb-NO"/>
           </a:p>
@@ -1977,7 +1978,7 @@
           <a:p>
             <a:fld id="{083A9BE8-26B7-4D1D-8CFD-17723E99B246}" type="datetimeFigureOut">
               <a:rPr lang="nb-NO" smtClean="0"/>
-              <a:t>31.01.2020</a:t>
+              <a:t>11.02.2020</a:t>
             </a:fld>
             <a:endParaRPr lang="nb-NO"/>
           </a:p>
@@ -2095,7 +2096,7 @@
           <a:p>
             <a:fld id="{083A9BE8-26B7-4D1D-8CFD-17723E99B246}" type="datetimeFigureOut">
               <a:rPr lang="nb-NO" smtClean="0"/>
-              <a:t>31.01.2020</a:t>
+              <a:t>11.02.2020</a:t>
             </a:fld>
             <a:endParaRPr lang="nb-NO"/>
           </a:p>
@@ -2190,7 +2191,7 @@
           <a:p>
             <a:fld id="{083A9BE8-26B7-4D1D-8CFD-17723E99B246}" type="datetimeFigureOut">
               <a:rPr lang="nb-NO" smtClean="0"/>
-              <a:t>31.01.2020</a:t>
+              <a:t>11.02.2020</a:t>
             </a:fld>
             <a:endParaRPr lang="nb-NO"/>
           </a:p>
@@ -2467,7 +2468,7 @@
           <a:p>
             <a:fld id="{083A9BE8-26B7-4D1D-8CFD-17723E99B246}" type="datetimeFigureOut">
               <a:rPr lang="nb-NO" smtClean="0"/>
-              <a:t>31.01.2020</a:t>
+              <a:t>11.02.2020</a:t>
             </a:fld>
             <a:endParaRPr lang="nb-NO"/>
           </a:p>
@@ -2720,7 +2721,7 @@
           <a:p>
             <a:fld id="{083A9BE8-26B7-4D1D-8CFD-17723E99B246}" type="datetimeFigureOut">
               <a:rPr lang="nb-NO" smtClean="0"/>
-              <a:t>31.01.2020</a:t>
+              <a:t>11.02.2020</a:t>
             </a:fld>
             <a:endParaRPr lang="nb-NO"/>
           </a:p>
@@ -2933,7 +2934,7 @@
           <a:p>
             <a:fld id="{083A9BE8-26B7-4D1D-8CFD-17723E99B246}" type="datetimeFigureOut">
               <a:rPr lang="nb-NO" smtClean="0"/>
-              <a:t>31.01.2020</a:t>
+              <a:t>11.02.2020</a:t>
             </a:fld>
             <a:endParaRPr lang="nb-NO"/>
           </a:p>
@@ -3622,7 +3623,7 @@
           </a:prstGeom>
           <a:ln>
             <a:headEnd type="none" w="med" len="med"/>
-            <a:tailEnd type="triangle" w="med" len="med"/>
+            <a:tailEnd type="arrow" w="med" len="med"/>
           </a:ln>
         </p:spPr>
         <p:style>
@@ -3970,7 +3971,7 @@
           </a:prstGeom>
           <a:ln>
             <a:headEnd type="none" w="med" len="med"/>
-            <a:tailEnd type="triangle" w="med" len="med"/>
+            <a:tailEnd type="arrow" w="med" len="med"/>
           </a:ln>
         </p:spPr>
         <p:style>
@@ -4048,7 +4049,7 @@
           </a:prstGeom>
           <a:ln>
             <a:headEnd type="none" w="med" len="med"/>
-            <a:tailEnd type="triangle" w="med" len="med"/>
+            <a:tailEnd type="arrow" w="med" len="med"/>
           </a:ln>
         </p:spPr>
         <p:style>
@@ -4212,7 +4213,7 @@
           </a:prstGeom>
           <a:ln>
             <a:headEnd type="none" w="med" len="med"/>
-            <a:tailEnd type="triangle" w="med" len="med"/>
+            <a:tailEnd type="arrow" w="med" len="med"/>
           </a:ln>
         </p:spPr>
         <p:style>
@@ -4291,7 +4292,7 @@
           </a:prstGeom>
           <a:ln>
             <a:headEnd type="none" w="med" len="med"/>
-            <a:tailEnd type="triangle" w="med" len="med"/>
+            <a:tailEnd type="arrow" w="med" len="med"/>
           </a:ln>
         </p:spPr>
         <p:style>
@@ -4313,6 +4314,8104 @@
     <p:extLst>
       <p:ext uri="{BB962C8B-B14F-4D97-AF65-F5344CB8AC3E}">
         <p14:creationId xmlns:p14="http://schemas.microsoft.com/office/powerpoint/2010/main" val="117470483"/>
+      </p:ext>
+    </p:extLst>
+  </p:cSld>
+  <p:clrMapOvr>
+    <a:masterClrMapping/>
+  </p:clrMapOvr>
+</p:sld>
+</file>
+
+<file path=ppt/slides/slide4.xml><?xml version="1.0" encoding="utf-8"?>
+<p:sld xmlns:a="http://schemas.openxmlformats.org/drawingml/2006/main" xmlns:r="http://schemas.openxmlformats.org/officeDocument/2006/relationships" xmlns:p="http://schemas.openxmlformats.org/presentationml/2006/main">
+  <p:cSld>
+    <p:spTree>
+      <p:nvGrpSpPr>
+        <p:cNvPr id="1" name=""/>
+        <p:cNvGrpSpPr/>
+        <p:nvPr/>
+      </p:nvGrpSpPr>
+      <p:grpSpPr>
+        <a:xfrm>
+          <a:off x="0" y="0"/>
+          <a:ext cx="0" cy="0"/>
+          <a:chOff x="0" y="0"/>
+          <a:chExt cx="0" cy="0"/>
+        </a:xfrm>
+      </p:grpSpPr>
+      <p:sp>
+        <p:nvSpPr>
+          <p:cNvPr id="258" name="Avrundet rektangel 257"/>
+          <p:cNvSpPr/>
+          <p:nvPr/>
+        </p:nvSpPr>
+        <p:spPr>
+          <a:xfrm>
+            <a:off x="565407" y="366694"/>
+            <a:ext cx="2524434" cy="1375725"/>
+          </a:xfrm>
+          <a:prstGeom prst="roundRect">
+            <a:avLst/>
+          </a:prstGeom>
+          <a:ln>
+            <a:solidFill>
+              <a:schemeClr val="accent1"/>
+            </a:solidFill>
+            <a:prstDash val="solid"/>
+          </a:ln>
+        </p:spPr>
+        <p:style>
+          <a:lnRef idx="2">
+            <a:schemeClr val="accent1"/>
+          </a:lnRef>
+          <a:fillRef idx="1">
+            <a:schemeClr val="lt1"/>
+          </a:fillRef>
+          <a:effectRef idx="0">
+            <a:schemeClr val="accent1"/>
+          </a:effectRef>
+          <a:fontRef idx="minor">
+            <a:schemeClr val="dk1"/>
+          </a:fontRef>
+        </p:style>
+        <p:txBody>
+          <a:bodyPr rtlCol="0" anchor="ctr"/>
+          <a:lstStyle/>
+          <a:p>
+            <a:pPr algn="ctr"/>
+            <a:endParaRPr lang="nb-NO" sz="800"/>
+          </a:p>
+        </p:txBody>
+      </p:sp>
+      <p:sp>
+        <p:nvSpPr>
+          <p:cNvPr id="284" name="Avrundet rektangel 283"/>
+          <p:cNvSpPr/>
+          <p:nvPr/>
+        </p:nvSpPr>
+        <p:spPr>
+          <a:xfrm>
+            <a:off x="565407" y="366694"/>
+            <a:ext cx="2524434" cy="902215"/>
+          </a:xfrm>
+          <a:prstGeom prst="roundRect">
+            <a:avLst/>
+          </a:prstGeom>
+          <a:ln>
+            <a:solidFill>
+              <a:schemeClr val="accent1"/>
+            </a:solidFill>
+            <a:prstDash val="solid"/>
+          </a:ln>
+        </p:spPr>
+        <p:style>
+          <a:lnRef idx="2">
+            <a:schemeClr val="accent1"/>
+          </a:lnRef>
+          <a:fillRef idx="1">
+            <a:schemeClr val="lt1"/>
+          </a:fillRef>
+          <a:effectRef idx="0">
+            <a:schemeClr val="accent1"/>
+          </a:effectRef>
+          <a:fontRef idx="minor">
+            <a:schemeClr val="dk1"/>
+          </a:fontRef>
+        </p:style>
+        <p:txBody>
+          <a:bodyPr rtlCol="0" anchor="ctr"/>
+          <a:lstStyle/>
+          <a:p>
+            <a:pPr algn="ctr"/>
+            <a:endParaRPr lang="nb-NO" sz="800"/>
+          </a:p>
+        </p:txBody>
+      </p:sp>
+      <p:sp>
+        <p:nvSpPr>
+          <p:cNvPr id="214" name="Avrundet rektangel 213"/>
+          <p:cNvSpPr/>
+          <p:nvPr/>
+        </p:nvSpPr>
+        <p:spPr>
+          <a:xfrm>
+            <a:off x="838005" y="5210195"/>
+            <a:ext cx="2524434" cy="1294504"/>
+          </a:xfrm>
+          <a:prstGeom prst="roundRect">
+            <a:avLst/>
+          </a:prstGeom>
+          <a:ln>
+            <a:solidFill>
+              <a:schemeClr val="accent1"/>
+            </a:solidFill>
+            <a:prstDash val="solid"/>
+          </a:ln>
+        </p:spPr>
+        <p:style>
+          <a:lnRef idx="2">
+            <a:schemeClr val="accent1"/>
+          </a:lnRef>
+          <a:fillRef idx="1">
+            <a:schemeClr val="lt1"/>
+          </a:fillRef>
+          <a:effectRef idx="0">
+            <a:schemeClr val="accent1"/>
+          </a:effectRef>
+          <a:fontRef idx="minor">
+            <a:schemeClr val="dk1"/>
+          </a:fontRef>
+        </p:style>
+        <p:txBody>
+          <a:bodyPr rtlCol="0" anchor="ctr"/>
+          <a:lstStyle/>
+          <a:p>
+            <a:pPr algn="ctr"/>
+            <a:endParaRPr lang="nb-NO" sz="800"/>
+          </a:p>
+        </p:txBody>
+      </p:sp>
+      <p:sp>
+        <p:nvSpPr>
+          <p:cNvPr id="133" name="Avrundet rektangel 132"/>
+          <p:cNvSpPr/>
+          <p:nvPr/>
+        </p:nvSpPr>
+        <p:spPr>
+          <a:xfrm>
+            <a:off x="3914159" y="5202006"/>
+            <a:ext cx="2524434" cy="517934"/>
+          </a:xfrm>
+          <a:prstGeom prst="roundRect">
+            <a:avLst/>
+          </a:prstGeom>
+          <a:ln>
+            <a:solidFill>
+              <a:schemeClr val="accent1"/>
+            </a:solidFill>
+            <a:prstDash val="solid"/>
+          </a:ln>
+        </p:spPr>
+        <p:style>
+          <a:lnRef idx="2">
+            <a:schemeClr val="accent1"/>
+          </a:lnRef>
+          <a:fillRef idx="1">
+            <a:schemeClr val="lt1"/>
+          </a:fillRef>
+          <a:effectRef idx="0">
+            <a:schemeClr val="accent1"/>
+          </a:effectRef>
+          <a:fontRef idx="minor">
+            <a:schemeClr val="dk1"/>
+          </a:fontRef>
+        </p:style>
+        <p:txBody>
+          <a:bodyPr rtlCol="0" anchor="ctr"/>
+          <a:lstStyle/>
+          <a:p>
+            <a:pPr algn="ctr"/>
+            <a:endParaRPr lang="nb-NO" sz="800"/>
+          </a:p>
+        </p:txBody>
+      </p:sp>
+      <p:sp>
+        <p:nvSpPr>
+          <p:cNvPr id="134" name="TekstSylinder 133"/>
+          <p:cNvSpPr txBox="1"/>
+          <p:nvPr/>
+        </p:nvSpPr>
+        <p:spPr>
+          <a:xfrm>
+            <a:off x="3911062" y="4954743"/>
+            <a:ext cx="2524434" cy="246221"/>
+          </a:xfrm>
+          <a:prstGeom prst="rect">
+            <a:avLst/>
+          </a:prstGeom>
+          <a:noFill/>
+        </p:spPr>
+        <p:txBody>
+          <a:bodyPr wrap="square" rtlCol="0">
+            <a:spAutoFit/>
+          </a:bodyPr>
+          <a:lstStyle/>
+          <a:p>
+            <a:r>
+              <a:rPr lang="en-US" sz="1000" dirty="0" err="1" smtClean="0"/>
+              <a:t>Lege</a:t>
+            </a:r>
+            <a:endParaRPr lang="nb-NO" sz="1000" dirty="0"/>
+          </a:p>
+        </p:txBody>
+      </p:sp>
+      <p:grpSp>
+        <p:nvGrpSpPr>
+          <p:cNvPr id="139" name="Gruppe 138"/>
+          <p:cNvGrpSpPr/>
+          <p:nvPr/>
+        </p:nvGrpSpPr>
+        <p:grpSpPr>
+          <a:xfrm>
+            <a:off x="4221569" y="5228996"/>
+            <a:ext cx="1252912" cy="483535"/>
+            <a:chOff x="6924632" y="2807988"/>
+            <a:chExt cx="1514682" cy="786352"/>
+          </a:xfrm>
+        </p:grpSpPr>
+        <p:sp>
+          <p:nvSpPr>
+            <p:cNvPr id="140" name="Rektangel 139"/>
+            <p:cNvSpPr/>
+            <p:nvPr/>
+          </p:nvSpPr>
+          <p:spPr>
+            <a:xfrm>
+              <a:off x="6988629" y="3086099"/>
+              <a:ext cx="1020535" cy="187779"/>
+            </a:xfrm>
+            <a:prstGeom prst="rect">
+              <a:avLst/>
+            </a:prstGeom>
+            <a:ln>
+              <a:solidFill>
+                <a:schemeClr val="accent1"/>
+              </a:solidFill>
+            </a:ln>
+          </p:spPr>
+          <p:style>
+            <a:lnRef idx="2">
+              <a:schemeClr val="dk1"/>
+            </a:lnRef>
+            <a:fillRef idx="1">
+              <a:schemeClr val="lt1"/>
+            </a:fillRef>
+            <a:effectRef idx="0">
+              <a:schemeClr val="dk1"/>
+            </a:effectRef>
+            <a:fontRef idx="minor">
+              <a:schemeClr val="dk1"/>
+            </a:fontRef>
+          </p:style>
+          <p:txBody>
+            <a:bodyPr rtlCol="0" anchor="ctr"/>
+            <a:lstStyle/>
+            <a:p>
+              <a:pPr algn="ctr"/>
+              <a:r>
+                <a:rPr lang="en-US" sz="800" dirty="0" smtClean="0"/>
+                <a:t>Doctor Mike</a:t>
+              </a:r>
+              <a:endParaRPr lang="nb-NO" sz="800" dirty="0"/>
+            </a:p>
+          </p:txBody>
+        </p:sp>
+        <p:sp>
+          <p:nvSpPr>
+            <p:cNvPr id="141" name="TekstSylinder 140"/>
+            <p:cNvSpPr txBox="1"/>
+            <p:nvPr/>
+          </p:nvSpPr>
+          <p:spPr>
+            <a:xfrm>
+              <a:off x="6924633" y="2807988"/>
+              <a:ext cx="1514681" cy="350368"/>
+            </a:xfrm>
+            <a:prstGeom prst="rect">
+              <a:avLst/>
+            </a:prstGeom>
+            <a:noFill/>
+          </p:spPr>
+          <p:txBody>
+            <a:bodyPr wrap="square" rtlCol="0">
+              <a:spAutoFit/>
+            </a:bodyPr>
+            <a:lstStyle/>
+            <a:p>
+              <a:r>
+                <a:rPr lang="en-US" sz="800" dirty="0" err="1" smtClean="0"/>
+                <a:t>navn</a:t>
+              </a:r>
+              <a:r>
+                <a:rPr lang="en-US" sz="800" dirty="0" smtClean="0"/>
+                <a:t>:  </a:t>
+              </a:r>
+              <a:r>
+                <a:rPr lang="en-US" sz="800" dirty="0" err="1" smtClean="0"/>
+                <a:t>navn</a:t>
+              </a:r>
+              <a:endParaRPr lang="nb-NO" sz="800" dirty="0"/>
+            </a:p>
+          </p:txBody>
+        </p:sp>
+        <p:sp>
+          <p:nvSpPr>
+            <p:cNvPr id="142" name="TekstSylinder 141"/>
+            <p:cNvSpPr txBox="1"/>
+            <p:nvPr/>
+          </p:nvSpPr>
+          <p:spPr>
+            <a:xfrm>
+              <a:off x="6924632" y="3243973"/>
+              <a:ext cx="1514681" cy="350367"/>
+            </a:xfrm>
+            <a:prstGeom prst="rect">
+              <a:avLst/>
+            </a:prstGeom>
+            <a:noFill/>
+          </p:spPr>
+          <p:txBody>
+            <a:bodyPr wrap="square" rtlCol="0">
+              <a:spAutoFit/>
+            </a:bodyPr>
+            <a:lstStyle/>
+            <a:p>
+              <a:r>
+                <a:rPr lang="en-US" sz="800" dirty="0" smtClean="0"/>
+                <a:t>type: </a:t>
+              </a:r>
+              <a:r>
+                <a:rPr lang="en-US" sz="800" dirty="0" smtClean="0"/>
+                <a:t>String</a:t>
+              </a:r>
+              <a:endParaRPr lang="nb-NO" sz="800" dirty="0"/>
+            </a:p>
+          </p:txBody>
+        </p:sp>
+      </p:grpSp>
+      <p:grpSp>
+        <p:nvGrpSpPr>
+          <p:cNvPr id="220" name="Gruppe 219"/>
+          <p:cNvGrpSpPr/>
+          <p:nvPr/>
+        </p:nvGrpSpPr>
+        <p:grpSpPr>
+          <a:xfrm>
+            <a:off x="1148966" y="5613853"/>
+            <a:ext cx="1252912" cy="483535"/>
+            <a:chOff x="6924632" y="2807988"/>
+            <a:chExt cx="1514682" cy="786352"/>
+          </a:xfrm>
+        </p:grpSpPr>
+        <p:sp>
+          <p:nvSpPr>
+            <p:cNvPr id="221" name="Rektangel 220"/>
+            <p:cNvSpPr/>
+            <p:nvPr/>
+          </p:nvSpPr>
+          <p:spPr>
+            <a:xfrm>
+              <a:off x="6988629" y="3086099"/>
+              <a:ext cx="1020535" cy="187779"/>
+            </a:xfrm>
+            <a:prstGeom prst="rect">
+              <a:avLst/>
+            </a:prstGeom>
+            <a:ln>
+              <a:solidFill>
+                <a:schemeClr val="accent1"/>
+              </a:solidFill>
+            </a:ln>
+          </p:spPr>
+          <p:style>
+            <a:lnRef idx="2">
+              <a:schemeClr val="dk1"/>
+            </a:lnRef>
+            <a:fillRef idx="1">
+              <a:schemeClr val="lt1"/>
+            </a:fillRef>
+            <a:effectRef idx="0">
+              <a:schemeClr val="dk1"/>
+            </a:effectRef>
+            <a:fontRef idx="minor">
+              <a:schemeClr val="dk1"/>
+            </a:fontRef>
+          </p:style>
+          <p:txBody>
+            <a:bodyPr rtlCol="0" anchor="ctr"/>
+            <a:lstStyle/>
+            <a:p>
+              <a:pPr algn="ctr"/>
+              <a:r>
+                <a:rPr lang="en-US" sz="800" dirty="0" smtClean="0"/>
+                <a:t>123</a:t>
+              </a:r>
+              <a:endParaRPr lang="nb-NO" sz="800" dirty="0"/>
+            </a:p>
+          </p:txBody>
+        </p:sp>
+        <p:sp>
+          <p:nvSpPr>
+            <p:cNvPr id="222" name="TekstSylinder 221"/>
+            <p:cNvSpPr txBox="1"/>
+            <p:nvPr/>
+          </p:nvSpPr>
+          <p:spPr>
+            <a:xfrm>
+              <a:off x="6924633" y="2807988"/>
+              <a:ext cx="1514681" cy="350368"/>
+            </a:xfrm>
+            <a:prstGeom prst="rect">
+              <a:avLst/>
+            </a:prstGeom>
+            <a:noFill/>
+          </p:spPr>
+          <p:txBody>
+            <a:bodyPr wrap="square" rtlCol="0">
+              <a:spAutoFit/>
+            </a:bodyPr>
+            <a:lstStyle/>
+            <a:p>
+              <a:r>
+                <a:rPr lang="en-US" sz="800" dirty="0" err="1" smtClean="0"/>
+                <a:t>navn</a:t>
+              </a:r>
+              <a:r>
+                <a:rPr lang="en-US" sz="800" dirty="0" smtClean="0"/>
+                <a:t>:  </a:t>
+              </a:r>
+              <a:r>
+                <a:rPr lang="en-US" sz="800" dirty="0" err="1" smtClean="0"/>
+                <a:t>int</a:t>
+              </a:r>
+              <a:r>
+                <a:rPr lang="en-US" sz="800" dirty="0" smtClean="0"/>
+                <a:t> </a:t>
+              </a:r>
+              <a:r>
+                <a:rPr lang="en-US" sz="800" dirty="0" err="1" smtClean="0"/>
+                <a:t>kontrollID</a:t>
+              </a:r>
+              <a:endParaRPr lang="nb-NO" sz="800" dirty="0"/>
+            </a:p>
+          </p:txBody>
+        </p:sp>
+        <p:sp>
+          <p:nvSpPr>
+            <p:cNvPr id="223" name="TekstSylinder 222"/>
+            <p:cNvSpPr txBox="1"/>
+            <p:nvPr/>
+          </p:nvSpPr>
+          <p:spPr>
+            <a:xfrm>
+              <a:off x="6924632" y="3243973"/>
+              <a:ext cx="1514681" cy="350367"/>
+            </a:xfrm>
+            <a:prstGeom prst="rect">
+              <a:avLst/>
+            </a:prstGeom>
+            <a:noFill/>
+          </p:spPr>
+          <p:txBody>
+            <a:bodyPr wrap="square" rtlCol="0">
+              <a:spAutoFit/>
+            </a:bodyPr>
+            <a:lstStyle/>
+            <a:p>
+              <a:r>
+                <a:rPr lang="en-US" sz="800" dirty="0" smtClean="0"/>
+                <a:t>type: </a:t>
+              </a:r>
+              <a:r>
+                <a:rPr lang="en-US" sz="800" dirty="0" err="1" smtClean="0"/>
+                <a:t>int</a:t>
+              </a:r>
+              <a:endParaRPr lang="nb-NO" sz="800" dirty="0"/>
+            </a:p>
+          </p:txBody>
+        </p:sp>
+      </p:grpSp>
+      <p:sp>
+        <p:nvSpPr>
+          <p:cNvPr id="244" name="Avrundet rektangel 243"/>
+          <p:cNvSpPr/>
+          <p:nvPr/>
+        </p:nvSpPr>
+        <p:spPr>
+          <a:xfrm>
+            <a:off x="841102" y="5211236"/>
+            <a:ext cx="2524434" cy="434161"/>
+          </a:xfrm>
+          <a:prstGeom prst="roundRect">
+            <a:avLst/>
+          </a:prstGeom>
+          <a:ln>
+            <a:solidFill>
+              <a:schemeClr val="accent1"/>
+            </a:solidFill>
+            <a:prstDash val="solid"/>
+          </a:ln>
+        </p:spPr>
+        <p:style>
+          <a:lnRef idx="2">
+            <a:schemeClr val="accent1"/>
+          </a:lnRef>
+          <a:fillRef idx="1">
+            <a:schemeClr val="lt1"/>
+          </a:fillRef>
+          <a:effectRef idx="0">
+            <a:schemeClr val="accent1"/>
+          </a:effectRef>
+          <a:fontRef idx="minor">
+            <a:schemeClr val="dk1"/>
+          </a:fontRef>
+        </p:style>
+        <p:txBody>
+          <a:bodyPr rtlCol="0" anchor="ctr"/>
+          <a:lstStyle/>
+          <a:p>
+            <a:pPr algn="ctr"/>
+            <a:endParaRPr lang="nb-NO" sz="800"/>
+          </a:p>
+        </p:txBody>
+      </p:sp>
+      <p:sp>
+        <p:nvSpPr>
+          <p:cNvPr id="245" name="TekstSylinder 244"/>
+          <p:cNvSpPr txBox="1"/>
+          <p:nvPr/>
+        </p:nvSpPr>
+        <p:spPr>
+          <a:xfrm>
+            <a:off x="838005" y="4963973"/>
+            <a:ext cx="2524434" cy="246221"/>
+          </a:xfrm>
+          <a:prstGeom prst="rect">
+            <a:avLst/>
+          </a:prstGeom>
+          <a:noFill/>
+        </p:spPr>
+        <p:txBody>
+          <a:bodyPr wrap="square" rtlCol="0">
+            <a:spAutoFit/>
+          </a:bodyPr>
+          <a:lstStyle/>
+          <a:p>
+            <a:r>
+              <a:rPr lang="en-US" sz="1000" dirty="0" err="1" smtClean="0"/>
+              <a:t>Spesialist</a:t>
+            </a:r>
+            <a:endParaRPr lang="nb-NO" sz="1000" dirty="0"/>
+          </a:p>
+        </p:txBody>
+      </p:sp>
+      <p:grpSp>
+        <p:nvGrpSpPr>
+          <p:cNvPr id="246" name="Gruppe 245"/>
+          <p:cNvGrpSpPr/>
+          <p:nvPr/>
+        </p:nvGrpSpPr>
+        <p:grpSpPr>
+          <a:xfrm>
+            <a:off x="1170712" y="5176719"/>
+            <a:ext cx="1252912" cy="483535"/>
+            <a:chOff x="6924632" y="2807988"/>
+            <a:chExt cx="1514682" cy="786352"/>
+          </a:xfrm>
+        </p:grpSpPr>
+        <p:sp>
+          <p:nvSpPr>
+            <p:cNvPr id="247" name="Rektangel 246"/>
+            <p:cNvSpPr/>
+            <p:nvPr/>
+          </p:nvSpPr>
+          <p:spPr>
+            <a:xfrm>
+              <a:off x="6988629" y="3086099"/>
+              <a:ext cx="1020535" cy="187779"/>
+            </a:xfrm>
+            <a:prstGeom prst="rect">
+              <a:avLst/>
+            </a:prstGeom>
+            <a:ln>
+              <a:solidFill>
+                <a:schemeClr val="accent1"/>
+              </a:solidFill>
+            </a:ln>
+          </p:spPr>
+          <p:style>
+            <a:lnRef idx="2">
+              <a:schemeClr val="dk1"/>
+            </a:lnRef>
+            <a:fillRef idx="1">
+              <a:schemeClr val="lt1"/>
+            </a:fillRef>
+            <a:effectRef idx="0">
+              <a:schemeClr val="dk1"/>
+            </a:effectRef>
+            <a:fontRef idx="minor">
+              <a:schemeClr val="dk1"/>
+            </a:fontRef>
+          </p:style>
+          <p:txBody>
+            <a:bodyPr rtlCol="0" anchor="ctr"/>
+            <a:lstStyle/>
+            <a:p>
+              <a:pPr algn="ctr"/>
+              <a:r>
+                <a:rPr lang="en-US" sz="800" dirty="0" smtClean="0"/>
+                <a:t>Dr. House</a:t>
+              </a:r>
+              <a:endParaRPr lang="nb-NO" sz="800" dirty="0"/>
+            </a:p>
+          </p:txBody>
+        </p:sp>
+        <p:sp>
+          <p:nvSpPr>
+            <p:cNvPr id="248" name="TekstSylinder 247"/>
+            <p:cNvSpPr txBox="1"/>
+            <p:nvPr/>
+          </p:nvSpPr>
+          <p:spPr>
+            <a:xfrm>
+              <a:off x="6924633" y="2807988"/>
+              <a:ext cx="1514681" cy="350368"/>
+            </a:xfrm>
+            <a:prstGeom prst="rect">
+              <a:avLst/>
+            </a:prstGeom>
+            <a:noFill/>
+          </p:spPr>
+          <p:txBody>
+            <a:bodyPr wrap="square" rtlCol="0">
+              <a:spAutoFit/>
+            </a:bodyPr>
+            <a:lstStyle/>
+            <a:p>
+              <a:r>
+                <a:rPr lang="en-US" sz="800" dirty="0" err="1" smtClean="0"/>
+                <a:t>navn</a:t>
+              </a:r>
+              <a:r>
+                <a:rPr lang="en-US" sz="800" dirty="0" smtClean="0"/>
+                <a:t>:  </a:t>
+              </a:r>
+              <a:r>
+                <a:rPr lang="en-US" sz="800" dirty="0" err="1" smtClean="0"/>
+                <a:t>navn</a:t>
+              </a:r>
+              <a:endParaRPr lang="nb-NO" sz="800" dirty="0"/>
+            </a:p>
+          </p:txBody>
+        </p:sp>
+        <p:sp>
+          <p:nvSpPr>
+            <p:cNvPr id="249" name="TekstSylinder 248"/>
+            <p:cNvSpPr txBox="1"/>
+            <p:nvPr/>
+          </p:nvSpPr>
+          <p:spPr>
+            <a:xfrm>
+              <a:off x="6924632" y="3243973"/>
+              <a:ext cx="1514681" cy="350367"/>
+            </a:xfrm>
+            <a:prstGeom prst="rect">
+              <a:avLst/>
+            </a:prstGeom>
+            <a:noFill/>
+          </p:spPr>
+          <p:txBody>
+            <a:bodyPr wrap="square" rtlCol="0">
+              <a:spAutoFit/>
+            </a:bodyPr>
+            <a:lstStyle/>
+            <a:p>
+              <a:r>
+                <a:rPr lang="en-US" sz="800" dirty="0" smtClean="0"/>
+                <a:t>type: </a:t>
+              </a:r>
+              <a:r>
+                <a:rPr lang="en-US" sz="800" dirty="0" smtClean="0"/>
+                <a:t>String</a:t>
+              </a:r>
+              <a:endParaRPr lang="nb-NO" sz="800" dirty="0"/>
+            </a:p>
+          </p:txBody>
+        </p:sp>
+      </p:grpSp>
+      <p:sp>
+        <p:nvSpPr>
+          <p:cNvPr id="250" name="TekstSylinder 249"/>
+          <p:cNvSpPr txBox="1"/>
+          <p:nvPr/>
+        </p:nvSpPr>
+        <p:spPr>
+          <a:xfrm>
+            <a:off x="969753" y="6187426"/>
+            <a:ext cx="2152628" cy="215444"/>
+          </a:xfrm>
+          <a:prstGeom prst="rect">
+            <a:avLst/>
+          </a:prstGeom>
+          <a:noFill/>
+          <a:ln>
+            <a:solidFill>
+              <a:schemeClr val="accent1"/>
+            </a:solidFill>
+          </a:ln>
+        </p:spPr>
+        <p:txBody>
+          <a:bodyPr wrap="square" rtlCol="0">
+            <a:spAutoFit/>
+          </a:bodyPr>
+          <a:lstStyle/>
+          <a:p>
+            <a:endParaRPr lang="en-US" sz="800" dirty="0" smtClean="0"/>
+          </a:p>
+        </p:txBody>
+      </p:sp>
+      <p:cxnSp>
+        <p:nvCxnSpPr>
+          <p:cNvPr id="251" name="Rett linje 250"/>
+          <p:cNvCxnSpPr/>
+          <p:nvPr/>
+        </p:nvCxnSpPr>
+        <p:spPr>
+          <a:xfrm flipH="1">
+            <a:off x="660539" y="6183001"/>
+            <a:ext cx="378186" cy="0"/>
+          </a:xfrm>
+          <a:prstGeom prst="line">
+            <a:avLst/>
+          </a:prstGeom>
+          <a:ln>
+            <a:solidFill>
+              <a:schemeClr val="accent1"/>
+            </a:solidFill>
+          </a:ln>
+        </p:spPr>
+        <p:style>
+          <a:lnRef idx="1">
+            <a:schemeClr val="accent1"/>
+          </a:lnRef>
+          <a:fillRef idx="0">
+            <a:schemeClr val="accent1"/>
+          </a:fillRef>
+          <a:effectRef idx="0">
+            <a:schemeClr val="accent1"/>
+          </a:effectRef>
+          <a:fontRef idx="minor">
+            <a:schemeClr val="tx1"/>
+          </a:fontRef>
+        </p:style>
+      </p:cxnSp>
+      <p:sp>
+        <p:nvSpPr>
+          <p:cNvPr id="252" name="TekstSylinder 251"/>
+          <p:cNvSpPr txBox="1"/>
+          <p:nvPr/>
+        </p:nvSpPr>
+        <p:spPr>
+          <a:xfrm>
+            <a:off x="982535" y="6013591"/>
+            <a:ext cx="2139846" cy="215444"/>
+          </a:xfrm>
+          <a:prstGeom prst="rect">
+            <a:avLst/>
+          </a:prstGeom>
+          <a:noFill/>
+        </p:spPr>
+        <p:txBody>
+          <a:bodyPr wrap="square" rtlCol="0">
+            <a:spAutoFit/>
+          </a:bodyPr>
+          <a:lstStyle/>
+          <a:p>
+            <a:r>
+              <a:rPr lang="en-US" sz="800" dirty="0" smtClean="0"/>
+              <a:t>public </a:t>
+            </a:r>
+            <a:r>
+              <a:rPr lang="en-US" sz="800" dirty="0" err="1" smtClean="0"/>
+              <a:t>int</a:t>
+            </a:r>
+            <a:r>
+              <a:rPr lang="en-US" sz="800" dirty="0" smtClean="0"/>
+              <a:t> </a:t>
+            </a:r>
+            <a:r>
+              <a:rPr lang="en-US" sz="800" dirty="0" err="1" smtClean="0"/>
+              <a:t>hentKontrollID</a:t>
+            </a:r>
+            <a:r>
+              <a:rPr lang="en-US" sz="800" dirty="0" smtClean="0"/>
+              <a:t>()</a:t>
+            </a:r>
+            <a:endParaRPr lang="en-US" sz="800" dirty="0"/>
+          </a:p>
+        </p:txBody>
+      </p:sp>
+      <p:sp>
+        <p:nvSpPr>
+          <p:cNvPr id="261" name="TekstSylinder 260"/>
+          <p:cNvSpPr txBox="1"/>
+          <p:nvPr/>
+        </p:nvSpPr>
+        <p:spPr>
+          <a:xfrm>
+            <a:off x="590529" y="114777"/>
+            <a:ext cx="2346947" cy="246221"/>
+          </a:xfrm>
+          <a:prstGeom prst="rect">
+            <a:avLst/>
+          </a:prstGeom>
+          <a:noFill/>
+        </p:spPr>
+        <p:txBody>
+          <a:bodyPr wrap="square" rtlCol="0">
+            <a:spAutoFit/>
+          </a:bodyPr>
+          <a:lstStyle/>
+          <a:p>
+            <a:r>
+              <a:rPr lang="en-US" sz="1000" dirty="0" smtClean="0"/>
+              <a:t>nark</a:t>
+            </a:r>
+            <a:endParaRPr lang="nb-NO" sz="1000" dirty="0"/>
+          </a:p>
+        </p:txBody>
+      </p:sp>
+      <p:sp>
+        <p:nvSpPr>
+          <p:cNvPr id="263" name="TekstSylinder 262"/>
+          <p:cNvSpPr txBox="1"/>
+          <p:nvPr/>
+        </p:nvSpPr>
+        <p:spPr>
+          <a:xfrm>
+            <a:off x="9358586" y="12128"/>
+            <a:ext cx="2346947" cy="400110"/>
+          </a:xfrm>
+          <a:prstGeom prst="rect">
+            <a:avLst/>
+          </a:prstGeom>
+          <a:noFill/>
+        </p:spPr>
+        <p:txBody>
+          <a:bodyPr wrap="square" rtlCol="0">
+            <a:spAutoFit/>
+          </a:bodyPr>
+          <a:lstStyle/>
+          <a:p>
+            <a:r>
+              <a:rPr lang="en-US" sz="1000" dirty="0" smtClean="0"/>
+              <a:t>vane</a:t>
+            </a:r>
+          </a:p>
+          <a:p>
+            <a:endParaRPr lang="nb-NO" sz="1000" dirty="0"/>
+          </a:p>
+        </p:txBody>
+      </p:sp>
+      <p:sp>
+        <p:nvSpPr>
+          <p:cNvPr id="265" name="TekstSylinder 264"/>
+          <p:cNvSpPr txBox="1"/>
+          <p:nvPr/>
+        </p:nvSpPr>
+        <p:spPr>
+          <a:xfrm>
+            <a:off x="3461676" y="181400"/>
+            <a:ext cx="2346947" cy="400110"/>
+          </a:xfrm>
+          <a:prstGeom prst="rect">
+            <a:avLst/>
+          </a:prstGeom>
+          <a:noFill/>
+        </p:spPr>
+        <p:txBody>
+          <a:bodyPr wrap="square" rtlCol="0">
+            <a:spAutoFit/>
+          </a:bodyPr>
+          <a:lstStyle/>
+          <a:p>
+            <a:r>
+              <a:rPr lang="en-US" sz="1000" dirty="0" smtClean="0"/>
+              <a:t>norm1</a:t>
+            </a:r>
+          </a:p>
+          <a:p>
+            <a:endParaRPr lang="nb-NO" sz="1000" dirty="0"/>
+          </a:p>
+        </p:txBody>
+      </p:sp>
+      <p:sp>
+        <p:nvSpPr>
+          <p:cNvPr id="266" name="Avrundet rektangel 265"/>
+          <p:cNvSpPr/>
+          <p:nvPr/>
+        </p:nvSpPr>
+        <p:spPr>
+          <a:xfrm>
+            <a:off x="3429852" y="394468"/>
+            <a:ext cx="2524434" cy="1098550"/>
+          </a:xfrm>
+          <a:prstGeom prst="roundRect">
+            <a:avLst/>
+          </a:prstGeom>
+          <a:ln>
+            <a:solidFill>
+              <a:schemeClr val="accent1"/>
+            </a:solidFill>
+            <a:prstDash val="solid"/>
+          </a:ln>
+        </p:spPr>
+        <p:style>
+          <a:lnRef idx="2">
+            <a:schemeClr val="accent1"/>
+          </a:lnRef>
+          <a:fillRef idx="1">
+            <a:schemeClr val="lt1"/>
+          </a:fillRef>
+          <a:effectRef idx="0">
+            <a:schemeClr val="accent1"/>
+          </a:effectRef>
+          <a:fontRef idx="minor">
+            <a:schemeClr val="dk1"/>
+          </a:fontRef>
+        </p:style>
+        <p:txBody>
+          <a:bodyPr rtlCol="0" anchor="ctr"/>
+          <a:lstStyle/>
+          <a:p>
+            <a:pPr algn="ctr"/>
+            <a:endParaRPr lang="nb-NO" sz="800"/>
+          </a:p>
+        </p:txBody>
+      </p:sp>
+      <p:sp>
+        <p:nvSpPr>
+          <p:cNvPr id="267" name="TekstSylinder 266"/>
+          <p:cNvSpPr txBox="1"/>
+          <p:nvPr/>
+        </p:nvSpPr>
+        <p:spPr>
+          <a:xfrm>
+            <a:off x="6378358" y="133153"/>
+            <a:ext cx="2346947" cy="400110"/>
+          </a:xfrm>
+          <a:prstGeom prst="rect">
+            <a:avLst/>
+          </a:prstGeom>
+          <a:noFill/>
+        </p:spPr>
+        <p:txBody>
+          <a:bodyPr wrap="square" rtlCol="0">
+            <a:spAutoFit/>
+          </a:bodyPr>
+          <a:lstStyle/>
+          <a:p>
+            <a:r>
+              <a:rPr lang="en-US" sz="1000" dirty="0" smtClean="0"/>
+              <a:t>norm2</a:t>
+            </a:r>
+          </a:p>
+          <a:p>
+            <a:endParaRPr lang="nb-NO" sz="1000" dirty="0"/>
+          </a:p>
+        </p:txBody>
+      </p:sp>
+      <p:grpSp>
+        <p:nvGrpSpPr>
+          <p:cNvPr id="268" name="Gruppe 267"/>
+          <p:cNvGrpSpPr/>
+          <p:nvPr/>
+        </p:nvGrpSpPr>
+        <p:grpSpPr>
+          <a:xfrm>
+            <a:off x="632326" y="354226"/>
+            <a:ext cx="1252912" cy="483535"/>
+            <a:chOff x="6924632" y="2807988"/>
+            <a:chExt cx="1514682" cy="786352"/>
+          </a:xfrm>
+        </p:grpSpPr>
+        <p:sp>
+          <p:nvSpPr>
+            <p:cNvPr id="269" name="Rektangel 268"/>
+            <p:cNvSpPr/>
+            <p:nvPr/>
+          </p:nvSpPr>
+          <p:spPr>
+            <a:xfrm>
+              <a:off x="6988629" y="3086099"/>
+              <a:ext cx="1020535" cy="187779"/>
+            </a:xfrm>
+            <a:prstGeom prst="rect">
+              <a:avLst/>
+            </a:prstGeom>
+            <a:ln>
+              <a:solidFill>
+                <a:schemeClr val="accent1"/>
+              </a:solidFill>
+            </a:ln>
+          </p:spPr>
+          <p:style>
+            <a:lnRef idx="2">
+              <a:schemeClr val="dk1"/>
+            </a:lnRef>
+            <a:fillRef idx="1">
+              <a:schemeClr val="lt1"/>
+            </a:fillRef>
+            <a:effectRef idx="0">
+              <a:schemeClr val="dk1"/>
+            </a:effectRef>
+            <a:fontRef idx="minor">
+              <a:schemeClr val="dk1"/>
+            </a:fontRef>
+          </p:style>
+          <p:txBody>
+            <a:bodyPr rtlCol="0" anchor="ctr"/>
+            <a:lstStyle/>
+            <a:p>
+              <a:pPr algn="ctr"/>
+              <a:r>
+                <a:rPr lang="en-US" sz="800" dirty="0" smtClean="0"/>
+                <a:t>0</a:t>
+              </a:r>
+              <a:endParaRPr lang="nb-NO" sz="800" dirty="0"/>
+            </a:p>
+          </p:txBody>
+        </p:sp>
+        <p:sp>
+          <p:nvSpPr>
+            <p:cNvPr id="270" name="TekstSylinder 269"/>
+            <p:cNvSpPr txBox="1"/>
+            <p:nvPr/>
+          </p:nvSpPr>
+          <p:spPr>
+            <a:xfrm>
+              <a:off x="6924633" y="2807988"/>
+              <a:ext cx="1514681" cy="350368"/>
+            </a:xfrm>
+            <a:prstGeom prst="rect">
+              <a:avLst/>
+            </a:prstGeom>
+            <a:noFill/>
+          </p:spPr>
+          <p:txBody>
+            <a:bodyPr wrap="square" rtlCol="0">
+              <a:spAutoFit/>
+            </a:bodyPr>
+            <a:lstStyle/>
+            <a:p>
+              <a:r>
+                <a:rPr lang="en-US" sz="800" dirty="0" err="1" smtClean="0"/>
+                <a:t>navn</a:t>
+              </a:r>
+              <a:r>
+                <a:rPr lang="en-US" sz="800" dirty="0" smtClean="0"/>
+                <a:t>:  </a:t>
+              </a:r>
+              <a:r>
+                <a:rPr lang="en-US" sz="800" dirty="0" smtClean="0"/>
+                <a:t>id</a:t>
+              </a:r>
+              <a:endParaRPr lang="nb-NO" sz="800" dirty="0"/>
+            </a:p>
+          </p:txBody>
+        </p:sp>
+        <p:sp>
+          <p:nvSpPr>
+            <p:cNvPr id="271" name="TekstSylinder 270"/>
+            <p:cNvSpPr txBox="1"/>
+            <p:nvPr/>
+          </p:nvSpPr>
+          <p:spPr>
+            <a:xfrm>
+              <a:off x="6924632" y="3243973"/>
+              <a:ext cx="1514681" cy="350367"/>
+            </a:xfrm>
+            <a:prstGeom prst="rect">
+              <a:avLst/>
+            </a:prstGeom>
+            <a:noFill/>
+          </p:spPr>
+          <p:txBody>
+            <a:bodyPr wrap="square" rtlCol="0">
+              <a:spAutoFit/>
+            </a:bodyPr>
+            <a:lstStyle/>
+            <a:p>
+              <a:r>
+                <a:rPr lang="en-US" sz="800" dirty="0" smtClean="0"/>
+                <a:t>type: </a:t>
+              </a:r>
+              <a:r>
+                <a:rPr lang="en-US" sz="800" dirty="0" err="1" smtClean="0"/>
+                <a:t>int</a:t>
+              </a:r>
+              <a:endParaRPr lang="nb-NO" sz="800" dirty="0"/>
+            </a:p>
+          </p:txBody>
+        </p:sp>
+      </p:grpSp>
+      <p:grpSp>
+        <p:nvGrpSpPr>
+          <p:cNvPr id="272" name="Gruppe 271"/>
+          <p:cNvGrpSpPr/>
+          <p:nvPr/>
+        </p:nvGrpSpPr>
+        <p:grpSpPr>
+          <a:xfrm>
+            <a:off x="1716493" y="362250"/>
+            <a:ext cx="1252912" cy="483535"/>
+            <a:chOff x="6924632" y="2807988"/>
+            <a:chExt cx="1514682" cy="786352"/>
+          </a:xfrm>
+        </p:grpSpPr>
+        <p:sp>
+          <p:nvSpPr>
+            <p:cNvPr id="273" name="Rektangel 272"/>
+            <p:cNvSpPr/>
+            <p:nvPr/>
+          </p:nvSpPr>
+          <p:spPr>
+            <a:xfrm>
+              <a:off x="6988629" y="3086099"/>
+              <a:ext cx="1020535" cy="187779"/>
+            </a:xfrm>
+            <a:prstGeom prst="rect">
+              <a:avLst/>
+            </a:prstGeom>
+            <a:ln>
+              <a:solidFill>
+                <a:schemeClr val="accent1"/>
+              </a:solidFill>
+            </a:ln>
+          </p:spPr>
+          <p:style>
+            <a:lnRef idx="2">
+              <a:schemeClr val="dk1"/>
+            </a:lnRef>
+            <a:fillRef idx="1">
+              <a:schemeClr val="lt1"/>
+            </a:fillRef>
+            <a:effectRef idx="0">
+              <a:schemeClr val="dk1"/>
+            </a:effectRef>
+            <a:fontRef idx="minor">
+              <a:schemeClr val="dk1"/>
+            </a:fontRef>
+          </p:style>
+          <p:txBody>
+            <a:bodyPr rtlCol="0" anchor="ctr"/>
+            <a:lstStyle/>
+            <a:p>
+              <a:pPr algn="ctr"/>
+              <a:r>
+                <a:rPr lang="en-US" sz="800" dirty="0" err="1" smtClean="0"/>
+                <a:t>Metadon</a:t>
+              </a:r>
+              <a:endParaRPr lang="nb-NO" sz="800" dirty="0"/>
+            </a:p>
+          </p:txBody>
+        </p:sp>
+        <p:sp>
+          <p:nvSpPr>
+            <p:cNvPr id="274" name="TekstSylinder 273"/>
+            <p:cNvSpPr txBox="1"/>
+            <p:nvPr/>
+          </p:nvSpPr>
+          <p:spPr>
+            <a:xfrm>
+              <a:off x="6924633" y="2807988"/>
+              <a:ext cx="1514681" cy="350368"/>
+            </a:xfrm>
+            <a:prstGeom prst="rect">
+              <a:avLst/>
+            </a:prstGeom>
+            <a:noFill/>
+          </p:spPr>
+          <p:txBody>
+            <a:bodyPr wrap="square" rtlCol="0">
+              <a:spAutoFit/>
+            </a:bodyPr>
+            <a:lstStyle/>
+            <a:p>
+              <a:r>
+                <a:rPr lang="en-US" sz="800" dirty="0" err="1" smtClean="0"/>
+                <a:t>navn</a:t>
+              </a:r>
+              <a:r>
+                <a:rPr lang="en-US" sz="800" dirty="0" smtClean="0"/>
+                <a:t>:  </a:t>
+              </a:r>
+              <a:r>
+                <a:rPr lang="en-US" sz="800" dirty="0" err="1" smtClean="0"/>
+                <a:t>navn</a:t>
+              </a:r>
+              <a:endParaRPr lang="nb-NO" sz="800" dirty="0"/>
+            </a:p>
+          </p:txBody>
+        </p:sp>
+        <p:sp>
+          <p:nvSpPr>
+            <p:cNvPr id="275" name="TekstSylinder 274"/>
+            <p:cNvSpPr txBox="1"/>
+            <p:nvPr/>
+          </p:nvSpPr>
+          <p:spPr>
+            <a:xfrm>
+              <a:off x="6924632" y="3243973"/>
+              <a:ext cx="1514681" cy="350367"/>
+            </a:xfrm>
+            <a:prstGeom prst="rect">
+              <a:avLst/>
+            </a:prstGeom>
+            <a:noFill/>
+          </p:spPr>
+          <p:txBody>
+            <a:bodyPr wrap="square" rtlCol="0">
+              <a:spAutoFit/>
+            </a:bodyPr>
+            <a:lstStyle/>
+            <a:p>
+              <a:r>
+                <a:rPr lang="en-US" sz="800" dirty="0" smtClean="0"/>
+                <a:t>type: </a:t>
+              </a:r>
+              <a:r>
+                <a:rPr lang="en-US" sz="800" dirty="0" smtClean="0"/>
+                <a:t>String</a:t>
+              </a:r>
+              <a:endParaRPr lang="nb-NO" sz="800" dirty="0"/>
+            </a:p>
+          </p:txBody>
+        </p:sp>
+      </p:grpSp>
+      <p:grpSp>
+        <p:nvGrpSpPr>
+          <p:cNvPr id="276" name="Gruppe 275"/>
+          <p:cNvGrpSpPr/>
+          <p:nvPr/>
+        </p:nvGrpSpPr>
+        <p:grpSpPr>
+          <a:xfrm>
+            <a:off x="816833" y="789394"/>
+            <a:ext cx="1252912" cy="483535"/>
+            <a:chOff x="6924632" y="2807988"/>
+            <a:chExt cx="1514682" cy="786352"/>
+          </a:xfrm>
+        </p:grpSpPr>
+        <p:sp>
+          <p:nvSpPr>
+            <p:cNvPr id="277" name="Rektangel 276"/>
+            <p:cNvSpPr/>
+            <p:nvPr/>
+          </p:nvSpPr>
+          <p:spPr>
+            <a:xfrm>
+              <a:off x="6988629" y="3086099"/>
+              <a:ext cx="1020535" cy="187779"/>
+            </a:xfrm>
+            <a:prstGeom prst="rect">
+              <a:avLst/>
+            </a:prstGeom>
+            <a:ln>
+              <a:solidFill>
+                <a:schemeClr val="accent1"/>
+              </a:solidFill>
+            </a:ln>
+          </p:spPr>
+          <p:style>
+            <a:lnRef idx="2">
+              <a:schemeClr val="dk1"/>
+            </a:lnRef>
+            <a:fillRef idx="1">
+              <a:schemeClr val="lt1"/>
+            </a:fillRef>
+            <a:effectRef idx="0">
+              <a:schemeClr val="dk1"/>
+            </a:effectRef>
+            <a:fontRef idx="minor">
+              <a:schemeClr val="dk1"/>
+            </a:fontRef>
+          </p:style>
+          <p:txBody>
+            <a:bodyPr rtlCol="0" anchor="ctr"/>
+            <a:lstStyle/>
+            <a:p>
+              <a:pPr algn="ctr"/>
+              <a:r>
+                <a:rPr lang="en-US" sz="800" dirty="0" smtClean="0"/>
+                <a:t>1000.00</a:t>
+              </a:r>
+              <a:endParaRPr lang="nb-NO" sz="800" dirty="0"/>
+            </a:p>
+          </p:txBody>
+        </p:sp>
+        <p:sp>
+          <p:nvSpPr>
+            <p:cNvPr id="278" name="TekstSylinder 277"/>
+            <p:cNvSpPr txBox="1"/>
+            <p:nvPr/>
+          </p:nvSpPr>
+          <p:spPr>
+            <a:xfrm>
+              <a:off x="6924633" y="2807988"/>
+              <a:ext cx="1514681" cy="350368"/>
+            </a:xfrm>
+            <a:prstGeom prst="rect">
+              <a:avLst/>
+            </a:prstGeom>
+            <a:noFill/>
+          </p:spPr>
+          <p:txBody>
+            <a:bodyPr wrap="square" rtlCol="0">
+              <a:spAutoFit/>
+            </a:bodyPr>
+            <a:lstStyle/>
+            <a:p>
+              <a:r>
+                <a:rPr lang="en-US" sz="800" dirty="0" err="1" smtClean="0"/>
+                <a:t>navn</a:t>
+              </a:r>
+              <a:r>
+                <a:rPr lang="en-US" sz="800" dirty="0" smtClean="0"/>
+                <a:t>:  </a:t>
+              </a:r>
+              <a:r>
+                <a:rPr lang="en-US" sz="800" dirty="0" err="1" smtClean="0"/>
+                <a:t>pris</a:t>
+              </a:r>
+              <a:endParaRPr lang="nb-NO" sz="800" dirty="0"/>
+            </a:p>
+          </p:txBody>
+        </p:sp>
+        <p:sp>
+          <p:nvSpPr>
+            <p:cNvPr id="279" name="TekstSylinder 278"/>
+            <p:cNvSpPr txBox="1"/>
+            <p:nvPr/>
+          </p:nvSpPr>
+          <p:spPr>
+            <a:xfrm>
+              <a:off x="6924632" y="3243973"/>
+              <a:ext cx="1514681" cy="350367"/>
+            </a:xfrm>
+            <a:prstGeom prst="rect">
+              <a:avLst/>
+            </a:prstGeom>
+            <a:noFill/>
+          </p:spPr>
+          <p:txBody>
+            <a:bodyPr wrap="square" rtlCol="0">
+              <a:spAutoFit/>
+            </a:bodyPr>
+            <a:lstStyle/>
+            <a:p>
+              <a:r>
+                <a:rPr lang="en-US" sz="800" dirty="0" smtClean="0"/>
+                <a:t>type: </a:t>
+              </a:r>
+              <a:r>
+                <a:rPr lang="en-US" sz="800" dirty="0" smtClean="0"/>
+                <a:t>double</a:t>
+              </a:r>
+              <a:endParaRPr lang="nb-NO" sz="800" dirty="0"/>
+            </a:p>
+          </p:txBody>
+        </p:sp>
+      </p:grpSp>
+      <p:grpSp>
+        <p:nvGrpSpPr>
+          <p:cNvPr id="280" name="Gruppe 279"/>
+          <p:cNvGrpSpPr/>
+          <p:nvPr/>
+        </p:nvGrpSpPr>
+        <p:grpSpPr>
+          <a:xfrm>
+            <a:off x="1242615" y="1258884"/>
+            <a:ext cx="1252912" cy="483535"/>
+            <a:chOff x="6924632" y="2807988"/>
+            <a:chExt cx="1514682" cy="786352"/>
+          </a:xfrm>
+        </p:grpSpPr>
+        <p:sp>
+          <p:nvSpPr>
+            <p:cNvPr id="281" name="Rektangel 280"/>
+            <p:cNvSpPr/>
+            <p:nvPr/>
+          </p:nvSpPr>
+          <p:spPr>
+            <a:xfrm>
+              <a:off x="6988629" y="3086099"/>
+              <a:ext cx="1020535" cy="187779"/>
+            </a:xfrm>
+            <a:prstGeom prst="rect">
+              <a:avLst/>
+            </a:prstGeom>
+            <a:ln>
+              <a:solidFill>
+                <a:schemeClr val="accent1"/>
+              </a:solidFill>
+            </a:ln>
+          </p:spPr>
+          <p:style>
+            <a:lnRef idx="2">
+              <a:schemeClr val="dk1"/>
+            </a:lnRef>
+            <a:fillRef idx="1">
+              <a:schemeClr val="lt1"/>
+            </a:fillRef>
+            <a:effectRef idx="0">
+              <a:schemeClr val="dk1"/>
+            </a:effectRef>
+            <a:fontRef idx="minor">
+              <a:schemeClr val="dk1"/>
+            </a:fontRef>
+          </p:style>
+          <p:txBody>
+            <a:bodyPr rtlCol="0" anchor="ctr"/>
+            <a:lstStyle/>
+            <a:p>
+              <a:pPr algn="ctr"/>
+              <a:r>
+                <a:rPr lang="en-US" sz="800" dirty="0" smtClean="0"/>
+                <a:t>4</a:t>
+              </a:r>
+              <a:endParaRPr lang="nb-NO" sz="800" dirty="0"/>
+            </a:p>
+          </p:txBody>
+        </p:sp>
+        <p:sp>
+          <p:nvSpPr>
+            <p:cNvPr id="282" name="TekstSylinder 281"/>
+            <p:cNvSpPr txBox="1"/>
+            <p:nvPr/>
+          </p:nvSpPr>
+          <p:spPr>
+            <a:xfrm>
+              <a:off x="6924633" y="2807988"/>
+              <a:ext cx="1514681" cy="350368"/>
+            </a:xfrm>
+            <a:prstGeom prst="rect">
+              <a:avLst/>
+            </a:prstGeom>
+            <a:noFill/>
+          </p:spPr>
+          <p:txBody>
+            <a:bodyPr wrap="square" rtlCol="0">
+              <a:spAutoFit/>
+            </a:bodyPr>
+            <a:lstStyle/>
+            <a:p>
+              <a:r>
+                <a:rPr lang="en-US" sz="800" dirty="0" err="1" smtClean="0"/>
+                <a:t>navn</a:t>
+              </a:r>
+              <a:r>
+                <a:rPr lang="en-US" sz="800" dirty="0" smtClean="0"/>
+                <a:t>:  </a:t>
+              </a:r>
+              <a:r>
+                <a:rPr lang="en-US" sz="800" dirty="0" err="1" smtClean="0"/>
+                <a:t>narkotiskStyrke</a:t>
+              </a:r>
+              <a:endParaRPr lang="nb-NO" sz="800" dirty="0"/>
+            </a:p>
+          </p:txBody>
+        </p:sp>
+        <p:sp>
+          <p:nvSpPr>
+            <p:cNvPr id="283" name="TekstSylinder 282"/>
+            <p:cNvSpPr txBox="1"/>
+            <p:nvPr/>
+          </p:nvSpPr>
+          <p:spPr>
+            <a:xfrm>
+              <a:off x="6924632" y="3243973"/>
+              <a:ext cx="1514681" cy="350367"/>
+            </a:xfrm>
+            <a:prstGeom prst="rect">
+              <a:avLst/>
+            </a:prstGeom>
+            <a:noFill/>
+          </p:spPr>
+          <p:txBody>
+            <a:bodyPr wrap="square" rtlCol="0">
+              <a:spAutoFit/>
+            </a:bodyPr>
+            <a:lstStyle/>
+            <a:p>
+              <a:r>
+                <a:rPr lang="en-US" sz="800" dirty="0" smtClean="0"/>
+                <a:t>type: </a:t>
+              </a:r>
+              <a:r>
+                <a:rPr lang="en-US" sz="800" dirty="0" err="1" smtClean="0"/>
+                <a:t>int</a:t>
+              </a:r>
+              <a:endParaRPr lang="nb-NO" sz="800" dirty="0"/>
+            </a:p>
+          </p:txBody>
+        </p:sp>
+      </p:grpSp>
+      <p:grpSp>
+        <p:nvGrpSpPr>
+          <p:cNvPr id="285" name="Gruppe 284"/>
+          <p:cNvGrpSpPr/>
+          <p:nvPr/>
+        </p:nvGrpSpPr>
+        <p:grpSpPr>
+          <a:xfrm>
+            <a:off x="1919370" y="781609"/>
+            <a:ext cx="1252912" cy="483535"/>
+            <a:chOff x="6924632" y="2807988"/>
+            <a:chExt cx="1514682" cy="786352"/>
+          </a:xfrm>
+        </p:grpSpPr>
+        <p:sp>
+          <p:nvSpPr>
+            <p:cNvPr id="286" name="Rektangel 285"/>
+            <p:cNvSpPr/>
+            <p:nvPr/>
+          </p:nvSpPr>
+          <p:spPr>
+            <a:xfrm>
+              <a:off x="6988629" y="3086099"/>
+              <a:ext cx="1020535" cy="187779"/>
+            </a:xfrm>
+            <a:prstGeom prst="rect">
+              <a:avLst/>
+            </a:prstGeom>
+            <a:ln>
+              <a:solidFill>
+                <a:schemeClr val="accent1"/>
+              </a:solidFill>
+            </a:ln>
+          </p:spPr>
+          <p:style>
+            <a:lnRef idx="2">
+              <a:schemeClr val="dk1"/>
+            </a:lnRef>
+            <a:fillRef idx="1">
+              <a:schemeClr val="lt1"/>
+            </a:fillRef>
+            <a:effectRef idx="0">
+              <a:schemeClr val="dk1"/>
+            </a:effectRef>
+            <a:fontRef idx="minor">
+              <a:schemeClr val="dk1"/>
+            </a:fontRef>
+          </p:style>
+          <p:txBody>
+            <a:bodyPr rtlCol="0" anchor="ctr"/>
+            <a:lstStyle/>
+            <a:p>
+              <a:pPr algn="ctr"/>
+              <a:r>
+                <a:rPr lang="en-US" sz="800" dirty="0" smtClean="0"/>
+                <a:t>150.00</a:t>
+              </a:r>
+              <a:endParaRPr lang="nb-NO" sz="800" dirty="0"/>
+            </a:p>
+          </p:txBody>
+        </p:sp>
+        <p:sp>
+          <p:nvSpPr>
+            <p:cNvPr id="287" name="TekstSylinder 286"/>
+            <p:cNvSpPr txBox="1"/>
+            <p:nvPr/>
+          </p:nvSpPr>
+          <p:spPr>
+            <a:xfrm>
+              <a:off x="6924633" y="2807988"/>
+              <a:ext cx="1514681" cy="350368"/>
+            </a:xfrm>
+            <a:prstGeom prst="rect">
+              <a:avLst/>
+            </a:prstGeom>
+            <a:noFill/>
+          </p:spPr>
+          <p:txBody>
+            <a:bodyPr wrap="square" rtlCol="0">
+              <a:spAutoFit/>
+            </a:bodyPr>
+            <a:lstStyle/>
+            <a:p>
+              <a:r>
+                <a:rPr lang="en-US" sz="800" dirty="0" err="1" smtClean="0"/>
+                <a:t>navn</a:t>
+              </a:r>
+              <a:r>
+                <a:rPr lang="en-US" sz="800" dirty="0" smtClean="0"/>
+                <a:t>:  </a:t>
+              </a:r>
+              <a:r>
+                <a:rPr lang="en-US" sz="800" dirty="0" err="1" smtClean="0"/>
+                <a:t>virkestoff</a:t>
+              </a:r>
+              <a:endParaRPr lang="nb-NO" sz="800" dirty="0"/>
+            </a:p>
+          </p:txBody>
+        </p:sp>
+        <p:sp>
+          <p:nvSpPr>
+            <p:cNvPr id="288" name="TekstSylinder 287"/>
+            <p:cNvSpPr txBox="1"/>
+            <p:nvPr/>
+          </p:nvSpPr>
+          <p:spPr>
+            <a:xfrm>
+              <a:off x="6924632" y="3243973"/>
+              <a:ext cx="1514681" cy="350367"/>
+            </a:xfrm>
+            <a:prstGeom prst="rect">
+              <a:avLst/>
+            </a:prstGeom>
+            <a:noFill/>
+          </p:spPr>
+          <p:txBody>
+            <a:bodyPr wrap="square" rtlCol="0">
+              <a:spAutoFit/>
+            </a:bodyPr>
+            <a:lstStyle/>
+            <a:p>
+              <a:r>
+                <a:rPr lang="en-US" sz="800" dirty="0" smtClean="0"/>
+                <a:t>type: </a:t>
+              </a:r>
+              <a:r>
+                <a:rPr lang="en-US" sz="800" dirty="0" smtClean="0"/>
+                <a:t>double</a:t>
+              </a:r>
+              <a:endParaRPr lang="nb-NO" sz="800" dirty="0"/>
+            </a:p>
+          </p:txBody>
+        </p:sp>
+      </p:grpSp>
+      <p:sp>
+        <p:nvSpPr>
+          <p:cNvPr id="289" name="Avrundet rektangel 288"/>
+          <p:cNvSpPr/>
+          <p:nvPr/>
+        </p:nvSpPr>
+        <p:spPr>
+          <a:xfrm>
+            <a:off x="9356791" y="246096"/>
+            <a:ext cx="2524434" cy="1439524"/>
+          </a:xfrm>
+          <a:prstGeom prst="roundRect">
+            <a:avLst/>
+          </a:prstGeom>
+          <a:ln>
+            <a:solidFill>
+              <a:schemeClr val="accent1"/>
+            </a:solidFill>
+            <a:prstDash val="solid"/>
+          </a:ln>
+        </p:spPr>
+        <p:style>
+          <a:lnRef idx="2">
+            <a:schemeClr val="accent1"/>
+          </a:lnRef>
+          <a:fillRef idx="1">
+            <a:schemeClr val="lt1"/>
+          </a:fillRef>
+          <a:effectRef idx="0">
+            <a:schemeClr val="accent1"/>
+          </a:effectRef>
+          <a:fontRef idx="minor">
+            <a:schemeClr val="dk1"/>
+          </a:fontRef>
+        </p:style>
+        <p:txBody>
+          <a:bodyPr rtlCol="0" anchor="ctr"/>
+          <a:lstStyle/>
+          <a:p>
+            <a:pPr algn="ctr"/>
+            <a:endParaRPr lang="nb-NO" sz="800"/>
+          </a:p>
+        </p:txBody>
+      </p:sp>
+      <p:sp>
+        <p:nvSpPr>
+          <p:cNvPr id="290" name="Avrundet rektangel 289"/>
+          <p:cNvSpPr/>
+          <p:nvPr/>
+        </p:nvSpPr>
+        <p:spPr>
+          <a:xfrm>
+            <a:off x="9356791" y="246096"/>
+            <a:ext cx="2524434" cy="944512"/>
+          </a:xfrm>
+          <a:prstGeom prst="roundRect">
+            <a:avLst/>
+          </a:prstGeom>
+          <a:ln>
+            <a:solidFill>
+              <a:schemeClr val="accent1"/>
+            </a:solidFill>
+            <a:prstDash val="solid"/>
+          </a:ln>
+        </p:spPr>
+        <p:style>
+          <a:lnRef idx="2">
+            <a:schemeClr val="accent1"/>
+          </a:lnRef>
+          <a:fillRef idx="1">
+            <a:schemeClr val="lt1"/>
+          </a:fillRef>
+          <a:effectRef idx="0">
+            <a:schemeClr val="accent1"/>
+          </a:effectRef>
+          <a:fontRef idx="minor">
+            <a:schemeClr val="dk1"/>
+          </a:fontRef>
+        </p:style>
+        <p:txBody>
+          <a:bodyPr rtlCol="0" anchor="ctr"/>
+          <a:lstStyle/>
+          <a:p>
+            <a:pPr algn="ctr"/>
+            <a:endParaRPr lang="nb-NO" sz="800"/>
+          </a:p>
+        </p:txBody>
+      </p:sp>
+      <p:grpSp>
+        <p:nvGrpSpPr>
+          <p:cNvPr id="291" name="Gruppe 290"/>
+          <p:cNvGrpSpPr/>
+          <p:nvPr/>
+        </p:nvGrpSpPr>
+        <p:grpSpPr>
+          <a:xfrm>
+            <a:off x="9479608" y="290723"/>
+            <a:ext cx="1252912" cy="483535"/>
+            <a:chOff x="6924632" y="2807988"/>
+            <a:chExt cx="1514682" cy="786352"/>
+          </a:xfrm>
+        </p:grpSpPr>
+        <p:sp>
+          <p:nvSpPr>
+            <p:cNvPr id="292" name="Rektangel 291"/>
+            <p:cNvSpPr/>
+            <p:nvPr/>
+          </p:nvSpPr>
+          <p:spPr>
+            <a:xfrm>
+              <a:off x="6988629" y="3086099"/>
+              <a:ext cx="1020535" cy="187779"/>
+            </a:xfrm>
+            <a:prstGeom prst="rect">
+              <a:avLst/>
+            </a:prstGeom>
+            <a:ln>
+              <a:solidFill>
+                <a:schemeClr val="accent1"/>
+              </a:solidFill>
+            </a:ln>
+          </p:spPr>
+          <p:style>
+            <a:lnRef idx="2">
+              <a:schemeClr val="dk1"/>
+            </a:lnRef>
+            <a:fillRef idx="1">
+              <a:schemeClr val="lt1"/>
+            </a:fillRef>
+            <a:effectRef idx="0">
+              <a:schemeClr val="dk1"/>
+            </a:effectRef>
+            <a:fontRef idx="minor">
+              <a:schemeClr val="dk1"/>
+            </a:fontRef>
+          </p:style>
+          <p:txBody>
+            <a:bodyPr rtlCol="0" anchor="ctr"/>
+            <a:lstStyle/>
+            <a:p>
+              <a:pPr algn="ctr"/>
+              <a:r>
+                <a:rPr lang="en-US" sz="800" dirty="0" smtClean="0"/>
+                <a:t>1</a:t>
+              </a:r>
+              <a:endParaRPr lang="nb-NO" sz="800" dirty="0"/>
+            </a:p>
+          </p:txBody>
+        </p:sp>
+        <p:sp>
+          <p:nvSpPr>
+            <p:cNvPr id="293" name="TekstSylinder 292"/>
+            <p:cNvSpPr txBox="1"/>
+            <p:nvPr/>
+          </p:nvSpPr>
+          <p:spPr>
+            <a:xfrm>
+              <a:off x="6924633" y="2807988"/>
+              <a:ext cx="1514681" cy="350368"/>
+            </a:xfrm>
+            <a:prstGeom prst="rect">
+              <a:avLst/>
+            </a:prstGeom>
+            <a:noFill/>
+          </p:spPr>
+          <p:txBody>
+            <a:bodyPr wrap="square" rtlCol="0">
+              <a:spAutoFit/>
+            </a:bodyPr>
+            <a:lstStyle/>
+            <a:p>
+              <a:r>
+                <a:rPr lang="en-US" sz="800" dirty="0" err="1" smtClean="0"/>
+                <a:t>navn</a:t>
+              </a:r>
+              <a:r>
+                <a:rPr lang="en-US" sz="800" dirty="0" smtClean="0"/>
+                <a:t>:  </a:t>
+              </a:r>
+              <a:r>
+                <a:rPr lang="en-US" sz="800" dirty="0" smtClean="0"/>
+                <a:t>id</a:t>
+              </a:r>
+              <a:endParaRPr lang="nb-NO" sz="800" dirty="0"/>
+            </a:p>
+          </p:txBody>
+        </p:sp>
+        <p:sp>
+          <p:nvSpPr>
+            <p:cNvPr id="294" name="TekstSylinder 293"/>
+            <p:cNvSpPr txBox="1"/>
+            <p:nvPr/>
+          </p:nvSpPr>
+          <p:spPr>
+            <a:xfrm>
+              <a:off x="6924632" y="3243973"/>
+              <a:ext cx="1514681" cy="350367"/>
+            </a:xfrm>
+            <a:prstGeom prst="rect">
+              <a:avLst/>
+            </a:prstGeom>
+            <a:noFill/>
+          </p:spPr>
+          <p:txBody>
+            <a:bodyPr wrap="square" rtlCol="0">
+              <a:spAutoFit/>
+            </a:bodyPr>
+            <a:lstStyle/>
+            <a:p>
+              <a:r>
+                <a:rPr lang="en-US" sz="800" dirty="0" smtClean="0"/>
+                <a:t>type: </a:t>
+              </a:r>
+              <a:r>
+                <a:rPr lang="en-US" sz="800" dirty="0" err="1" smtClean="0"/>
+                <a:t>int</a:t>
+              </a:r>
+              <a:endParaRPr lang="nb-NO" sz="800" dirty="0"/>
+            </a:p>
+          </p:txBody>
+        </p:sp>
+      </p:grpSp>
+      <p:grpSp>
+        <p:nvGrpSpPr>
+          <p:cNvPr id="295" name="Gruppe 294"/>
+          <p:cNvGrpSpPr/>
+          <p:nvPr/>
+        </p:nvGrpSpPr>
+        <p:grpSpPr>
+          <a:xfrm>
+            <a:off x="10619008" y="288626"/>
+            <a:ext cx="1252912" cy="483535"/>
+            <a:chOff x="6924632" y="2807988"/>
+            <a:chExt cx="1514682" cy="786352"/>
+          </a:xfrm>
+        </p:grpSpPr>
+        <p:sp>
+          <p:nvSpPr>
+            <p:cNvPr id="296" name="Rektangel 295"/>
+            <p:cNvSpPr/>
+            <p:nvPr/>
+          </p:nvSpPr>
+          <p:spPr>
+            <a:xfrm>
+              <a:off x="6988629" y="3086099"/>
+              <a:ext cx="1020535" cy="187779"/>
+            </a:xfrm>
+            <a:prstGeom prst="rect">
+              <a:avLst/>
+            </a:prstGeom>
+            <a:ln>
+              <a:solidFill>
+                <a:schemeClr val="accent1"/>
+              </a:solidFill>
+            </a:ln>
+          </p:spPr>
+          <p:style>
+            <a:lnRef idx="2">
+              <a:schemeClr val="dk1"/>
+            </a:lnRef>
+            <a:fillRef idx="1">
+              <a:schemeClr val="lt1"/>
+            </a:fillRef>
+            <a:effectRef idx="0">
+              <a:schemeClr val="dk1"/>
+            </a:effectRef>
+            <a:fontRef idx="minor">
+              <a:schemeClr val="dk1"/>
+            </a:fontRef>
+          </p:style>
+          <p:txBody>
+            <a:bodyPr rtlCol="0" anchor="ctr"/>
+            <a:lstStyle/>
+            <a:p>
+              <a:pPr algn="ctr"/>
+              <a:r>
+                <a:rPr lang="en-US" sz="800" dirty="0" err="1" smtClean="0"/>
+                <a:t>Morfin</a:t>
+              </a:r>
+              <a:endParaRPr lang="nb-NO" sz="800" dirty="0"/>
+            </a:p>
+          </p:txBody>
+        </p:sp>
+        <p:sp>
+          <p:nvSpPr>
+            <p:cNvPr id="297" name="TekstSylinder 296"/>
+            <p:cNvSpPr txBox="1"/>
+            <p:nvPr/>
+          </p:nvSpPr>
+          <p:spPr>
+            <a:xfrm>
+              <a:off x="6924633" y="2807988"/>
+              <a:ext cx="1514681" cy="350368"/>
+            </a:xfrm>
+            <a:prstGeom prst="rect">
+              <a:avLst/>
+            </a:prstGeom>
+            <a:noFill/>
+          </p:spPr>
+          <p:txBody>
+            <a:bodyPr wrap="square" rtlCol="0">
+              <a:spAutoFit/>
+            </a:bodyPr>
+            <a:lstStyle/>
+            <a:p>
+              <a:r>
+                <a:rPr lang="en-US" sz="800" dirty="0" err="1" smtClean="0"/>
+                <a:t>navn</a:t>
+              </a:r>
+              <a:r>
+                <a:rPr lang="en-US" sz="800" dirty="0" smtClean="0"/>
+                <a:t>:  </a:t>
+              </a:r>
+              <a:r>
+                <a:rPr lang="en-US" sz="800" dirty="0" err="1" smtClean="0"/>
+                <a:t>navn</a:t>
+              </a:r>
+              <a:endParaRPr lang="nb-NO" sz="800" dirty="0"/>
+            </a:p>
+          </p:txBody>
+        </p:sp>
+        <p:sp>
+          <p:nvSpPr>
+            <p:cNvPr id="298" name="TekstSylinder 297"/>
+            <p:cNvSpPr txBox="1"/>
+            <p:nvPr/>
+          </p:nvSpPr>
+          <p:spPr>
+            <a:xfrm>
+              <a:off x="6924632" y="3243973"/>
+              <a:ext cx="1514681" cy="350367"/>
+            </a:xfrm>
+            <a:prstGeom prst="rect">
+              <a:avLst/>
+            </a:prstGeom>
+            <a:noFill/>
+          </p:spPr>
+          <p:txBody>
+            <a:bodyPr wrap="square" rtlCol="0">
+              <a:spAutoFit/>
+            </a:bodyPr>
+            <a:lstStyle/>
+            <a:p>
+              <a:r>
+                <a:rPr lang="en-US" sz="800" dirty="0" smtClean="0"/>
+                <a:t>type: </a:t>
+              </a:r>
+              <a:r>
+                <a:rPr lang="en-US" sz="800" dirty="0" smtClean="0"/>
+                <a:t>String</a:t>
+              </a:r>
+              <a:endParaRPr lang="nb-NO" sz="800" dirty="0"/>
+            </a:p>
+          </p:txBody>
+        </p:sp>
+      </p:grpSp>
+      <p:grpSp>
+        <p:nvGrpSpPr>
+          <p:cNvPr id="299" name="Gruppe 298"/>
+          <p:cNvGrpSpPr/>
+          <p:nvPr/>
+        </p:nvGrpSpPr>
+        <p:grpSpPr>
+          <a:xfrm>
+            <a:off x="9750253" y="698109"/>
+            <a:ext cx="1252912" cy="483535"/>
+            <a:chOff x="6924632" y="2807988"/>
+            <a:chExt cx="1514682" cy="786352"/>
+          </a:xfrm>
+        </p:grpSpPr>
+        <p:sp>
+          <p:nvSpPr>
+            <p:cNvPr id="300" name="Rektangel 299"/>
+            <p:cNvSpPr/>
+            <p:nvPr/>
+          </p:nvSpPr>
+          <p:spPr>
+            <a:xfrm>
+              <a:off x="6988629" y="3086099"/>
+              <a:ext cx="1020535" cy="187779"/>
+            </a:xfrm>
+            <a:prstGeom prst="rect">
+              <a:avLst/>
+            </a:prstGeom>
+            <a:ln>
+              <a:solidFill>
+                <a:schemeClr val="accent1"/>
+              </a:solidFill>
+            </a:ln>
+          </p:spPr>
+          <p:style>
+            <a:lnRef idx="2">
+              <a:schemeClr val="dk1"/>
+            </a:lnRef>
+            <a:fillRef idx="1">
+              <a:schemeClr val="lt1"/>
+            </a:fillRef>
+            <a:effectRef idx="0">
+              <a:schemeClr val="dk1"/>
+            </a:effectRef>
+            <a:fontRef idx="minor">
+              <a:schemeClr val="dk1"/>
+            </a:fontRef>
+          </p:style>
+          <p:txBody>
+            <a:bodyPr rtlCol="0" anchor="ctr"/>
+            <a:lstStyle/>
+            <a:p>
+              <a:pPr algn="ctr"/>
+              <a:r>
+                <a:rPr lang="en-US" sz="800" dirty="0" smtClean="0"/>
+                <a:t>1500.99</a:t>
+              </a:r>
+              <a:endParaRPr lang="nb-NO" sz="800" dirty="0"/>
+            </a:p>
+          </p:txBody>
+        </p:sp>
+        <p:sp>
+          <p:nvSpPr>
+            <p:cNvPr id="301" name="TekstSylinder 300"/>
+            <p:cNvSpPr txBox="1"/>
+            <p:nvPr/>
+          </p:nvSpPr>
+          <p:spPr>
+            <a:xfrm>
+              <a:off x="6924633" y="2807988"/>
+              <a:ext cx="1514681" cy="350368"/>
+            </a:xfrm>
+            <a:prstGeom prst="rect">
+              <a:avLst/>
+            </a:prstGeom>
+            <a:noFill/>
+          </p:spPr>
+          <p:txBody>
+            <a:bodyPr wrap="square" rtlCol="0">
+              <a:spAutoFit/>
+            </a:bodyPr>
+            <a:lstStyle/>
+            <a:p>
+              <a:r>
+                <a:rPr lang="en-US" sz="800" dirty="0" err="1" smtClean="0"/>
+                <a:t>navn</a:t>
+              </a:r>
+              <a:r>
+                <a:rPr lang="en-US" sz="800" dirty="0" smtClean="0"/>
+                <a:t>:  </a:t>
+              </a:r>
+              <a:r>
+                <a:rPr lang="en-US" sz="800" dirty="0" err="1" smtClean="0"/>
+                <a:t>pris</a:t>
+              </a:r>
+              <a:endParaRPr lang="nb-NO" sz="800" dirty="0"/>
+            </a:p>
+          </p:txBody>
+        </p:sp>
+        <p:sp>
+          <p:nvSpPr>
+            <p:cNvPr id="302" name="TekstSylinder 301"/>
+            <p:cNvSpPr txBox="1"/>
+            <p:nvPr/>
+          </p:nvSpPr>
+          <p:spPr>
+            <a:xfrm>
+              <a:off x="6924632" y="3243973"/>
+              <a:ext cx="1514681" cy="350367"/>
+            </a:xfrm>
+            <a:prstGeom prst="rect">
+              <a:avLst/>
+            </a:prstGeom>
+            <a:noFill/>
+          </p:spPr>
+          <p:txBody>
+            <a:bodyPr wrap="square" rtlCol="0">
+              <a:spAutoFit/>
+            </a:bodyPr>
+            <a:lstStyle/>
+            <a:p>
+              <a:r>
+                <a:rPr lang="en-US" sz="800" dirty="0" smtClean="0"/>
+                <a:t>type: </a:t>
+              </a:r>
+              <a:r>
+                <a:rPr lang="en-US" sz="800" dirty="0" smtClean="0"/>
+                <a:t>double</a:t>
+              </a:r>
+              <a:endParaRPr lang="nb-NO" sz="800" dirty="0"/>
+            </a:p>
+          </p:txBody>
+        </p:sp>
+      </p:grpSp>
+      <p:grpSp>
+        <p:nvGrpSpPr>
+          <p:cNvPr id="303" name="Gruppe 302"/>
+          <p:cNvGrpSpPr/>
+          <p:nvPr/>
+        </p:nvGrpSpPr>
+        <p:grpSpPr>
+          <a:xfrm>
+            <a:off x="10173049" y="1165470"/>
+            <a:ext cx="1382087" cy="483535"/>
+            <a:chOff x="6924632" y="2807988"/>
+            <a:chExt cx="1670845" cy="786352"/>
+          </a:xfrm>
+        </p:grpSpPr>
+        <p:sp>
+          <p:nvSpPr>
+            <p:cNvPr id="304" name="Rektangel 303"/>
+            <p:cNvSpPr/>
+            <p:nvPr/>
+          </p:nvSpPr>
+          <p:spPr>
+            <a:xfrm>
+              <a:off x="6988629" y="3086099"/>
+              <a:ext cx="1020535" cy="187779"/>
+            </a:xfrm>
+            <a:prstGeom prst="rect">
+              <a:avLst/>
+            </a:prstGeom>
+            <a:ln>
+              <a:solidFill>
+                <a:schemeClr val="accent1"/>
+              </a:solidFill>
+            </a:ln>
+          </p:spPr>
+          <p:style>
+            <a:lnRef idx="2">
+              <a:schemeClr val="dk1"/>
+            </a:lnRef>
+            <a:fillRef idx="1">
+              <a:schemeClr val="lt1"/>
+            </a:fillRef>
+            <a:effectRef idx="0">
+              <a:schemeClr val="dk1"/>
+            </a:effectRef>
+            <a:fontRef idx="minor">
+              <a:schemeClr val="dk1"/>
+            </a:fontRef>
+          </p:style>
+          <p:txBody>
+            <a:bodyPr rtlCol="0" anchor="ctr"/>
+            <a:lstStyle/>
+            <a:p>
+              <a:pPr algn="ctr"/>
+              <a:r>
+                <a:rPr lang="en-US" sz="800" dirty="0" smtClean="0"/>
+                <a:t>8</a:t>
+              </a:r>
+              <a:endParaRPr lang="nb-NO" sz="800" dirty="0"/>
+            </a:p>
+          </p:txBody>
+        </p:sp>
+        <p:sp>
+          <p:nvSpPr>
+            <p:cNvPr id="305" name="TekstSylinder 304"/>
+            <p:cNvSpPr txBox="1"/>
+            <p:nvPr/>
+          </p:nvSpPr>
+          <p:spPr>
+            <a:xfrm>
+              <a:off x="6924633" y="2807988"/>
+              <a:ext cx="1670844" cy="350367"/>
+            </a:xfrm>
+            <a:prstGeom prst="rect">
+              <a:avLst/>
+            </a:prstGeom>
+            <a:noFill/>
+          </p:spPr>
+          <p:txBody>
+            <a:bodyPr wrap="square" rtlCol="0">
+              <a:spAutoFit/>
+            </a:bodyPr>
+            <a:lstStyle/>
+            <a:p>
+              <a:r>
+                <a:rPr lang="en-US" sz="800" dirty="0" err="1" smtClean="0"/>
+                <a:t>navn</a:t>
+              </a:r>
+              <a:r>
+                <a:rPr lang="en-US" sz="800" dirty="0" smtClean="0"/>
+                <a:t>:  </a:t>
+              </a:r>
+              <a:r>
+                <a:rPr lang="en-US" sz="800" dirty="0" err="1" smtClean="0"/>
+                <a:t>vanedannendeStyrke</a:t>
+              </a:r>
+              <a:endParaRPr lang="nb-NO" sz="800" dirty="0"/>
+            </a:p>
+          </p:txBody>
+        </p:sp>
+        <p:sp>
+          <p:nvSpPr>
+            <p:cNvPr id="306" name="TekstSylinder 305"/>
+            <p:cNvSpPr txBox="1"/>
+            <p:nvPr/>
+          </p:nvSpPr>
+          <p:spPr>
+            <a:xfrm>
+              <a:off x="6924632" y="3243973"/>
+              <a:ext cx="1514681" cy="350367"/>
+            </a:xfrm>
+            <a:prstGeom prst="rect">
+              <a:avLst/>
+            </a:prstGeom>
+            <a:noFill/>
+          </p:spPr>
+          <p:txBody>
+            <a:bodyPr wrap="square" rtlCol="0">
+              <a:spAutoFit/>
+            </a:bodyPr>
+            <a:lstStyle/>
+            <a:p>
+              <a:r>
+                <a:rPr lang="en-US" sz="800" dirty="0" smtClean="0"/>
+                <a:t>type: </a:t>
+              </a:r>
+              <a:r>
+                <a:rPr lang="en-US" sz="800" dirty="0" err="1" smtClean="0"/>
+                <a:t>int</a:t>
+              </a:r>
+              <a:endParaRPr lang="nb-NO" sz="800" dirty="0"/>
+            </a:p>
+          </p:txBody>
+        </p:sp>
+      </p:grpSp>
+      <p:grpSp>
+        <p:nvGrpSpPr>
+          <p:cNvPr id="307" name="Gruppe 306"/>
+          <p:cNvGrpSpPr/>
+          <p:nvPr/>
+        </p:nvGrpSpPr>
+        <p:grpSpPr>
+          <a:xfrm>
+            <a:off x="10834666" y="699122"/>
+            <a:ext cx="1252912" cy="483535"/>
+            <a:chOff x="6924632" y="2807988"/>
+            <a:chExt cx="1514682" cy="786352"/>
+          </a:xfrm>
+        </p:grpSpPr>
+        <p:sp>
+          <p:nvSpPr>
+            <p:cNvPr id="308" name="Rektangel 307"/>
+            <p:cNvSpPr/>
+            <p:nvPr/>
+          </p:nvSpPr>
+          <p:spPr>
+            <a:xfrm>
+              <a:off x="6988629" y="3086099"/>
+              <a:ext cx="1020535" cy="187779"/>
+            </a:xfrm>
+            <a:prstGeom prst="rect">
+              <a:avLst/>
+            </a:prstGeom>
+            <a:ln>
+              <a:solidFill>
+                <a:schemeClr val="accent1"/>
+              </a:solidFill>
+            </a:ln>
+          </p:spPr>
+          <p:style>
+            <a:lnRef idx="2">
+              <a:schemeClr val="dk1"/>
+            </a:lnRef>
+            <a:fillRef idx="1">
+              <a:schemeClr val="lt1"/>
+            </a:fillRef>
+            <a:effectRef idx="0">
+              <a:schemeClr val="dk1"/>
+            </a:effectRef>
+            <a:fontRef idx="minor">
+              <a:schemeClr val="dk1"/>
+            </a:fontRef>
+          </p:style>
+          <p:txBody>
+            <a:bodyPr rtlCol="0" anchor="ctr"/>
+            <a:lstStyle/>
+            <a:p>
+              <a:pPr algn="ctr"/>
+              <a:r>
+                <a:rPr lang="en-US" sz="800" dirty="0" smtClean="0"/>
+                <a:t>20.99</a:t>
+              </a:r>
+              <a:endParaRPr lang="nb-NO" sz="800" dirty="0"/>
+            </a:p>
+          </p:txBody>
+        </p:sp>
+        <p:sp>
+          <p:nvSpPr>
+            <p:cNvPr id="309" name="TekstSylinder 308"/>
+            <p:cNvSpPr txBox="1"/>
+            <p:nvPr/>
+          </p:nvSpPr>
+          <p:spPr>
+            <a:xfrm>
+              <a:off x="6924633" y="2807988"/>
+              <a:ext cx="1514681" cy="350368"/>
+            </a:xfrm>
+            <a:prstGeom prst="rect">
+              <a:avLst/>
+            </a:prstGeom>
+            <a:noFill/>
+          </p:spPr>
+          <p:txBody>
+            <a:bodyPr wrap="square" rtlCol="0">
+              <a:spAutoFit/>
+            </a:bodyPr>
+            <a:lstStyle/>
+            <a:p>
+              <a:r>
+                <a:rPr lang="en-US" sz="800" dirty="0" err="1" smtClean="0"/>
+                <a:t>navn</a:t>
+              </a:r>
+              <a:r>
+                <a:rPr lang="en-US" sz="800" dirty="0" smtClean="0"/>
+                <a:t>:  </a:t>
+              </a:r>
+              <a:r>
+                <a:rPr lang="en-US" sz="800" dirty="0" err="1" smtClean="0"/>
+                <a:t>virkestoff</a:t>
+              </a:r>
+              <a:endParaRPr lang="nb-NO" sz="800" dirty="0"/>
+            </a:p>
+          </p:txBody>
+        </p:sp>
+        <p:sp>
+          <p:nvSpPr>
+            <p:cNvPr id="310" name="TekstSylinder 309"/>
+            <p:cNvSpPr txBox="1"/>
+            <p:nvPr/>
+          </p:nvSpPr>
+          <p:spPr>
+            <a:xfrm>
+              <a:off x="6924632" y="3243973"/>
+              <a:ext cx="1514681" cy="350367"/>
+            </a:xfrm>
+            <a:prstGeom prst="rect">
+              <a:avLst/>
+            </a:prstGeom>
+            <a:noFill/>
+          </p:spPr>
+          <p:txBody>
+            <a:bodyPr wrap="square" rtlCol="0">
+              <a:spAutoFit/>
+            </a:bodyPr>
+            <a:lstStyle/>
+            <a:p>
+              <a:r>
+                <a:rPr lang="en-US" sz="800" dirty="0" smtClean="0"/>
+                <a:t>type: </a:t>
+              </a:r>
+              <a:r>
+                <a:rPr lang="en-US" sz="800" dirty="0" smtClean="0"/>
+                <a:t>double</a:t>
+              </a:r>
+              <a:endParaRPr lang="nb-NO" sz="800" dirty="0"/>
+            </a:p>
+          </p:txBody>
+        </p:sp>
+      </p:grpSp>
+      <p:sp>
+        <p:nvSpPr>
+          <p:cNvPr id="311" name="Avrundet rektangel 310"/>
+          <p:cNvSpPr/>
+          <p:nvPr/>
+        </p:nvSpPr>
+        <p:spPr>
+          <a:xfrm>
+            <a:off x="3431127" y="406936"/>
+            <a:ext cx="2524434" cy="902215"/>
+          </a:xfrm>
+          <a:prstGeom prst="roundRect">
+            <a:avLst/>
+          </a:prstGeom>
+          <a:ln>
+            <a:solidFill>
+              <a:schemeClr val="accent1"/>
+            </a:solidFill>
+            <a:prstDash val="solid"/>
+          </a:ln>
+        </p:spPr>
+        <p:style>
+          <a:lnRef idx="2">
+            <a:schemeClr val="accent1"/>
+          </a:lnRef>
+          <a:fillRef idx="1">
+            <a:schemeClr val="lt1"/>
+          </a:fillRef>
+          <a:effectRef idx="0">
+            <a:schemeClr val="accent1"/>
+          </a:effectRef>
+          <a:fontRef idx="minor">
+            <a:schemeClr val="dk1"/>
+          </a:fontRef>
+        </p:style>
+        <p:txBody>
+          <a:bodyPr rtlCol="0" anchor="ctr"/>
+          <a:lstStyle/>
+          <a:p>
+            <a:pPr algn="ctr"/>
+            <a:endParaRPr lang="nb-NO" sz="800"/>
+          </a:p>
+        </p:txBody>
+      </p:sp>
+      <p:grpSp>
+        <p:nvGrpSpPr>
+          <p:cNvPr id="312" name="Gruppe 311"/>
+          <p:cNvGrpSpPr/>
+          <p:nvPr/>
+        </p:nvGrpSpPr>
+        <p:grpSpPr>
+          <a:xfrm>
+            <a:off x="3498046" y="394468"/>
+            <a:ext cx="1252912" cy="483535"/>
+            <a:chOff x="6924632" y="2807988"/>
+            <a:chExt cx="1514682" cy="786352"/>
+          </a:xfrm>
+        </p:grpSpPr>
+        <p:sp>
+          <p:nvSpPr>
+            <p:cNvPr id="313" name="Rektangel 312"/>
+            <p:cNvSpPr/>
+            <p:nvPr/>
+          </p:nvSpPr>
+          <p:spPr>
+            <a:xfrm>
+              <a:off x="6988629" y="3086099"/>
+              <a:ext cx="1020535" cy="187779"/>
+            </a:xfrm>
+            <a:prstGeom prst="rect">
+              <a:avLst/>
+            </a:prstGeom>
+            <a:ln>
+              <a:solidFill>
+                <a:schemeClr val="accent1"/>
+              </a:solidFill>
+            </a:ln>
+          </p:spPr>
+          <p:style>
+            <a:lnRef idx="2">
+              <a:schemeClr val="dk1"/>
+            </a:lnRef>
+            <a:fillRef idx="1">
+              <a:schemeClr val="lt1"/>
+            </a:fillRef>
+            <a:effectRef idx="0">
+              <a:schemeClr val="dk1"/>
+            </a:effectRef>
+            <a:fontRef idx="minor">
+              <a:schemeClr val="dk1"/>
+            </a:fontRef>
+          </p:style>
+          <p:txBody>
+            <a:bodyPr rtlCol="0" anchor="ctr"/>
+            <a:lstStyle/>
+            <a:p>
+              <a:pPr algn="ctr"/>
+              <a:r>
+                <a:rPr lang="en-US" sz="800" dirty="0" smtClean="0"/>
+                <a:t>2</a:t>
+              </a:r>
+              <a:endParaRPr lang="nb-NO" sz="800" dirty="0"/>
+            </a:p>
+          </p:txBody>
+        </p:sp>
+        <p:sp>
+          <p:nvSpPr>
+            <p:cNvPr id="314" name="TekstSylinder 313"/>
+            <p:cNvSpPr txBox="1"/>
+            <p:nvPr/>
+          </p:nvSpPr>
+          <p:spPr>
+            <a:xfrm>
+              <a:off x="6924633" y="2807988"/>
+              <a:ext cx="1514681" cy="350368"/>
+            </a:xfrm>
+            <a:prstGeom prst="rect">
+              <a:avLst/>
+            </a:prstGeom>
+            <a:noFill/>
+          </p:spPr>
+          <p:txBody>
+            <a:bodyPr wrap="square" rtlCol="0">
+              <a:spAutoFit/>
+            </a:bodyPr>
+            <a:lstStyle/>
+            <a:p>
+              <a:r>
+                <a:rPr lang="en-US" sz="800" dirty="0" err="1" smtClean="0"/>
+                <a:t>navn</a:t>
+              </a:r>
+              <a:r>
+                <a:rPr lang="en-US" sz="800" dirty="0" smtClean="0"/>
+                <a:t>:  </a:t>
+              </a:r>
+              <a:r>
+                <a:rPr lang="en-US" sz="800" dirty="0" smtClean="0"/>
+                <a:t>id</a:t>
+              </a:r>
+              <a:endParaRPr lang="nb-NO" sz="800" dirty="0"/>
+            </a:p>
+          </p:txBody>
+        </p:sp>
+        <p:sp>
+          <p:nvSpPr>
+            <p:cNvPr id="315" name="TekstSylinder 314"/>
+            <p:cNvSpPr txBox="1"/>
+            <p:nvPr/>
+          </p:nvSpPr>
+          <p:spPr>
+            <a:xfrm>
+              <a:off x="6924632" y="3243973"/>
+              <a:ext cx="1514681" cy="350367"/>
+            </a:xfrm>
+            <a:prstGeom prst="rect">
+              <a:avLst/>
+            </a:prstGeom>
+            <a:noFill/>
+          </p:spPr>
+          <p:txBody>
+            <a:bodyPr wrap="square" rtlCol="0">
+              <a:spAutoFit/>
+            </a:bodyPr>
+            <a:lstStyle/>
+            <a:p>
+              <a:r>
+                <a:rPr lang="en-US" sz="800" dirty="0" smtClean="0"/>
+                <a:t>type: </a:t>
+              </a:r>
+              <a:r>
+                <a:rPr lang="en-US" sz="800" dirty="0" err="1" smtClean="0"/>
+                <a:t>int</a:t>
+              </a:r>
+              <a:endParaRPr lang="nb-NO" sz="800" dirty="0"/>
+            </a:p>
+          </p:txBody>
+        </p:sp>
+      </p:grpSp>
+      <p:grpSp>
+        <p:nvGrpSpPr>
+          <p:cNvPr id="316" name="Gruppe 315"/>
+          <p:cNvGrpSpPr/>
+          <p:nvPr/>
+        </p:nvGrpSpPr>
+        <p:grpSpPr>
+          <a:xfrm>
+            <a:off x="4582213" y="402492"/>
+            <a:ext cx="1252912" cy="483535"/>
+            <a:chOff x="6924632" y="2807988"/>
+            <a:chExt cx="1514682" cy="786352"/>
+          </a:xfrm>
+        </p:grpSpPr>
+        <p:sp>
+          <p:nvSpPr>
+            <p:cNvPr id="317" name="Rektangel 316"/>
+            <p:cNvSpPr/>
+            <p:nvPr/>
+          </p:nvSpPr>
+          <p:spPr>
+            <a:xfrm>
+              <a:off x="6988629" y="3086099"/>
+              <a:ext cx="1020535" cy="187779"/>
+            </a:xfrm>
+            <a:prstGeom prst="rect">
+              <a:avLst/>
+            </a:prstGeom>
+            <a:ln>
+              <a:solidFill>
+                <a:schemeClr val="accent1"/>
+              </a:solidFill>
+            </a:ln>
+          </p:spPr>
+          <p:style>
+            <a:lnRef idx="2">
+              <a:schemeClr val="dk1"/>
+            </a:lnRef>
+            <a:fillRef idx="1">
+              <a:schemeClr val="lt1"/>
+            </a:fillRef>
+            <a:effectRef idx="0">
+              <a:schemeClr val="dk1"/>
+            </a:effectRef>
+            <a:fontRef idx="minor">
+              <a:schemeClr val="dk1"/>
+            </a:fontRef>
+          </p:style>
+          <p:txBody>
+            <a:bodyPr rtlCol="0" anchor="ctr"/>
+            <a:lstStyle/>
+            <a:p>
+              <a:pPr algn="ctr"/>
+              <a:r>
+                <a:rPr lang="en-US" sz="800" dirty="0" smtClean="0"/>
+                <a:t>Penicillin</a:t>
+              </a:r>
+              <a:endParaRPr lang="nb-NO" sz="800" dirty="0"/>
+            </a:p>
+          </p:txBody>
+        </p:sp>
+        <p:sp>
+          <p:nvSpPr>
+            <p:cNvPr id="318" name="TekstSylinder 317"/>
+            <p:cNvSpPr txBox="1"/>
+            <p:nvPr/>
+          </p:nvSpPr>
+          <p:spPr>
+            <a:xfrm>
+              <a:off x="6924633" y="2807988"/>
+              <a:ext cx="1514681" cy="350368"/>
+            </a:xfrm>
+            <a:prstGeom prst="rect">
+              <a:avLst/>
+            </a:prstGeom>
+            <a:noFill/>
+          </p:spPr>
+          <p:txBody>
+            <a:bodyPr wrap="square" rtlCol="0">
+              <a:spAutoFit/>
+            </a:bodyPr>
+            <a:lstStyle/>
+            <a:p>
+              <a:r>
+                <a:rPr lang="en-US" sz="800" dirty="0" err="1" smtClean="0"/>
+                <a:t>navn</a:t>
+              </a:r>
+              <a:r>
+                <a:rPr lang="en-US" sz="800" dirty="0" smtClean="0"/>
+                <a:t>:  </a:t>
+              </a:r>
+              <a:r>
+                <a:rPr lang="en-US" sz="800" dirty="0" err="1" smtClean="0"/>
+                <a:t>navn</a:t>
+              </a:r>
+              <a:endParaRPr lang="nb-NO" sz="800" dirty="0"/>
+            </a:p>
+          </p:txBody>
+        </p:sp>
+        <p:sp>
+          <p:nvSpPr>
+            <p:cNvPr id="319" name="TekstSylinder 318"/>
+            <p:cNvSpPr txBox="1"/>
+            <p:nvPr/>
+          </p:nvSpPr>
+          <p:spPr>
+            <a:xfrm>
+              <a:off x="6924632" y="3243973"/>
+              <a:ext cx="1514681" cy="350367"/>
+            </a:xfrm>
+            <a:prstGeom prst="rect">
+              <a:avLst/>
+            </a:prstGeom>
+            <a:noFill/>
+          </p:spPr>
+          <p:txBody>
+            <a:bodyPr wrap="square" rtlCol="0">
+              <a:spAutoFit/>
+            </a:bodyPr>
+            <a:lstStyle/>
+            <a:p>
+              <a:r>
+                <a:rPr lang="en-US" sz="800" dirty="0" smtClean="0"/>
+                <a:t>type: </a:t>
+              </a:r>
+              <a:r>
+                <a:rPr lang="en-US" sz="800" dirty="0" smtClean="0"/>
+                <a:t>String</a:t>
+              </a:r>
+              <a:endParaRPr lang="nb-NO" sz="800" dirty="0"/>
+            </a:p>
+          </p:txBody>
+        </p:sp>
+      </p:grpSp>
+      <p:grpSp>
+        <p:nvGrpSpPr>
+          <p:cNvPr id="320" name="Gruppe 319"/>
+          <p:cNvGrpSpPr/>
+          <p:nvPr/>
+        </p:nvGrpSpPr>
+        <p:grpSpPr>
+          <a:xfrm>
+            <a:off x="3682553" y="829636"/>
+            <a:ext cx="1252912" cy="483535"/>
+            <a:chOff x="6924632" y="2807988"/>
+            <a:chExt cx="1514682" cy="786352"/>
+          </a:xfrm>
+        </p:grpSpPr>
+        <p:sp>
+          <p:nvSpPr>
+            <p:cNvPr id="321" name="Rektangel 320"/>
+            <p:cNvSpPr/>
+            <p:nvPr/>
+          </p:nvSpPr>
+          <p:spPr>
+            <a:xfrm>
+              <a:off x="6988629" y="3086099"/>
+              <a:ext cx="1020535" cy="187779"/>
+            </a:xfrm>
+            <a:prstGeom prst="rect">
+              <a:avLst/>
+            </a:prstGeom>
+            <a:ln>
+              <a:solidFill>
+                <a:schemeClr val="accent1"/>
+              </a:solidFill>
+            </a:ln>
+          </p:spPr>
+          <p:style>
+            <a:lnRef idx="2">
+              <a:schemeClr val="dk1"/>
+            </a:lnRef>
+            <a:fillRef idx="1">
+              <a:schemeClr val="lt1"/>
+            </a:fillRef>
+            <a:effectRef idx="0">
+              <a:schemeClr val="dk1"/>
+            </a:effectRef>
+            <a:fontRef idx="minor">
+              <a:schemeClr val="dk1"/>
+            </a:fontRef>
+          </p:style>
+          <p:txBody>
+            <a:bodyPr rtlCol="0" anchor="ctr"/>
+            <a:lstStyle/>
+            <a:p>
+              <a:pPr algn="ctr"/>
+              <a:r>
+                <a:rPr lang="en-US" sz="800" dirty="0" smtClean="0"/>
+                <a:t>248.50</a:t>
+              </a:r>
+              <a:endParaRPr lang="nb-NO" sz="800" dirty="0"/>
+            </a:p>
+          </p:txBody>
+        </p:sp>
+        <p:sp>
+          <p:nvSpPr>
+            <p:cNvPr id="322" name="TekstSylinder 321"/>
+            <p:cNvSpPr txBox="1"/>
+            <p:nvPr/>
+          </p:nvSpPr>
+          <p:spPr>
+            <a:xfrm>
+              <a:off x="6924633" y="2807988"/>
+              <a:ext cx="1514681" cy="350368"/>
+            </a:xfrm>
+            <a:prstGeom prst="rect">
+              <a:avLst/>
+            </a:prstGeom>
+            <a:noFill/>
+          </p:spPr>
+          <p:txBody>
+            <a:bodyPr wrap="square" rtlCol="0">
+              <a:spAutoFit/>
+            </a:bodyPr>
+            <a:lstStyle/>
+            <a:p>
+              <a:r>
+                <a:rPr lang="en-US" sz="800" dirty="0" err="1" smtClean="0"/>
+                <a:t>navn</a:t>
+              </a:r>
+              <a:r>
+                <a:rPr lang="en-US" sz="800" dirty="0" smtClean="0"/>
+                <a:t>:  </a:t>
+              </a:r>
+              <a:r>
+                <a:rPr lang="en-US" sz="800" dirty="0" err="1" smtClean="0"/>
+                <a:t>pris</a:t>
+              </a:r>
+              <a:endParaRPr lang="nb-NO" sz="800" dirty="0"/>
+            </a:p>
+          </p:txBody>
+        </p:sp>
+        <p:sp>
+          <p:nvSpPr>
+            <p:cNvPr id="323" name="TekstSylinder 322"/>
+            <p:cNvSpPr txBox="1"/>
+            <p:nvPr/>
+          </p:nvSpPr>
+          <p:spPr>
+            <a:xfrm>
+              <a:off x="6924632" y="3243973"/>
+              <a:ext cx="1514681" cy="350367"/>
+            </a:xfrm>
+            <a:prstGeom prst="rect">
+              <a:avLst/>
+            </a:prstGeom>
+            <a:noFill/>
+          </p:spPr>
+          <p:txBody>
+            <a:bodyPr wrap="square" rtlCol="0">
+              <a:spAutoFit/>
+            </a:bodyPr>
+            <a:lstStyle/>
+            <a:p>
+              <a:r>
+                <a:rPr lang="en-US" sz="800" dirty="0" smtClean="0"/>
+                <a:t>type: </a:t>
+              </a:r>
+              <a:r>
+                <a:rPr lang="en-US" sz="800" dirty="0" smtClean="0"/>
+                <a:t>double</a:t>
+              </a:r>
+              <a:endParaRPr lang="nb-NO" sz="800" dirty="0"/>
+            </a:p>
+          </p:txBody>
+        </p:sp>
+      </p:grpSp>
+      <p:grpSp>
+        <p:nvGrpSpPr>
+          <p:cNvPr id="324" name="Gruppe 323"/>
+          <p:cNvGrpSpPr/>
+          <p:nvPr/>
+        </p:nvGrpSpPr>
+        <p:grpSpPr>
+          <a:xfrm>
+            <a:off x="4785090" y="821851"/>
+            <a:ext cx="1252912" cy="483535"/>
+            <a:chOff x="6924632" y="2807988"/>
+            <a:chExt cx="1514682" cy="786352"/>
+          </a:xfrm>
+        </p:grpSpPr>
+        <p:sp>
+          <p:nvSpPr>
+            <p:cNvPr id="325" name="Rektangel 324"/>
+            <p:cNvSpPr/>
+            <p:nvPr/>
+          </p:nvSpPr>
+          <p:spPr>
+            <a:xfrm>
+              <a:off x="6988629" y="3086099"/>
+              <a:ext cx="1020535" cy="187779"/>
+            </a:xfrm>
+            <a:prstGeom prst="rect">
+              <a:avLst/>
+            </a:prstGeom>
+            <a:ln>
+              <a:solidFill>
+                <a:schemeClr val="accent1"/>
+              </a:solidFill>
+            </a:ln>
+          </p:spPr>
+          <p:style>
+            <a:lnRef idx="2">
+              <a:schemeClr val="dk1"/>
+            </a:lnRef>
+            <a:fillRef idx="1">
+              <a:schemeClr val="lt1"/>
+            </a:fillRef>
+            <a:effectRef idx="0">
+              <a:schemeClr val="dk1"/>
+            </a:effectRef>
+            <a:fontRef idx="minor">
+              <a:schemeClr val="dk1"/>
+            </a:fontRef>
+          </p:style>
+          <p:txBody>
+            <a:bodyPr rtlCol="0" anchor="ctr"/>
+            <a:lstStyle/>
+            <a:p>
+              <a:pPr algn="ctr"/>
+              <a:r>
+                <a:rPr lang="en-US" sz="800" dirty="0" smtClean="0"/>
+                <a:t>5.5</a:t>
+              </a:r>
+              <a:endParaRPr lang="nb-NO" sz="800" dirty="0"/>
+            </a:p>
+          </p:txBody>
+        </p:sp>
+        <p:sp>
+          <p:nvSpPr>
+            <p:cNvPr id="326" name="TekstSylinder 325"/>
+            <p:cNvSpPr txBox="1"/>
+            <p:nvPr/>
+          </p:nvSpPr>
+          <p:spPr>
+            <a:xfrm>
+              <a:off x="6924633" y="2807988"/>
+              <a:ext cx="1514681" cy="350368"/>
+            </a:xfrm>
+            <a:prstGeom prst="rect">
+              <a:avLst/>
+            </a:prstGeom>
+            <a:noFill/>
+          </p:spPr>
+          <p:txBody>
+            <a:bodyPr wrap="square" rtlCol="0">
+              <a:spAutoFit/>
+            </a:bodyPr>
+            <a:lstStyle/>
+            <a:p>
+              <a:r>
+                <a:rPr lang="en-US" sz="800" dirty="0" err="1" smtClean="0"/>
+                <a:t>navn</a:t>
+              </a:r>
+              <a:r>
+                <a:rPr lang="en-US" sz="800" dirty="0" smtClean="0"/>
+                <a:t>:  </a:t>
+              </a:r>
+              <a:r>
+                <a:rPr lang="en-US" sz="800" dirty="0" err="1" smtClean="0"/>
+                <a:t>virkestoff</a:t>
+              </a:r>
+              <a:endParaRPr lang="nb-NO" sz="800" dirty="0"/>
+            </a:p>
+          </p:txBody>
+        </p:sp>
+        <p:sp>
+          <p:nvSpPr>
+            <p:cNvPr id="327" name="TekstSylinder 326"/>
+            <p:cNvSpPr txBox="1"/>
+            <p:nvPr/>
+          </p:nvSpPr>
+          <p:spPr>
+            <a:xfrm>
+              <a:off x="6924632" y="3243973"/>
+              <a:ext cx="1514681" cy="350367"/>
+            </a:xfrm>
+            <a:prstGeom prst="rect">
+              <a:avLst/>
+            </a:prstGeom>
+            <a:noFill/>
+          </p:spPr>
+          <p:txBody>
+            <a:bodyPr wrap="square" rtlCol="0">
+              <a:spAutoFit/>
+            </a:bodyPr>
+            <a:lstStyle/>
+            <a:p>
+              <a:r>
+                <a:rPr lang="en-US" sz="800" dirty="0" smtClean="0"/>
+                <a:t>type: </a:t>
+              </a:r>
+              <a:r>
+                <a:rPr lang="en-US" sz="800" dirty="0" smtClean="0"/>
+                <a:t>double</a:t>
+              </a:r>
+              <a:endParaRPr lang="nb-NO" sz="800" dirty="0"/>
+            </a:p>
+          </p:txBody>
+        </p:sp>
+      </p:grpSp>
+      <p:sp>
+        <p:nvSpPr>
+          <p:cNvPr id="328" name="Avrundet rektangel 327"/>
+          <p:cNvSpPr/>
+          <p:nvPr/>
+        </p:nvSpPr>
+        <p:spPr>
+          <a:xfrm>
+            <a:off x="6378763" y="346221"/>
+            <a:ext cx="2524434" cy="1098550"/>
+          </a:xfrm>
+          <a:prstGeom prst="roundRect">
+            <a:avLst/>
+          </a:prstGeom>
+          <a:ln>
+            <a:solidFill>
+              <a:schemeClr val="accent1"/>
+            </a:solidFill>
+            <a:prstDash val="solid"/>
+          </a:ln>
+        </p:spPr>
+        <p:style>
+          <a:lnRef idx="2">
+            <a:schemeClr val="accent1"/>
+          </a:lnRef>
+          <a:fillRef idx="1">
+            <a:schemeClr val="lt1"/>
+          </a:fillRef>
+          <a:effectRef idx="0">
+            <a:schemeClr val="accent1"/>
+          </a:effectRef>
+          <a:fontRef idx="minor">
+            <a:schemeClr val="dk1"/>
+          </a:fontRef>
+        </p:style>
+        <p:txBody>
+          <a:bodyPr rtlCol="0" anchor="ctr"/>
+          <a:lstStyle/>
+          <a:p>
+            <a:pPr algn="ctr"/>
+            <a:endParaRPr lang="nb-NO" sz="800"/>
+          </a:p>
+        </p:txBody>
+      </p:sp>
+      <p:sp>
+        <p:nvSpPr>
+          <p:cNvPr id="329" name="Avrundet rektangel 328"/>
+          <p:cNvSpPr/>
+          <p:nvPr/>
+        </p:nvSpPr>
+        <p:spPr>
+          <a:xfrm>
+            <a:off x="6380038" y="358689"/>
+            <a:ext cx="2524434" cy="902215"/>
+          </a:xfrm>
+          <a:prstGeom prst="roundRect">
+            <a:avLst/>
+          </a:prstGeom>
+          <a:ln>
+            <a:solidFill>
+              <a:schemeClr val="accent1"/>
+            </a:solidFill>
+            <a:prstDash val="solid"/>
+          </a:ln>
+        </p:spPr>
+        <p:style>
+          <a:lnRef idx="2">
+            <a:schemeClr val="accent1"/>
+          </a:lnRef>
+          <a:fillRef idx="1">
+            <a:schemeClr val="lt1"/>
+          </a:fillRef>
+          <a:effectRef idx="0">
+            <a:schemeClr val="accent1"/>
+          </a:effectRef>
+          <a:fontRef idx="minor">
+            <a:schemeClr val="dk1"/>
+          </a:fontRef>
+        </p:style>
+        <p:txBody>
+          <a:bodyPr rtlCol="0" anchor="ctr"/>
+          <a:lstStyle/>
+          <a:p>
+            <a:pPr algn="ctr"/>
+            <a:endParaRPr lang="nb-NO" sz="800"/>
+          </a:p>
+        </p:txBody>
+      </p:sp>
+      <p:grpSp>
+        <p:nvGrpSpPr>
+          <p:cNvPr id="330" name="Gruppe 329"/>
+          <p:cNvGrpSpPr/>
+          <p:nvPr/>
+        </p:nvGrpSpPr>
+        <p:grpSpPr>
+          <a:xfrm>
+            <a:off x="6446957" y="346221"/>
+            <a:ext cx="1252912" cy="483535"/>
+            <a:chOff x="6924632" y="2807988"/>
+            <a:chExt cx="1514682" cy="786352"/>
+          </a:xfrm>
+        </p:grpSpPr>
+        <p:sp>
+          <p:nvSpPr>
+            <p:cNvPr id="331" name="Rektangel 330"/>
+            <p:cNvSpPr/>
+            <p:nvPr/>
+          </p:nvSpPr>
+          <p:spPr>
+            <a:xfrm>
+              <a:off x="6988629" y="3086099"/>
+              <a:ext cx="1020535" cy="187779"/>
+            </a:xfrm>
+            <a:prstGeom prst="rect">
+              <a:avLst/>
+            </a:prstGeom>
+            <a:ln>
+              <a:solidFill>
+                <a:schemeClr val="accent1"/>
+              </a:solidFill>
+            </a:ln>
+          </p:spPr>
+          <p:style>
+            <a:lnRef idx="2">
+              <a:schemeClr val="dk1"/>
+            </a:lnRef>
+            <a:fillRef idx="1">
+              <a:schemeClr val="lt1"/>
+            </a:fillRef>
+            <a:effectRef idx="0">
+              <a:schemeClr val="dk1"/>
+            </a:effectRef>
+            <a:fontRef idx="minor">
+              <a:schemeClr val="dk1"/>
+            </a:fontRef>
+          </p:style>
+          <p:txBody>
+            <a:bodyPr rtlCol="0" anchor="ctr"/>
+            <a:lstStyle/>
+            <a:p>
+              <a:pPr algn="ctr"/>
+              <a:r>
+                <a:rPr lang="en-US" sz="800" dirty="0" smtClean="0"/>
+                <a:t>3</a:t>
+              </a:r>
+              <a:endParaRPr lang="nb-NO" sz="800" dirty="0"/>
+            </a:p>
+          </p:txBody>
+        </p:sp>
+        <p:sp>
+          <p:nvSpPr>
+            <p:cNvPr id="332" name="TekstSylinder 331"/>
+            <p:cNvSpPr txBox="1"/>
+            <p:nvPr/>
+          </p:nvSpPr>
+          <p:spPr>
+            <a:xfrm>
+              <a:off x="6924633" y="2807988"/>
+              <a:ext cx="1514681" cy="350368"/>
+            </a:xfrm>
+            <a:prstGeom prst="rect">
+              <a:avLst/>
+            </a:prstGeom>
+            <a:noFill/>
+          </p:spPr>
+          <p:txBody>
+            <a:bodyPr wrap="square" rtlCol="0">
+              <a:spAutoFit/>
+            </a:bodyPr>
+            <a:lstStyle/>
+            <a:p>
+              <a:r>
+                <a:rPr lang="en-US" sz="800" dirty="0" err="1" smtClean="0"/>
+                <a:t>navn</a:t>
+              </a:r>
+              <a:r>
+                <a:rPr lang="en-US" sz="800" dirty="0" smtClean="0"/>
+                <a:t>:  </a:t>
+              </a:r>
+              <a:r>
+                <a:rPr lang="en-US" sz="800" dirty="0" smtClean="0"/>
+                <a:t>id</a:t>
+              </a:r>
+              <a:endParaRPr lang="nb-NO" sz="800" dirty="0"/>
+            </a:p>
+          </p:txBody>
+        </p:sp>
+        <p:sp>
+          <p:nvSpPr>
+            <p:cNvPr id="333" name="TekstSylinder 332"/>
+            <p:cNvSpPr txBox="1"/>
+            <p:nvPr/>
+          </p:nvSpPr>
+          <p:spPr>
+            <a:xfrm>
+              <a:off x="6924632" y="3243973"/>
+              <a:ext cx="1514681" cy="350367"/>
+            </a:xfrm>
+            <a:prstGeom prst="rect">
+              <a:avLst/>
+            </a:prstGeom>
+            <a:noFill/>
+          </p:spPr>
+          <p:txBody>
+            <a:bodyPr wrap="square" rtlCol="0">
+              <a:spAutoFit/>
+            </a:bodyPr>
+            <a:lstStyle/>
+            <a:p>
+              <a:r>
+                <a:rPr lang="en-US" sz="800" dirty="0" smtClean="0"/>
+                <a:t>type: </a:t>
+              </a:r>
+              <a:r>
+                <a:rPr lang="en-US" sz="800" dirty="0" err="1" smtClean="0"/>
+                <a:t>int</a:t>
+              </a:r>
+              <a:endParaRPr lang="nb-NO" sz="800" dirty="0"/>
+            </a:p>
+          </p:txBody>
+        </p:sp>
+      </p:grpSp>
+      <p:grpSp>
+        <p:nvGrpSpPr>
+          <p:cNvPr id="334" name="Gruppe 333"/>
+          <p:cNvGrpSpPr/>
+          <p:nvPr/>
+        </p:nvGrpSpPr>
+        <p:grpSpPr>
+          <a:xfrm>
+            <a:off x="7531124" y="354245"/>
+            <a:ext cx="1252912" cy="483535"/>
+            <a:chOff x="6924632" y="2807988"/>
+            <a:chExt cx="1514682" cy="786352"/>
+          </a:xfrm>
+        </p:grpSpPr>
+        <p:sp>
+          <p:nvSpPr>
+            <p:cNvPr id="335" name="Rektangel 334"/>
+            <p:cNvSpPr/>
+            <p:nvPr/>
+          </p:nvSpPr>
+          <p:spPr>
+            <a:xfrm>
+              <a:off x="6988629" y="3086099"/>
+              <a:ext cx="1020535" cy="187779"/>
+            </a:xfrm>
+            <a:prstGeom prst="rect">
+              <a:avLst/>
+            </a:prstGeom>
+            <a:ln>
+              <a:solidFill>
+                <a:schemeClr val="accent1"/>
+              </a:solidFill>
+            </a:ln>
+          </p:spPr>
+          <p:style>
+            <a:lnRef idx="2">
+              <a:schemeClr val="dk1"/>
+            </a:lnRef>
+            <a:fillRef idx="1">
+              <a:schemeClr val="lt1"/>
+            </a:fillRef>
+            <a:effectRef idx="0">
+              <a:schemeClr val="dk1"/>
+            </a:effectRef>
+            <a:fontRef idx="minor">
+              <a:schemeClr val="dk1"/>
+            </a:fontRef>
+          </p:style>
+          <p:txBody>
+            <a:bodyPr rtlCol="0" anchor="ctr"/>
+            <a:lstStyle/>
+            <a:p>
+              <a:pPr algn="ctr"/>
+              <a:r>
+                <a:rPr lang="en-US" sz="800" dirty="0" err="1" smtClean="0"/>
+                <a:t>NuvaRing</a:t>
+              </a:r>
+              <a:endParaRPr lang="nb-NO" sz="800" dirty="0"/>
+            </a:p>
+          </p:txBody>
+        </p:sp>
+        <p:sp>
+          <p:nvSpPr>
+            <p:cNvPr id="336" name="TekstSylinder 335"/>
+            <p:cNvSpPr txBox="1"/>
+            <p:nvPr/>
+          </p:nvSpPr>
+          <p:spPr>
+            <a:xfrm>
+              <a:off x="6924633" y="2807988"/>
+              <a:ext cx="1514681" cy="350368"/>
+            </a:xfrm>
+            <a:prstGeom prst="rect">
+              <a:avLst/>
+            </a:prstGeom>
+            <a:noFill/>
+          </p:spPr>
+          <p:txBody>
+            <a:bodyPr wrap="square" rtlCol="0">
+              <a:spAutoFit/>
+            </a:bodyPr>
+            <a:lstStyle/>
+            <a:p>
+              <a:r>
+                <a:rPr lang="en-US" sz="800" dirty="0" err="1" smtClean="0"/>
+                <a:t>navn</a:t>
+              </a:r>
+              <a:r>
+                <a:rPr lang="en-US" sz="800" dirty="0" smtClean="0"/>
+                <a:t>:  </a:t>
+              </a:r>
+              <a:r>
+                <a:rPr lang="en-US" sz="800" dirty="0" err="1" smtClean="0"/>
+                <a:t>navn</a:t>
+              </a:r>
+              <a:endParaRPr lang="nb-NO" sz="800" dirty="0"/>
+            </a:p>
+          </p:txBody>
+        </p:sp>
+        <p:sp>
+          <p:nvSpPr>
+            <p:cNvPr id="337" name="TekstSylinder 336"/>
+            <p:cNvSpPr txBox="1"/>
+            <p:nvPr/>
+          </p:nvSpPr>
+          <p:spPr>
+            <a:xfrm>
+              <a:off x="6924632" y="3243973"/>
+              <a:ext cx="1514681" cy="350367"/>
+            </a:xfrm>
+            <a:prstGeom prst="rect">
+              <a:avLst/>
+            </a:prstGeom>
+            <a:noFill/>
+          </p:spPr>
+          <p:txBody>
+            <a:bodyPr wrap="square" rtlCol="0">
+              <a:spAutoFit/>
+            </a:bodyPr>
+            <a:lstStyle/>
+            <a:p>
+              <a:r>
+                <a:rPr lang="en-US" sz="800" dirty="0" smtClean="0"/>
+                <a:t>type: </a:t>
+              </a:r>
+              <a:r>
+                <a:rPr lang="en-US" sz="800" dirty="0" smtClean="0"/>
+                <a:t>String</a:t>
+              </a:r>
+              <a:endParaRPr lang="nb-NO" sz="800" dirty="0"/>
+            </a:p>
+          </p:txBody>
+        </p:sp>
+      </p:grpSp>
+      <p:grpSp>
+        <p:nvGrpSpPr>
+          <p:cNvPr id="338" name="Gruppe 337"/>
+          <p:cNvGrpSpPr/>
+          <p:nvPr/>
+        </p:nvGrpSpPr>
+        <p:grpSpPr>
+          <a:xfrm>
+            <a:off x="6631464" y="781389"/>
+            <a:ext cx="1252912" cy="483535"/>
+            <a:chOff x="6924632" y="2807988"/>
+            <a:chExt cx="1514682" cy="786352"/>
+          </a:xfrm>
+        </p:grpSpPr>
+        <p:sp>
+          <p:nvSpPr>
+            <p:cNvPr id="339" name="Rektangel 338"/>
+            <p:cNvSpPr/>
+            <p:nvPr/>
+          </p:nvSpPr>
+          <p:spPr>
+            <a:xfrm>
+              <a:off x="6988629" y="3086099"/>
+              <a:ext cx="1020535" cy="187779"/>
+            </a:xfrm>
+            <a:prstGeom prst="rect">
+              <a:avLst/>
+            </a:prstGeom>
+            <a:ln>
+              <a:solidFill>
+                <a:schemeClr val="accent1"/>
+              </a:solidFill>
+            </a:ln>
+          </p:spPr>
+          <p:style>
+            <a:lnRef idx="2">
+              <a:schemeClr val="dk1"/>
+            </a:lnRef>
+            <a:fillRef idx="1">
+              <a:schemeClr val="lt1"/>
+            </a:fillRef>
+            <a:effectRef idx="0">
+              <a:schemeClr val="dk1"/>
+            </a:effectRef>
+            <a:fontRef idx="minor">
+              <a:schemeClr val="dk1"/>
+            </a:fontRef>
+          </p:style>
+          <p:txBody>
+            <a:bodyPr rtlCol="0" anchor="ctr"/>
+            <a:lstStyle/>
+            <a:p>
+              <a:pPr algn="ctr"/>
+              <a:r>
+                <a:rPr lang="en-US" sz="800" dirty="0" smtClean="0"/>
+                <a:t>420.00</a:t>
+              </a:r>
+              <a:endParaRPr lang="nb-NO" sz="800" dirty="0"/>
+            </a:p>
+          </p:txBody>
+        </p:sp>
+        <p:sp>
+          <p:nvSpPr>
+            <p:cNvPr id="340" name="TekstSylinder 339"/>
+            <p:cNvSpPr txBox="1"/>
+            <p:nvPr/>
+          </p:nvSpPr>
+          <p:spPr>
+            <a:xfrm>
+              <a:off x="6924633" y="2807988"/>
+              <a:ext cx="1514681" cy="350368"/>
+            </a:xfrm>
+            <a:prstGeom prst="rect">
+              <a:avLst/>
+            </a:prstGeom>
+            <a:noFill/>
+          </p:spPr>
+          <p:txBody>
+            <a:bodyPr wrap="square" rtlCol="0">
+              <a:spAutoFit/>
+            </a:bodyPr>
+            <a:lstStyle/>
+            <a:p>
+              <a:r>
+                <a:rPr lang="en-US" sz="800" dirty="0" err="1" smtClean="0"/>
+                <a:t>navn</a:t>
+              </a:r>
+              <a:r>
+                <a:rPr lang="en-US" sz="800" dirty="0" smtClean="0"/>
+                <a:t>:  </a:t>
+              </a:r>
+              <a:r>
+                <a:rPr lang="en-US" sz="800" dirty="0" err="1" smtClean="0"/>
+                <a:t>pris</a:t>
+              </a:r>
+              <a:endParaRPr lang="nb-NO" sz="800" dirty="0"/>
+            </a:p>
+          </p:txBody>
+        </p:sp>
+        <p:sp>
+          <p:nvSpPr>
+            <p:cNvPr id="341" name="TekstSylinder 340"/>
+            <p:cNvSpPr txBox="1"/>
+            <p:nvPr/>
+          </p:nvSpPr>
+          <p:spPr>
+            <a:xfrm>
+              <a:off x="6924632" y="3243973"/>
+              <a:ext cx="1514681" cy="350367"/>
+            </a:xfrm>
+            <a:prstGeom prst="rect">
+              <a:avLst/>
+            </a:prstGeom>
+            <a:noFill/>
+          </p:spPr>
+          <p:txBody>
+            <a:bodyPr wrap="square" rtlCol="0">
+              <a:spAutoFit/>
+            </a:bodyPr>
+            <a:lstStyle/>
+            <a:p>
+              <a:r>
+                <a:rPr lang="en-US" sz="800" dirty="0" smtClean="0"/>
+                <a:t>type: </a:t>
+              </a:r>
+              <a:r>
+                <a:rPr lang="en-US" sz="800" dirty="0" smtClean="0"/>
+                <a:t>double</a:t>
+              </a:r>
+              <a:endParaRPr lang="nb-NO" sz="800" dirty="0"/>
+            </a:p>
+          </p:txBody>
+        </p:sp>
+      </p:grpSp>
+      <p:grpSp>
+        <p:nvGrpSpPr>
+          <p:cNvPr id="342" name="Gruppe 341"/>
+          <p:cNvGrpSpPr/>
+          <p:nvPr/>
+        </p:nvGrpSpPr>
+        <p:grpSpPr>
+          <a:xfrm>
+            <a:off x="7734001" y="773604"/>
+            <a:ext cx="1252912" cy="483535"/>
+            <a:chOff x="6924632" y="2807988"/>
+            <a:chExt cx="1514682" cy="786352"/>
+          </a:xfrm>
+        </p:grpSpPr>
+        <p:sp>
+          <p:nvSpPr>
+            <p:cNvPr id="343" name="Rektangel 342"/>
+            <p:cNvSpPr/>
+            <p:nvPr/>
+          </p:nvSpPr>
+          <p:spPr>
+            <a:xfrm>
+              <a:off x="6988629" y="3086099"/>
+              <a:ext cx="1020535" cy="187779"/>
+            </a:xfrm>
+            <a:prstGeom prst="rect">
+              <a:avLst/>
+            </a:prstGeom>
+            <a:ln>
+              <a:solidFill>
+                <a:schemeClr val="accent1"/>
+              </a:solidFill>
+            </a:ln>
+          </p:spPr>
+          <p:style>
+            <a:lnRef idx="2">
+              <a:schemeClr val="dk1"/>
+            </a:lnRef>
+            <a:fillRef idx="1">
+              <a:schemeClr val="lt1"/>
+            </a:fillRef>
+            <a:effectRef idx="0">
+              <a:schemeClr val="dk1"/>
+            </a:effectRef>
+            <a:fontRef idx="minor">
+              <a:schemeClr val="dk1"/>
+            </a:fontRef>
+          </p:style>
+          <p:txBody>
+            <a:bodyPr rtlCol="0" anchor="ctr"/>
+            <a:lstStyle/>
+            <a:p>
+              <a:pPr algn="ctr"/>
+              <a:r>
+                <a:rPr lang="en-US" sz="800" dirty="0" smtClean="0"/>
+                <a:t>2.0</a:t>
+              </a:r>
+              <a:endParaRPr lang="nb-NO" sz="800" dirty="0"/>
+            </a:p>
+          </p:txBody>
+        </p:sp>
+        <p:sp>
+          <p:nvSpPr>
+            <p:cNvPr id="344" name="TekstSylinder 343"/>
+            <p:cNvSpPr txBox="1"/>
+            <p:nvPr/>
+          </p:nvSpPr>
+          <p:spPr>
+            <a:xfrm>
+              <a:off x="6924633" y="2807988"/>
+              <a:ext cx="1514681" cy="350368"/>
+            </a:xfrm>
+            <a:prstGeom prst="rect">
+              <a:avLst/>
+            </a:prstGeom>
+            <a:noFill/>
+          </p:spPr>
+          <p:txBody>
+            <a:bodyPr wrap="square" rtlCol="0">
+              <a:spAutoFit/>
+            </a:bodyPr>
+            <a:lstStyle/>
+            <a:p>
+              <a:r>
+                <a:rPr lang="en-US" sz="800" dirty="0" err="1" smtClean="0"/>
+                <a:t>navn</a:t>
+              </a:r>
+              <a:r>
+                <a:rPr lang="en-US" sz="800" dirty="0" smtClean="0"/>
+                <a:t>:  </a:t>
+              </a:r>
+              <a:r>
+                <a:rPr lang="en-US" sz="800" dirty="0" err="1" smtClean="0"/>
+                <a:t>virkestoff</a:t>
+              </a:r>
+              <a:endParaRPr lang="nb-NO" sz="800" dirty="0"/>
+            </a:p>
+          </p:txBody>
+        </p:sp>
+        <p:sp>
+          <p:nvSpPr>
+            <p:cNvPr id="345" name="TekstSylinder 344"/>
+            <p:cNvSpPr txBox="1"/>
+            <p:nvPr/>
+          </p:nvSpPr>
+          <p:spPr>
+            <a:xfrm>
+              <a:off x="6924632" y="3243973"/>
+              <a:ext cx="1514681" cy="350367"/>
+            </a:xfrm>
+            <a:prstGeom prst="rect">
+              <a:avLst/>
+            </a:prstGeom>
+            <a:noFill/>
+          </p:spPr>
+          <p:txBody>
+            <a:bodyPr wrap="square" rtlCol="0">
+              <a:spAutoFit/>
+            </a:bodyPr>
+            <a:lstStyle/>
+            <a:p>
+              <a:r>
+                <a:rPr lang="en-US" sz="800" dirty="0" smtClean="0"/>
+                <a:t>type: </a:t>
+              </a:r>
+              <a:r>
+                <a:rPr lang="en-US" sz="800" dirty="0" smtClean="0"/>
+                <a:t>double</a:t>
+              </a:r>
+              <a:endParaRPr lang="nb-NO" sz="800" dirty="0"/>
+            </a:p>
+          </p:txBody>
+        </p:sp>
+      </p:grpSp>
+      <p:sp>
+        <p:nvSpPr>
+          <p:cNvPr id="369" name="Avrundet rektangel 368"/>
+          <p:cNvSpPr/>
+          <p:nvPr/>
+        </p:nvSpPr>
+        <p:spPr>
+          <a:xfrm>
+            <a:off x="765433" y="2723633"/>
+            <a:ext cx="2524434" cy="1264119"/>
+          </a:xfrm>
+          <a:prstGeom prst="roundRect">
+            <a:avLst/>
+          </a:prstGeom>
+          <a:ln>
+            <a:solidFill>
+              <a:schemeClr val="accent1"/>
+            </a:solidFill>
+            <a:prstDash val="solid"/>
+          </a:ln>
+        </p:spPr>
+        <p:style>
+          <a:lnRef idx="2">
+            <a:schemeClr val="accent1"/>
+          </a:lnRef>
+          <a:fillRef idx="1">
+            <a:schemeClr val="lt1"/>
+          </a:fillRef>
+          <a:effectRef idx="0">
+            <a:schemeClr val="accent1"/>
+          </a:effectRef>
+          <a:fontRef idx="minor">
+            <a:schemeClr val="dk1"/>
+          </a:fontRef>
+        </p:style>
+        <p:txBody>
+          <a:bodyPr rtlCol="0" anchor="ctr"/>
+          <a:lstStyle/>
+          <a:p>
+            <a:pPr algn="ctr"/>
+            <a:endParaRPr lang="nb-NO" sz="800"/>
+          </a:p>
+        </p:txBody>
+      </p:sp>
+      <p:sp>
+        <p:nvSpPr>
+          <p:cNvPr id="370" name="Avrundet rektangel 369"/>
+          <p:cNvSpPr/>
+          <p:nvPr/>
+        </p:nvSpPr>
+        <p:spPr>
+          <a:xfrm>
+            <a:off x="765433" y="2723635"/>
+            <a:ext cx="2524434" cy="816748"/>
+          </a:xfrm>
+          <a:prstGeom prst="roundRect">
+            <a:avLst/>
+          </a:prstGeom>
+          <a:ln>
+            <a:solidFill>
+              <a:schemeClr val="accent1"/>
+            </a:solidFill>
+            <a:prstDash val="solid"/>
+          </a:ln>
+        </p:spPr>
+        <p:style>
+          <a:lnRef idx="2">
+            <a:schemeClr val="accent1"/>
+          </a:lnRef>
+          <a:fillRef idx="1">
+            <a:schemeClr val="lt1"/>
+          </a:fillRef>
+          <a:effectRef idx="0">
+            <a:schemeClr val="accent1"/>
+          </a:effectRef>
+          <a:fontRef idx="minor">
+            <a:schemeClr val="dk1"/>
+          </a:fontRef>
+        </p:style>
+        <p:txBody>
+          <a:bodyPr rtlCol="0" anchor="ctr"/>
+          <a:lstStyle/>
+          <a:p>
+            <a:pPr algn="ctr"/>
+            <a:endParaRPr lang="nb-NO" sz="800"/>
+          </a:p>
+        </p:txBody>
+      </p:sp>
+      <p:grpSp>
+        <p:nvGrpSpPr>
+          <p:cNvPr id="371" name="Gruppe 370"/>
+          <p:cNvGrpSpPr/>
+          <p:nvPr/>
+        </p:nvGrpSpPr>
+        <p:grpSpPr>
+          <a:xfrm>
+            <a:off x="832352" y="2711166"/>
+            <a:ext cx="1252912" cy="483535"/>
+            <a:chOff x="6924632" y="2807988"/>
+            <a:chExt cx="1514682" cy="786352"/>
+          </a:xfrm>
+        </p:grpSpPr>
+        <p:sp>
+          <p:nvSpPr>
+            <p:cNvPr id="372" name="Rektangel 371"/>
+            <p:cNvSpPr/>
+            <p:nvPr/>
+          </p:nvSpPr>
+          <p:spPr>
+            <a:xfrm>
+              <a:off x="6988629" y="3081419"/>
+              <a:ext cx="655705" cy="192461"/>
+            </a:xfrm>
+            <a:prstGeom prst="rect">
+              <a:avLst/>
+            </a:prstGeom>
+            <a:ln>
+              <a:solidFill>
+                <a:schemeClr val="accent1"/>
+              </a:solidFill>
+            </a:ln>
+          </p:spPr>
+          <p:style>
+            <a:lnRef idx="2">
+              <a:schemeClr val="dk1"/>
+            </a:lnRef>
+            <a:fillRef idx="1">
+              <a:schemeClr val="lt1"/>
+            </a:fillRef>
+            <a:effectRef idx="0">
+              <a:schemeClr val="dk1"/>
+            </a:effectRef>
+            <a:fontRef idx="minor">
+              <a:schemeClr val="dk1"/>
+            </a:fontRef>
+          </p:style>
+          <p:txBody>
+            <a:bodyPr rtlCol="0" anchor="ctr"/>
+            <a:lstStyle/>
+            <a:p>
+              <a:pPr algn="ctr"/>
+              <a:r>
+                <a:rPr lang="en-US" sz="800" dirty="0" smtClean="0"/>
+                <a:t>1</a:t>
+              </a:r>
+              <a:endParaRPr lang="nb-NO" sz="800" dirty="0"/>
+            </a:p>
+          </p:txBody>
+        </p:sp>
+        <p:sp>
+          <p:nvSpPr>
+            <p:cNvPr id="373" name="TekstSylinder 372"/>
+            <p:cNvSpPr txBox="1"/>
+            <p:nvPr/>
+          </p:nvSpPr>
+          <p:spPr>
+            <a:xfrm>
+              <a:off x="6924633" y="2807988"/>
+              <a:ext cx="1514681" cy="350368"/>
+            </a:xfrm>
+            <a:prstGeom prst="rect">
+              <a:avLst/>
+            </a:prstGeom>
+            <a:noFill/>
+          </p:spPr>
+          <p:txBody>
+            <a:bodyPr wrap="square" rtlCol="0">
+              <a:spAutoFit/>
+            </a:bodyPr>
+            <a:lstStyle/>
+            <a:p>
+              <a:r>
+                <a:rPr lang="en-US" sz="800" dirty="0" err="1" smtClean="0"/>
+                <a:t>navn</a:t>
+              </a:r>
+              <a:r>
+                <a:rPr lang="en-US" sz="800" dirty="0" smtClean="0"/>
+                <a:t>:  </a:t>
+              </a:r>
+              <a:r>
+                <a:rPr lang="en-US" sz="800" dirty="0" smtClean="0"/>
+                <a:t>id</a:t>
+              </a:r>
+              <a:endParaRPr lang="nb-NO" sz="800" dirty="0"/>
+            </a:p>
+          </p:txBody>
+        </p:sp>
+        <p:sp>
+          <p:nvSpPr>
+            <p:cNvPr id="374" name="TekstSylinder 373"/>
+            <p:cNvSpPr txBox="1"/>
+            <p:nvPr/>
+          </p:nvSpPr>
+          <p:spPr>
+            <a:xfrm>
+              <a:off x="6924632" y="3243973"/>
+              <a:ext cx="1514681" cy="350367"/>
+            </a:xfrm>
+            <a:prstGeom prst="rect">
+              <a:avLst/>
+            </a:prstGeom>
+            <a:noFill/>
+          </p:spPr>
+          <p:txBody>
+            <a:bodyPr wrap="square" rtlCol="0">
+              <a:spAutoFit/>
+            </a:bodyPr>
+            <a:lstStyle/>
+            <a:p>
+              <a:r>
+                <a:rPr lang="en-US" sz="800" dirty="0" smtClean="0"/>
+                <a:t>type: </a:t>
+              </a:r>
+              <a:r>
+                <a:rPr lang="en-US" sz="800" dirty="0" err="1" smtClean="0"/>
+                <a:t>int</a:t>
+              </a:r>
+              <a:endParaRPr lang="nb-NO" sz="800" dirty="0"/>
+            </a:p>
+          </p:txBody>
+        </p:sp>
+      </p:grpSp>
+      <p:grpSp>
+        <p:nvGrpSpPr>
+          <p:cNvPr id="375" name="Gruppe 374"/>
+          <p:cNvGrpSpPr/>
+          <p:nvPr/>
+        </p:nvGrpSpPr>
+        <p:grpSpPr>
+          <a:xfrm>
+            <a:off x="1424745" y="2717429"/>
+            <a:ext cx="1252912" cy="483535"/>
+            <a:chOff x="6924632" y="2807988"/>
+            <a:chExt cx="1514682" cy="786352"/>
+          </a:xfrm>
+        </p:grpSpPr>
+        <p:sp>
+          <p:nvSpPr>
+            <p:cNvPr id="376" name="Rektangel 375"/>
+            <p:cNvSpPr/>
+            <p:nvPr/>
+          </p:nvSpPr>
+          <p:spPr>
+            <a:xfrm>
+              <a:off x="6988629" y="3086099"/>
+              <a:ext cx="1020535" cy="187779"/>
+            </a:xfrm>
+            <a:prstGeom prst="rect">
+              <a:avLst/>
+            </a:prstGeom>
+            <a:ln>
+              <a:solidFill>
+                <a:schemeClr val="accent1"/>
+              </a:solidFill>
+            </a:ln>
+          </p:spPr>
+          <p:style>
+            <a:lnRef idx="2">
+              <a:schemeClr val="dk1"/>
+            </a:lnRef>
+            <a:fillRef idx="1">
+              <a:schemeClr val="lt1"/>
+            </a:fillRef>
+            <a:effectRef idx="0">
+              <a:schemeClr val="dk1"/>
+            </a:effectRef>
+            <a:fontRef idx="minor">
+              <a:schemeClr val="dk1"/>
+            </a:fontRef>
+          </p:style>
+          <p:txBody>
+            <a:bodyPr rtlCol="0" anchor="ctr"/>
+            <a:lstStyle/>
+            <a:p>
+              <a:pPr algn="ctr"/>
+              <a:r>
+                <a:rPr lang="en-US" sz="800" dirty="0" smtClean="0"/>
+                <a:t>2222</a:t>
+              </a:r>
+              <a:endParaRPr lang="nb-NO" sz="800" dirty="0"/>
+            </a:p>
+          </p:txBody>
+        </p:sp>
+        <p:sp>
+          <p:nvSpPr>
+            <p:cNvPr id="377" name="TekstSylinder 376"/>
+            <p:cNvSpPr txBox="1"/>
+            <p:nvPr/>
+          </p:nvSpPr>
+          <p:spPr>
+            <a:xfrm>
+              <a:off x="6924633" y="2807988"/>
+              <a:ext cx="1514681" cy="350368"/>
+            </a:xfrm>
+            <a:prstGeom prst="rect">
+              <a:avLst/>
+            </a:prstGeom>
+            <a:noFill/>
+          </p:spPr>
+          <p:txBody>
+            <a:bodyPr wrap="square" rtlCol="0">
+              <a:spAutoFit/>
+            </a:bodyPr>
+            <a:lstStyle/>
+            <a:p>
+              <a:r>
+                <a:rPr lang="en-US" sz="800" dirty="0" err="1" smtClean="0"/>
+                <a:t>navn</a:t>
+              </a:r>
+              <a:r>
+                <a:rPr lang="en-US" sz="800" dirty="0" smtClean="0"/>
+                <a:t>:  </a:t>
+              </a:r>
+              <a:r>
+                <a:rPr lang="en-US" sz="800" dirty="0" err="1" smtClean="0"/>
+                <a:t>pasientId</a:t>
+              </a:r>
+              <a:endParaRPr lang="nb-NO" sz="800" dirty="0"/>
+            </a:p>
+          </p:txBody>
+        </p:sp>
+        <p:sp>
+          <p:nvSpPr>
+            <p:cNvPr id="378" name="TekstSylinder 377"/>
+            <p:cNvSpPr txBox="1"/>
+            <p:nvPr/>
+          </p:nvSpPr>
+          <p:spPr>
+            <a:xfrm>
+              <a:off x="6924632" y="3243973"/>
+              <a:ext cx="1514681" cy="350367"/>
+            </a:xfrm>
+            <a:prstGeom prst="rect">
+              <a:avLst/>
+            </a:prstGeom>
+            <a:noFill/>
+          </p:spPr>
+          <p:txBody>
+            <a:bodyPr wrap="square" rtlCol="0">
+              <a:spAutoFit/>
+            </a:bodyPr>
+            <a:lstStyle/>
+            <a:p>
+              <a:r>
+                <a:rPr lang="en-US" sz="800" dirty="0" smtClean="0"/>
+                <a:t>type: </a:t>
+              </a:r>
+              <a:r>
+                <a:rPr lang="en-US" sz="800" dirty="0" err="1" smtClean="0"/>
+                <a:t>int</a:t>
+              </a:r>
+              <a:endParaRPr lang="nb-NO" sz="800" dirty="0"/>
+            </a:p>
+          </p:txBody>
+        </p:sp>
+      </p:grpSp>
+      <p:grpSp>
+        <p:nvGrpSpPr>
+          <p:cNvPr id="379" name="Gruppe 378"/>
+          <p:cNvGrpSpPr/>
+          <p:nvPr/>
+        </p:nvGrpSpPr>
+        <p:grpSpPr>
+          <a:xfrm>
+            <a:off x="2216040" y="3092886"/>
+            <a:ext cx="1252912" cy="483535"/>
+            <a:chOff x="6924632" y="2807988"/>
+            <a:chExt cx="1514682" cy="786352"/>
+          </a:xfrm>
+        </p:grpSpPr>
+        <p:sp>
+          <p:nvSpPr>
+            <p:cNvPr id="380" name="Rektangel 379"/>
+            <p:cNvSpPr/>
+            <p:nvPr/>
+          </p:nvSpPr>
+          <p:spPr>
+            <a:xfrm>
+              <a:off x="6988629" y="3078036"/>
+              <a:ext cx="797510" cy="195844"/>
+            </a:xfrm>
+            <a:prstGeom prst="rect">
+              <a:avLst/>
+            </a:prstGeom>
+            <a:ln>
+              <a:solidFill>
+                <a:schemeClr val="accent1"/>
+              </a:solidFill>
+            </a:ln>
+          </p:spPr>
+          <p:style>
+            <a:lnRef idx="2">
+              <a:schemeClr val="dk1"/>
+            </a:lnRef>
+            <a:fillRef idx="1">
+              <a:schemeClr val="lt1"/>
+            </a:fillRef>
+            <a:effectRef idx="0">
+              <a:schemeClr val="dk1"/>
+            </a:effectRef>
+            <a:fontRef idx="minor">
+              <a:schemeClr val="dk1"/>
+            </a:fontRef>
+          </p:style>
+          <p:txBody>
+            <a:bodyPr rtlCol="0" anchor="ctr"/>
+            <a:lstStyle/>
+            <a:p>
+              <a:pPr algn="ctr"/>
+              <a:r>
+                <a:rPr lang="en-US" sz="800" dirty="0" smtClean="0"/>
+                <a:t>2</a:t>
+              </a:r>
+              <a:endParaRPr lang="nb-NO" sz="800" dirty="0"/>
+            </a:p>
+          </p:txBody>
+        </p:sp>
+        <p:sp>
+          <p:nvSpPr>
+            <p:cNvPr id="381" name="TekstSylinder 380"/>
+            <p:cNvSpPr txBox="1"/>
+            <p:nvPr/>
+          </p:nvSpPr>
+          <p:spPr>
+            <a:xfrm>
+              <a:off x="6924633" y="2807988"/>
+              <a:ext cx="1514681" cy="350368"/>
+            </a:xfrm>
+            <a:prstGeom prst="rect">
+              <a:avLst/>
+            </a:prstGeom>
+            <a:noFill/>
+          </p:spPr>
+          <p:txBody>
+            <a:bodyPr wrap="square" rtlCol="0">
+              <a:spAutoFit/>
+            </a:bodyPr>
+            <a:lstStyle/>
+            <a:p>
+              <a:r>
+                <a:rPr lang="en-US" sz="800" dirty="0" err="1" smtClean="0"/>
+                <a:t>navn</a:t>
+              </a:r>
+              <a:r>
+                <a:rPr lang="en-US" sz="800" dirty="0" smtClean="0"/>
+                <a:t>:  </a:t>
+              </a:r>
+              <a:r>
+                <a:rPr lang="en-US" sz="800" dirty="0" err="1" smtClean="0"/>
+                <a:t>reit</a:t>
+              </a:r>
+              <a:endParaRPr lang="nb-NO" sz="800" dirty="0"/>
+            </a:p>
+          </p:txBody>
+        </p:sp>
+        <p:sp>
+          <p:nvSpPr>
+            <p:cNvPr id="382" name="TekstSylinder 381"/>
+            <p:cNvSpPr txBox="1"/>
+            <p:nvPr/>
+          </p:nvSpPr>
+          <p:spPr>
+            <a:xfrm>
+              <a:off x="6924632" y="3243973"/>
+              <a:ext cx="1514681" cy="350367"/>
+            </a:xfrm>
+            <a:prstGeom prst="rect">
+              <a:avLst/>
+            </a:prstGeom>
+            <a:noFill/>
+          </p:spPr>
+          <p:txBody>
+            <a:bodyPr wrap="square" rtlCol="0">
+              <a:spAutoFit/>
+            </a:bodyPr>
+            <a:lstStyle/>
+            <a:p>
+              <a:r>
+                <a:rPr lang="en-US" sz="800" dirty="0" smtClean="0"/>
+                <a:t>type: </a:t>
+              </a:r>
+              <a:r>
+                <a:rPr lang="en-US" sz="800" dirty="0" err="1" smtClean="0"/>
+                <a:t>int</a:t>
+              </a:r>
+              <a:endParaRPr lang="nb-NO" sz="800" dirty="0"/>
+            </a:p>
+          </p:txBody>
+        </p:sp>
+      </p:grpSp>
+      <p:sp>
+        <p:nvSpPr>
+          <p:cNvPr id="435" name="TekstSylinder 434"/>
+          <p:cNvSpPr txBox="1"/>
+          <p:nvPr/>
+        </p:nvSpPr>
+        <p:spPr>
+          <a:xfrm>
+            <a:off x="774183" y="2474746"/>
+            <a:ext cx="2346947" cy="400110"/>
+          </a:xfrm>
+          <a:prstGeom prst="rect">
+            <a:avLst/>
+          </a:prstGeom>
+          <a:noFill/>
+        </p:spPr>
+        <p:txBody>
+          <a:bodyPr wrap="square" rtlCol="0">
+            <a:spAutoFit/>
+          </a:bodyPr>
+          <a:lstStyle/>
+          <a:p>
+            <a:r>
+              <a:rPr lang="en-US" sz="1000" dirty="0" err="1" smtClean="0"/>
+              <a:t>blaa</a:t>
+            </a:r>
+            <a:endParaRPr lang="en-US" sz="1000" dirty="0" smtClean="0"/>
+          </a:p>
+          <a:p>
+            <a:endParaRPr lang="nb-NO" sz="1000" dirty="0"/>
+          </a:p>
+        </p:txBody>
+      </p:sp>
+      <p:grpSp>
+        <p:nvGrpSpPr>
+          <p:cNvPr id="483" name="Gruppe 482"/>
+          <p:cNvGrpSpPr/>
+          <p:nvPr/>
+        </p:nvGrpSpPr>
+        <p:grpSpPr>
+          <a:xfrm>
+            <a:off x="966273" y="3097259"/>
+            <a:ext cx="1252912" cy="483535"/>
+            <a:chOff x="6924632" y="2807988"/>
+            <a:chExt cx="1514682" cy="786352"/>
+          </a:xfrm>
+        </p:grpSpPr>
+        <p:sp>
+          <p:nvSpPr>
+            <p:cNvPr id="484" name="Rektangel 483"/>
+            <p:cNvSpPr/>
+            <p:nvPr/>
+          </p:nvSpPr>
+          <p:spPr>
+            <a:xfrm>
+              <a:off x="6988629" y="3086099"/>
+              <a:ext cx="1020535" cy="187779"/>
+            </a:xfrm>
+            <a:prstGeom prst="rect">
+              <a:avLst/>
+            </a:prstGeom>
+            <a:ln>
+              <a:solidFill>
+                <a:schemeClr val="accent1"/>
+              </a:solidFill>
+            </a:ln>
+          </p:spPr>
+          <p:style>
+            <a:lnRef idx="2">
+              <a:schemeClr val="dk1"/>
+            </a:lnRef>
+            <a:fillRef idx="1">
+              <a:schemeClr val="lt1"/>
+            </a:fillRef>
+            <a:effectRef idx="0">
+              <a:schemeClr val="dk1"/>
+            </a:effectRef>
+            <a:fontRef idx="minor">
+              <a:schemeClr val="dk1"/>
+            </a:fontRef>
+          </p:style>
+          <p:txBody>
+            <a:bodyPr rtlCol="0" anchor="ctr"/>
+            <a:lstStyle/>
+            <a:p>
+              <a:pPr algn="ctr"/>
+              <a:endParaRPr lang="nb-NO" sz="800" dirty="0"/>
+            </a:p>
+          </p:txBody>
+        </p:sp>
+        <p:sp>
+          <p:nvSpPr>
+            <p:cNvPr id="485" name="TekstSylinder 484"/>
+            <p:cNvSpPr txBox="1"/>
+            <p:nvPr/>
+          </p:nvSpPr>
+          <p:spPr>
+            <a:xfrm>
+              <a:off x="6924633" y="2807988"/>
+              <a:ext cx="1514681" cy="350368"/>
+            </a:xfrm>
+            <a:prstGeom prst="rect">
+              <a:avLst/>
+            </a:prstGeom>
+            <a:noFill/>
+          </p:spPr>
+          <p:txBody>
+            <a:bodyPr wrap="square" rtlCol="0">
+              <a:spAutoFit/>
+            </a:bodyPr>
+            <a:lstStyle/>
+            <a:p>
+              <a:r>
+                <a:rPr lang="en-US" sz="800" dirty="0" err="1" smtClean="0"/>
+                <a:t>navn</a:t>
+              </a:r>
+              <a:r>
+                <a:rPr lang="en-US" sz="800" dirty="0" smtClean="0"/>
+                <a:t>:  </a:t>
+              </a:r>
+              <a:r>
+                <a:rPr lang="en-US" sz="800" dirty="0" err="1" smtClean="0"/>
+                <a:t>utskrivendeLege</a:t>
+              </a:r>
+              <a:endParaRPr lang="nb-NO" sz="800" dirty="0"/>
+            </a:p>
+          </p:txBody>
+        </p:sp>
+        <p:sp>
+          <p:nvSpPr>
+            <p:cNvPr id="486" name="TekstSylinder 485"/>
+            <p:cNvSpPr txBox="1"/>
+            <p:nvPr/>
+          </p:nvSpPr>
+          <p:spPr>
+            <a:xfrm>
+              <a:off x="6924632" y="3243973"/>
+              <a:ext cx="1514681" cy="350367"/>
+            </a:xfrm>
+            <a:prstGeom prst="rect">
+              <a:avLst/>
+            </a:prstGeom>
+            <a:noFill/>
+          </p:spPr>
+          <p:txBody>
+            <a:bodyPr wrap="square" rtlCol="0">
+              <a:spAutoFit/>
+            </a:bodyPr>
+            <a:lstStyle/>
+            <a:p>
+              <a:r>
+                <a:rPr lang="en-US" sz="800" dirty="0" smtClean="0"/>
+                <a:t>type: </a:t>
+              </a:r>
+              <a:r>
+                <a:rPr lang="en-US" sz="800" dirty="0" err="1" smtClean="0"/>
+                <a:t>Lege</a:t>
+              </a:r>
+              <a:endParaRPr lang="nb-NO" sz="800" dirty="0"/>
+            </a:p>
+          </p:txBody>
+        </p:sp>
+      </p:grpSp>
+      <p:grpSp>
+        <p:nvGrpSpPr>
+          <p:cNvPr id="487" name="Gruppe 486"/>
+          <p:cNvGrpSpPr/>
+          <p:nvPr/>
+        </p:nvGrpSpPr>
+        <p:grpSpPr>
+          <a:xfrm>
+            <a:off x="2339041" y="2717073"/>
+            <a:ext cx="1252912" cy="483535"/>
+            <a:chOff x="6924632" y="2807988"/>
+            <a:chExt cx="1514682" cy="786352"/>
+          </a:xfrm>
+        </p:grpSpPr>
+        <p:sp>
+          <p:nvSpPr>
+            <p:cNvPr id="488" name="Rektangel 487"/>
+            <p:cNvSpPr/>
+            <p:nvPr/>
+          </p:nvSpPr>
+          <p:spPr>
+            <a:xfrm>
+              <a:off x="6988629" y="3086099"/>
+              <a:ext cx="1020535" cy="187779"/>
+            </a:xfrm>
+            <a:prstGeom prst="rect">
+              <a:avLst/>
+            </a:prstGeom>
+            <a:ln>
+              <a:solidFill>
+                <a:schemeClr val="accent1"/>
+              </a:solidFill>
+            </a:ln>
+          </p:spPr>
+          <p:style>
+            <a:lnRef idx="2">
+              <a:schemeClr val="dk1"/>
+            </a:lnRef>
+            <a:fillRef idx="1">
+              <a:schemeClr val="lt1"/>
+            </a:fillRef>
+            <a:effectRef idx="0">
+              <a:schemeClr val="dk1"/>
+            </a:effectRef>
+            <a:fontRef idx="minor">
+              <a:schemeClr val="dk1"/>
+            </a:fontRef>
+          </p:style>
+          <p:txBody>
+            <a:bodyPr rtlCol="0" anchor="ctr"/>
+            <a:lstStyle/>
+            <a:p>
+              <a:pPr algn="ctr"/>
+              <a:endParaRPr lang="nb-NO" sz="800" dirty="0"/>
+            </a:p>
+          </p:txBody>
+        </p:sp>
+        <p:sp>
+          <p:nvSpPr>
+            <p:cNvPr id="489" name="TekstSylinder 488"/>
+            <p:cNvSpPr txBox="1"/>
+            <p:nvPr/>
+          </p:nvSpPr>
+          <p:spPr>
+            <a:xfrm>
+              <a:off x="6924633" y="2807988"/>
+              <a:ext cx="1514681" cy="350368"/>
+            </a:xfrm>
+            <a:prstGeom prst="rect">
+              <a:avLst/>
+            </a:prstGeom>
+            <a:noFill/>
+          </p:spPr>
+          <p:txBody>
+            <a:bodyPr wrap="square" rtlCol="0">
+              <a:spAutoFit/>
+            </a:bodyPr>
+            <a:lstStyle/>
+            <a:p>
+              <a:r>
+                <a:rPr lang="en-US" sz="800" dirty="0" err="1" smtClean="0"/>
+                <a:t>navn</a:t>
+              </a:r>
+              <a:r>
+                <a:rPr lang="en-US" sz="800" dirty="0" smtClean="0"/>
+                <a:t>:  </a:t>
+              </a:r>
+              <a:r>
+                <a:rPr lang="en-US" sz="800" dirty="0" err="1" smtClean="0"/>
+                <a:t>legemiddel</a:t>
+              </a:r>
+              <a:endParaRPr lang="nb-NO" sz="800" dirty="0"/>
+            </a:p>
+          </p:txBody>
+        </p:sp>
+        <p:sp>
+          <p:nvSpPr>
+            <p:cNvPr id="490" name="TekstSylinder 489"/>
+            <p:cNvSpPr txBox="1"/>
+            <p:nvPr/>
+          </p:nvSpPr>
+          <p:spPr>
+            <a:xfrm>
+              <a:off x="6924632" y="3243973"/>
+              <a:ext cx="1514681" cy="350367"/>
+            </a:xfrm>
+            <a:prstGeom prst="rect">
+              <a:avLst/>
+            </a:prstGeom>
+            <a:noFill/>
+          </p:spPr>
+          <p:txBody>
+            <a:bodyPr wrap="square" rtlCol="0">
+              <a:spAutoFit/>
+            </a:bodyPr>
+            <a:lstStyle/>
+            <a:p>
+              <a:r>
+                <a:rPr lang="en-US" sz="800" dirty="0" smtClean="0"/>
+                <a:t>type: </a:t>
+              </a:r>
+              <a:r>
+                <a:rPr lang="en-US" sz="800" dirty="0" err="1" smtClean="0"/>
+                <a:t>Legemiddel</a:t>
+              </a:r>
+              <a:endParaRPr lang="nb-NO" sz="800" dirty="0"/>
+            </a:p>
+          </p:txBody>
+        </p:sp>
+      </p:grpSp>
+      <p:sp>
+        <p:nvSpPr>
+          <p:cNvPr id="520" name="Avrundet rektangel 519"/>
+          <p:cNvSpPr/>
+          <p:nvPr/>
+        </p:nvSpPr>
+        <p:spPr>
+          <a:xfrm>
+            <a:off x="3555416" y="2707272"/>
+            <a:ext cx="2524434" cy="1280480"/>
+          </a:xfrm>
+          <a:prstGeom prst="roundRect">
+            <a:avLst/>
+          </a:prstGeom>
+          <a:ln>
+            <a:solidFill>
+              <a:schemeClr val="accent1"/>
+            </a:solidFill>
+            <a:prstDash val="solid"/>
+          </a:ln>
+        </p:spPr>
+        <p:style>
+          <a:lnRef idx="2">
+            <a:schemeClr val="accent1"/>
+          </a:lnRef>
+          <a:fillRef idx="1">
+            <a:schemeClr val="lt1"/>
+          </a:fillRef>
+          <a:effectRef idx="0">
+            <a:schemeClr val="accent1"/>
+          </a:effectRef>
+          <a:fontRef idx="minor">
+            <a:schemeClr val="dk1"/>
+          </a:fontRef>
+        </p:style>
+        <p:txBody>
+          <a:bodyPr rtlCol="0" anchor="ctr"/>
+          <a:lstStyle/>
+          <a:p>
+            <a:pPr algn="ctr"/>
+            <a:endParaRPr lang="nb-NO" sz="800"/>
+          </a:p>
+        </p:txBody>
+      </p:sp>
+      <p:sp>
+        <p:nvSpPr>
+          <p:cNvPr id="521" name="Avrundet rektangel 520"/>
+          <p:cNvSpPr/>
+          <p:nvPr/>
+        </p:nvSpPr>
+        <p:spPr>
+          <a:xfrm>
+            <a:off x="3555416" y="2707274"/>
+            <a:ext cx="2524434" cy="816748"/>
+          </a:xfrm>
+          <a:prstGeom prst="roundRect">
+            <a:avLst/>
+          </a:prstGeom>
+          <a:ln>
+            <a:solidFill>
+              <a:schemeClr val="accent1"/>
+            </a:solidFill>
+            <a:prstDash val="solid"/>
+          </a:ln>
+        </p:spPr>
+        <p:style>
+          <a:lnRef idx="2">
+            <a:schemeClr val="accent1"/>
+          </a:lnRef>
+          <a:fillRef idx="1">
+            <a:schemeClr val="lt1"/>
+          </a:fillRef>
+          <a:effectRef idx="0">
+            <a:schemeClr val="accent1"/>
+          </a:effectRef>
+          <a:fontRef idx="minor">
+            <a:schemeClr val="dk1"/>
+          </a:fontRef>
+        </p:style>
+        <p:txBody>
+          <a:bodyPr rtlCol="0" anchor="ctr"/>
+          <a:lstStyle/>
+          <a:p>
+            <a:pPr algn="ctr"/>
+            <a:endParaRPr lang="nb-NO" sz="800"/>
+          </a:p>
+        </p:txBody>
+      </p:sp>
+      <p:grpSp>
+        <p:nvGrpSpPr>
+          <p:cNvPr id="522" name="Gruppe 521"/>
+          <p:cNvGrpSpPr/>
+          <p:nvPr/>
+        </p:nvGrpSpPr>
+        <p:grpSpPr>
+          <a:xfrm>
+            <a:off x="3622335" y="2694805"/>
+            <a:ext cx="1252912" cy="483535"/>
+            <a:chOff x="6924632" y="2807988"/>
+            <a:chExt cx="1514682" cy="786352"/>
+          </a:xfrm>
+        </p:grpSpPr>
+        <p:sp>
+          <p:nvSpPr>
+            <p:cNvPr id="523" name="Rektangel 522"/>
+            <p:cNvSpPr/>
+            <p:nvPr/>
+          </p:nvSpPr>
+          <p:spPr>
+            <a:xfrm>
+              <a:off x="6988629" y="3081419"/>
+              <a:ext cx="655705" cy="192461"/>
+            </a:xfrm>
+            <a:prstGeom prst="rect">
+              <a:avLst/>
+            </a:prstGeom>
+            <a:ln>
+              <a:solidFill>
+                <a:schemeClr val="accent1"/>
+              </a:solidFill>
+            </a:ln>
+          </p:spPr>
+          <p:style>
+            <a:lnRef idx="2">
+              <a:schemeClr val="dk1"/>
+            </a:lnRef>
+            <a:fillRef idx="1">
+              <a:schemeClr val="lt1"/>
+            </a:fillRef>
+            <a:effectRef idx="0">
+              <a:schemeClr val="dk1"/>
+            </a:effectRef>
+            <a:fontRef idx="minor">
+              <a:schemeClr val="dk1"/>
+            </a:fontRef>
+          </p:style>
+          <p:txBody>
+            <a:bodyPr rtlCol="0" anchor="ctr"/>
+            <a:lstStyle/>
+            <a:p>
+              <a:pPr algn="ctr"/>
+              <a:r>
+                <a:rPr lang="en-US" sz="800" dirty="0" smtClean="0"/>
+                <a:t>0</a:t>
+              </a:r>
+              <a:endParaRPr lang="nb-NO" sz="800" dirty="0"/>
+            </a:p>
+          </p:txBody>
+        </p:sp>
+        <p:sp>
+          <p:nvSpPr>
+            <p:cNvPr id="524" name="TekstSylinder 523"/>
+            <p:cNvSpPr txBox="1"/>
+            <p:nvPr/>
+          </p:nvSpPr>
+          <p:spPr>
+            <a:xfrm>
+              <a:off x="6924633" y="2807988"/>
+              <a:ext cx="1514681" cy="350368"/>
+            </a:xfrm>
+            <a:prstGeom prst="rect">
+              <a:avLst/>
+            </a:prstGeom>
+            <a:noFill/>
+          </p:spPr>
+          <p:txBody>
+            <a:bodyPr wrap="square" rtlCol="0">
+              <a:spAutoFit/>
+            </a:bodyPr>
+            <a:lstStyle/>
+            <a:p>
+              <a:r>
+                <a:rPr lang="en-US" sz="800" dirty="0" err="1" smtClean="0"/>
+                <a:t>navn</a:t>
+              </a:r>
+              <a:r>
+                <a:rPr lang="en-US" sz="800" dirty="0" smtClean="0"/>
+                <a:t>:  </a:t>
+              </a:r>
+              <a:r>
+                <a:rPr lang="en-US" sz="800" dirty="0" smtClean="0"/>
+                <a:t>id</a:t>
+              </a:r>
+              <a:endParaRPr lang="nb-NO" sz="800" dirty="0"/>
+            </a:p>
+          </p:txBody>
+        </p:sp>
+        <p:sp>
+          <p:nvSpPr>
+            <p:cNvPr id="525" name="TekstSylinder 524"/>
+            <p:cNvSpPr txBox="1"/>
+            <p:nvPr/>
+          </p:nvSpPr>
+          <p:spPr>
+            <a:xfrm>
+              <a:off x="6924632" y="3243973"/>
+              <a:ext cx="1514681" cy="350367"/>
+            </a:xfrm>
+            <a:prstGeom prst="rect">
+              <a:avLst/>
+            </a:prstGeom>
+            <a:noFill/>
+          </p:spPr>
+          <p:txBody>
+            <a:bodyPr wrap="square" rtlCol="0">
+              <a:spAutoFit/>
+            </a:bodyPr>
+            <a:lstStyle/>
+            <a:p>
+              <a:r>
+                <a:rPr lang="en-US" sz="800" dirty="0" smtClean="0"/>
+                <a:t>type: </a:t>
+              </a:r>
+              <a:r>
+                <a:rPr lang="en-US" sz="800" dirty="0" err="1" smtClean="0"/>
+                <a:t>int</a:t>
+              </a:r>
+              <a:endParaRPr lang="nb-NO" sz="800" dirty="0"/>
+            </a:p>
+          </p:txBody>
+        </p:sp>
+      </p:grpSp>
+      <p:grpSp>
+        <p:nvGrpSpPr>
+          <p:cNvPr id="526" name="Gruppe 525"/>
+          <p:cNvGrpSpPr/>
+          <p:nvPr/>
+        </p:nvGrpSpPr>
+        <p:grpSpPr>
+          <a:xfrm>
+            <a:off x="4261672" y="2690749"/>
+            <a:ext cx="1252912" cy="483535"/>
+            <a:chOff x="6924632" y="2807988"/>
+            <a:chExt cx="1514682" cy="786352"/>
+          </a:xfrm>
+        </p:grpSpPr>
+        <p:sp>
+          <p:nvSpPr>
+            <p:cNvPr id="527" name="Rektangel 526"/>
+            <p:cNvSpPr/>
+            <p:nvPr/>
+          </p:nvSpPr>
+          <p:spPr>
+            <a:xfrm>
+              <a:off x="6988629" y="3086099"/>
+              <a:ext cx="1020535" cy="187779"/>
+            </a:xfrm>
+            <a:prstGeom prst="rect">
+              <a:avLst/>
+            </a:prstGeom>
+            <a:ln>
+              <a:solidFill>
+                <a:schemeClr val="accent1"/>
+              </a:solidFill>
+            </a:ln>
+          </p:spPr>
+          <p:style>
+            <a:lnRef idx="2">
+              <a:schemeClr val="dk1"/>
+            </a:lnRef>
+            <a:fillRef idx="1">
+              <a:schemeClr val="lt1"/>
+            </a:fillRef>
+            <a:effectRef idx="0">
+              <a:schemeClr val="dk1"/>
+            </a:effectRef>
+            <a:fontRef idx="minor">
+              <a:schemeClr val="dk1"/>
+            </a:fontRef>
+          </p:style>
+          <p:txBody>
+            <a:bodyPr rtlCol="0" anchor="ctr"/>
+            <a:lstStyle/>
+            <a:p>
+              <a:pPr algn="ctr"/>
+              <a:r>
+                <a:rPr lang="en-US" sz="800" dirty="0" smtClean="0"/>
+                <a:t>1111</a:t>
+              </a:r>
+              <a:endParaRPr lang="nb-NO" sz="800" dirty="0"/>
+            </a:p>
+          </p:txBody>
+        </p:sp>
+        <p:sp>
+          <p:nvSpPr>
+            <p:cNvPr id="528" name="TekstSylinder 527"/>
+            <p:cNvSpPr txBox="1"/>
+            <p:nvPr/>
+          </p:nvSpPr>
+          <p:spPr>
+            <a:xfrm>
+              <a:off x="6924633" y="2807988"/>
+              <a:ext cx="1514681" cy="350368"/>
+            </a:xfrm>
+            <a:prstGeom prst="rect">
+              <a:avLst/>
+            </a:prstGeom>
+            <a:noFill/>
+          </p:spPr>
+          <p:txBody>
+            <a:bodyPr wrap="square" rtlCol="0">
+              <a:spAutoFit/>
+            </a:bodyPr>
+            <a:lstStyle/>
+            <a:p>
+              <a:r>
+                <a:rPr lang="en-US" sz="800" dirty="0" err="1" smtClean="0"/>
+                <a:t>navn</a:t>
+              </a:r>
+              <a:r>
+                <a:rPr lang="en-US" sz="800" dirty="0" smtClean="0"/>
+                <a:t>:  </a:t>
+              </a:r>
+              <a:r>
+                <a:rPr lang="en-US" sz="800" dirty="0" err="1" smtClean="0"/>
+                <a:t>pasientId</a:t>
+              </a:r>
+              <a:endParaRPr lang="nb-NO" sz="800" dirty="0"/>
+            </a:p>
+          </p:txBody>
+        </p:sp>
+        <p:sp>
+          <p:nvSpPr>
+            <p:cNvPr id="529" name="TekstSylinder 528"/>
+            <p:cNvSpPr txBox="1"/>
+            <p:nvPr/>
+          </p:nvSpPr>
+          <p:spPr>
+            <a:xfrm>
+              <a:off x="6924632" y="3243973"/>
+              <a:ext cx="1514681" cy="350367"/>
+            </a:xfrm>
+            <a:prstGeom prst="rect">
+              <a:avLst/>
+            </a:prstGeom>
+            <a:noFill/>
+          </p:spPr>
+          <p:txBody>
+            <a:bodyPr wrap="square" rtlCol="0">
+              <a:spAutoFit/>
+            </a:bodyPr>
+            <a:lstStyle/>
+            <a:p>
+              <a:r>
+                <a:rPr lang="en-US" sz="800" dirty="0" smtClean="0"/>
+                <a:t>type: </a:t>
+              </a:r>
+              <a:r>
+                <a:rPr lang="en-US" sz="800" dirty="0" err="1" smtClean="0"/>
+                <a:t>int</a:t>
+              </a:r>
+              <a:endParaRPr lang="nb-NO" sz="800" dirty="0"/>
+            </a:p>
+          </p:txBody>
+        </p:sp>
+      </p:grpSp>
+      <p:grpSp>
+        <p:nvGrpSpPr>
+          <p:cNvPr id="530" name="Gruppe 529"/>
+          <p:cNvGrpSpPr/>
+          <p:nvPr/>
+        </p:nvGrpSpPr>
+        <p:grpSpPr>
+          <a:xfrm>
+            <a:off x="5011807" y="3099830"/>
+            <a:ext cx="1252912" cy="483535"/>
+            <a:chOff x="6924632" y="2807988"/>
+            <a:chExt cx="1514682" cy="786352"/>
+          </a:xfrm>
+        </p:grpSpPr>
+        <p:sp>
+          <p:nvSpPr>
+            <p:cNvPr id="531" name="Rektangel 530"/>
+            <p:cNvSpPr/>
+            <p:nvPr/>
+          </p:nvSpPr>
+          <p:spPr>
+            <a:xfrm>
+              <a:off x="6988629" y="3078036"/>
+              <a:ext cx="797510" cy="195844"/>
+            </a:xfrm>
+            <a:prstGeom prst="rect">
+              <a:avLst/>
+            </a:prstGeom>
+            <a:ln>
+              <a:solidFill>
+                <a:schemeClr val="accent1"/>
+              </a:solidFill>
+            </a:ln>
+          </p:spPr>
+          <p:style>
+            <a:lnRef idx="2">
+              <a:schemeClr val="dk1"/>
+            </a:lnRef>
+            <a:fillRef idx="1">
+              <a:schemeClr val="lt1"/>
+            </a:fillRef>
+            <a:effectRef idx="0">
+              <a:schemeClr val="dk1"/>
+            </a:effectRef>
+            <a:fontRef idx="minor">
+              <a:schemeClr val="dk1"/>
+            </a:fontRef>
+          </p:style>
+          <p:txBody>
+            <a:bodyPr rtlCol="0" anchor="ctr"/>
+            <a:lstStyle/>
+            <a:p>
+              <a:pPr algn="ctr"/>
+              <a:r>
+                <a:rPr lang="en-US" sz="800" dirty="0" smtClean="0"/>
+                <a:t>1</a:t>
+              </a:r>
+              <a:endParaRPr lang="nb-NO" sz="800" dirty="0"/>
+            </a:p>
+          </p:txBody>
+        </p:sp>
+        <p:sp>
+          <p:nvSpPr>
+            <p:cNvPr id="532" name="TekstSylinder 531"/>
+            <p:cNvSpPr txBox="1"/>
+            <p:nvPr/>
+          </p:nvSpPr>
+          <p:spPr>
+            <a:xfrm>
+              <a:off x="6924633" y="2807988"/>
+              <a:ext cx="1514681" cy="350368"/>
+            </a:xfrm>
+            <a:prstGeom prst="rect">
+              <a:avLst/>
+            </a:prstGeom>
+            <a:noFill/>
+          </p:spPr>
+          <p:txBody>
+            <a:bodyPr wrap="square" rtlCol="0">
+              <a:spAutoFit/>
+            </a:bodyPr>
+            <a:lstStyle/>
+            <a:p>
+              <a:r>
+                <a:rPr lang="en-US" sz="800" dirty="0" err="1" smtClean="0"/>
+                <a:t>navn</a:t>
+              </a:r>
+              <a:r>
+                <a:rPr lang="en-US" sz="800" dirty="0" smtClean="0"/>
+                <a:t>:  </a:t>
+              </a:r>
+              <a:r>
+                <a:rPr lang="en-US" sz="800" dirty="0" err="1" smtClean="0"/>
+                <a:t>reit</a:t>
+              </a:r>
+              <a:endParaRPr lang="nb-NO" sz="800" dirty="0"/>
+            </a:p>
+          </p:txBody>
+        </p:sp>
+        <p:sp>
+          <p:nvSpPr>
+            <p:cNvPr id="533" name="TekstSylinder 532"/>
+            <p:cNvSpPr txBox="1"/>
+            <p:nvPr/>
+          </p:nvSpPr>
+          <p:spPr>
+            <a:xfrm>
+              <a:off x="6924632" y="3243973"/>
+              <a:ext cx="1514681" cy="350367"/>
+            </a:xfrm>
+            <a:prstGeom prst="rect">
+              <a:avLst/>
+            </a:prstGeom>
+            <a:noFill/>
+          </p:spPr>
+          <p:txBody>
+            <a:bodyPr wrap="square" rtlCol="0">
+              <a:spAutoFit/>
+            </a:bodyPr>
+            <a:lstStyle/>
+            <a:p>
+              <a:r>
+                <a:rPr lang="en-US" sz="800" dirty="0" smtClean="0"/>
+                <a:t>type: </a:t>
+              </a:r>
+              <a:r>
+                <a:rPr lang="en-US" sz="800" dirty="0" err="1" smtClean="0"/>
+                <a:t>int</a:t>
+              </a:r>
+              <a:endParaRPr lang="nb-NO" sz="800" dirty="0"/>
+            </a:p>
+          </p:txBody>
+        </p:sp>
+      </p:grpSp>
+      <p:sp>
+        <p:nvSpPr>
+          <p:cNvPr id="534" name="TekstSylinder 533"/>
+          <p:cNvSpPr txBox="1"/>
+          <p:nvPr/>
+        </p:nvSpPr>
+        <p:spPr>
+          <a:xfrm>
+            <a:off x="3564166" y="2458385"/>
+            <a:ext cx="2346947" cy="246221"/>
+          </a:xfrm>
+          <a:prstGeom prst="rect">
+            <a:avLst/>
+          </a:prstGeom>
+          <a:noFill/>
+        </p:spPr>
+        <p:txBody>
+          <a:bodyPr wrap="square" rtlCol="0">
+            <a:spAutoFit/>
+          </a:bodyPr>
+          <a:lstStyle/>
+          <a:p>
+            <a:r>
+              <a:rPr lang="en-US" sz="1000" dirty="0" err="1" smtClean="0"/>
+              <a:t>hvit</a:t>
+            </a:r>
+            <a:endParaRPr lang="nb-NO" sz="1000" dirty="0"/>
+          </a:p>
+        </p:txBody>
+      </p:sp>
+      <p:grpSp>
+        <p:nvGrpSpPr>
+          <p:cNvPr id="535" name="Gruppe 534"/>
+          <p:cNvGrpSpPr/>
+          <p:nvPr/>
+        </p:nvGrpSpPr>
+        <p:grpSpPr>
+          <a:xfrm>
+            <a:off x="3756256" y="3080898"/>
+            <a:ext cx="1252912" cy="483535"/>
+            <a:chOff x="6924632" y="2807988"/>
+            <a:chExt cx="1514682" cy="786352"/>
+          </a:xfrm>
+        </p:grpSpPr>
+        <p:sp>
+          <p:nvSpPr>
+            <p:cNvPr id="536" name="Rektangel 535"/>
+            <p:cNvSpPr/>
+            <p:nvPr/>
+          </p:nvSpPr>
+          <p:spPr>
+            <a:xfrm>
+              <a:off x="6988629" y="3086099"/>
+              <a:ext cx="1020535" cy="187779"/>
+            </a:xfrm>
+            <a:prstGeom prst="rect">
+              <a:avLst/>
+            </a:prstGeom>
+            <a:ln>
+              <a:solidFill>
+                <a:schemeClr val="accent1"/>
+              </a:solidFill>
+            </a:ln>
+          </p:spPr>
+          <p:style>
+            <a:lnRef idx="2">
+              <a:schemeClr val="dk1"/>
+            </a:lnRef>
+            <a:fillRef idx="1">
+              <a:schemeClr val="lt1"/>
+            </a:fillRef>
+            <a:effectRef idx="0">
+              <a:schemeClr val="dk1"/>
+            </a:effectRef>
+            <a:fontRef idx="minor">
+              <a:schemeClr val="dk1"/>
+            </a:fontRef>
+          </p:style>
+          <p:txBody>
+            <a:bodyPr rtlCol="0" anchor="ctr"/>
+            <a:lstStyle/>
+            <a:p>
+              <a:pPr algn="ctr"/>
+              <a:endParaRPr lang="nb-NO" sz="800" dirty="0"/>
+            </a:p>
+          </p:txBody>
+        </p:sp>
+        <p:sp>
+          <p:nvSpPr>
+            <p:cNvPr id="537" name="TekstSylinder 536"/>
+            <p:cNvSpPr txBox="1"/>
+            <p:nvPr/>
+          </p:nvSpPr>
+          <p:spPr>
+            <a:xfrm>
+              <a:off x="6924633" y="2807988"/>
+              <a:ext cx="1514681" cy="350368"/>
+            </a:xfrm>
+            <a:prstGeom prst="rect">
+              <a:avLst/>
+            </a:prstGeom>
+            <a:noFill/>
+          </p:spPr>
+          <p:txBody>
+            <a:bodyPr wrap="square" rtlCol="0">
+              <a:spAutoFit/>
+            </a:bodyPr>
+            <a:lstStyle/>
+            <a:p>
+              <a:r>
+                <a:rPr lang="en-US" sz="800" dirty="0" err="1" smtClean="0"/>
+                <a:t>navn</a:t>
+              </a:r>
+              <a:r>
+                <a:rPr lang="en-US" sz="800" dirty="0" smtClean="0"/>
+                <a:t>:  </a:t>
+              </a:r>
+              <a:r>
+                <a:rPr lang="en-US" sz="800" dirty="0" err="1" smtClean="0"/>
+                <a:t>utskrivendeLege</a:t>
+              </a:r>
+              <a:endParaRPr lang="nb-NO" sz="800" dirty="0"/>
+            </a:p>
+          </p:txBody>
+        </p:sp>
+        <p:sp>
+          <p:nvSpPr>
+            <p:cNvPr id="538" name="TekstSylinder 537"/>
+            <p:cNvSpPr txBox="1"/>
+            <p:nvPr/>
+          </p:nvSpPr>
+          <p:spPr>
+            <a:xfrm>
+              <a:off x="6924632" y="3243973"/>
+              <a:ext cx="1514681" cy="350367"/>
+            </a:xfrm>
+            <a:prstGeom prst="rect">
+              <a:avLst/>
+            </a:prstGeom>
+            <a:noFill/>
+          </p:spPr>
+          <p:txBody>
+            <a:bodyPr wrap="square" rtlCol="0">
+              <a:spAutoFit/>
+            </a:bodyPr>
+            <a:lstStyle/>
+            <a:p>
+              <a:r>
+                <a:rPr lang="en-US" sz="800" dirty="0" smtClean="0"/>
+                <a:t>type: </a:t>
+              </a:r>
+              <a:r>
+                <a:rPr lang="en-US" sz="800" dirty="0" err="1" smtClean="0"/>
+                <a:t>Lege</a:t>
+              </a:r>
+              <a:endParaRPr lang="nb-NO" sz="800" dirty="0"/>
+            </a:p>
+          </p:txBody>
+        </p:sp>
+      </p:grpSp>
+      <p:grpSp>
+        <p:nvGrpSpPr>
+          <p:cNvPr id="539" name="Gruppe 538"/>
+          <p:cNvGrpSpPr/>
+          <p:nvPr/>
+        </p:nvGrpSpPr>
+        <p:grpSpPr>
+          <a:xfrm>
+            <a:off x="5146607" y="2682397"/>
+            <a:ext cx="1252912" cy="483535"/>
+            <a:chOff x="6924632" y="2807988"/>
+            <a:chExt cx="1514682" cy="786352"/>
+          </a:xfrm>
+        </p:grpSpPr>
+        <p:sp>
+          <p:nvSpPr>
+            <p:cNvPr id="540" name="Rektangel 539"/>
+            <p:cNvSpPr/>
+            <p:nvPr/>
+          </p:nvSpPr>
+          <p:spPr>
+            <a:xfrm>
+              <a:off x="6988629" y="3086099"/>
+              <a:ext cx="1020535" cy="187779"/>
+            </a:xfrm>
+            <a:prstGeom prst="rect">
+              <a:avLst/>
+            </a:prstGeom>
+            <a:ln>
+              <a:solidFill>
+                <a:schemeClr val="accent1"/>
+              </a:solidFill>
+            </a:ln>
+          </p:spPr>
+          <p:style>
+            <a:lnRef idx="2">
+              <a:schemeClr val="dk1"/>
+            </a:lnRef>
+            <a:fillRef idx="1">
+              <a:schemeClr val="lt1"/>
+            </a:fillRef>
+            <a:effectRef idx="0">
+              <a:schemeClr val="dk1"/>
+            </a:effectRef>
+            <a:fontRef idx="minor">
+              <a:schemeClr val="dk1"/>
+            </a:fontRef>
+          </p:style>
+          <p:txBody>
+            <a:bodyPr rtlCol="0" anchor="ctr"/>
+            <a:lstStyle/>
+            <a:p>
+              <a:pPr algn="ctr"/>
+              <a:endParaRPr lang="nb-NO" sz="800" dirty="0"/>
+            </a:p>
+          </p:txBody>
+        </p:sp>
+        <p:sp>
+          <p:nvSpPr>
+            <p:cNvPr id="541" name="TekstSylinder 540"/>
+            <p:cNvSpPr txBox="1"/>
+            <p:nvPr/>
+          </p:nvSpPr>
+          <p:spPr>
+            <a:xfrm>
+              <a:off x="6924633" y="2807988"/>
+              <a:ext cx="1514681" cy="350368"/>
+            </a:xfrm>
+            <a:prstGeom prst="rect">
+              <a:avLst/>
+            </a:prstGeom>
+            <a:noFill/>
+          </p:spPr>
+          <p:txBody>
+            <a:bodyPr wrap="square" rtlCol="0">
+              <a:spAutoFit/>
+            </a:bodyPr>
+            <a:lstStyle/>
+            <a:p>
+              <a:r>
+                <a:rPr lang="en-US" sz="800" dirty="0" err="1" smtClean="0"/>
+                <a:t>navn</a:t>
+              </a:r>
+              <a:r>
+                <a:rPr lang="en-US" sz="800" dirty="0" smtClean="0"/>
+                <a:t>:  </a:t>
+              </a:r>
+              <a:r>
+                <a:rPr lang="en-US" sz="800" dirty="0" err="1" smtClean="0"/>
+                <a:t>legemiddel</a:t>
+              </a:r>
+              <a:endParaRPr lang="nb-NO" sz="800" dirty="0"/>
+            </a:p>
+          </p:txBody>
+        </p:sp>
+        <p:sp>
+          <p:nvSpPr>
+            <p:cNvPr id="542" name="TekstSylinder 541"/>
+            <p:cNvSpPr txBox="1"/>
+            <p:nvPr/>
+          </p:nvSpPr>
+          <p:spPr>
+            <a:xfrm>
+              <a:off x="6924632" y="3243973"/>
+              <a:ext cx="1514681" cy="350367"/>
+            </a:xfrm>
+            <a:prstGeom prst="rect">
+              <a:avLst/>
+            </a:prstGeom>
+            <a:noFill/>
+          </p:spPr>
+          <p:txBody>
+            <a:bodyPr wrap="square" rtlCol="0">
+              <a:spAutoFit/>
+            </a:bodyPr>
+            <a:lstStyle/>
+            <a:p>
+              <a:r>
+                <a:rPr lang="en-US" sz="800" dirty="0" smtClean="0"/>
+                <a:t>type: </a:t>
+              </a:r>
+              <a:r>
+                <a:rPr lang="en-US" sz="800" dirty="0" err="1" smtClean="0"/>
+                <a:t>Legemiddel</a:t>
+              </a:r>
+              <a:endParaRPr lang="nb-NO" sz="800" dirty="0"/>
+            </a:p>
+          </p:txBody>
+        </p:sp>
+      </p:grpSp>
+      <p:sp>
+        <p:nvSpPr>
+          <p:cNvPr id="543" name="Avrundet rektangel 542"/>
+          <p:cNvSpPr/>
+          <p:nvPr/>
+        </p:nvSpPr>
+        <p:spPr>
+          <a:xfrm>
+            <a:off x="6411281" y="2723633"/>
+            <a:ext cx="2524434" cy="1315687"/>
+          </a:xfrm>
+          <a:prstGeom prst="roundRect">
+            <a:avLst/>
+          </a:prstGeom>
+          <a:ln>
+            <a:solidFill>
+              <a:schemeClr val="accent1"/>
+            </a:solidFill>
+            <a:prstDash val="solid"/>
+          </a:ln>
+        </p:spPr>
+        <p:style>
+          <a:lnRef idx="2">
+            <a:schemeClr val="accent1"/>
+          </a:lnRef>
+          <a:fillRef idx="1">
+            <a:schemeClr val="lt1"/>
+          </a:fillRef>
+          <a:effectRef idx="0">
+            <a:schemeClr val="accent1"/>
+          </a:effectRef>
+          <a:fontRef idx="minor">
+            <a:schemeClr val="dk1"/>
+          </a:fontRef>
+        </p:style>
+        <p:txBody>
+          <a:bodyPr rtlCol="0" anchor="ctr"/>
+          <a:lstStyle/>
+          <a:p>
+            <a:pPr algn="ctr"/>
+            <a:endParaRPr lang="nb-NO" sz="800"/>
+          </a:p>
+        </p:txBody>
+      </p:sp>
+      <p:sp>
+        <p:nvSpPr>
+          <p:cNvPr id="544" name="Avrundet rektangel 543"/>
+          <p:cNvSpPr/>
+          <p:nvPr/>
+        </p:nvSpPr>
+        <p:spPr>
+          <a:xfrm>
+            <a:off x="6411281" y="2723635"/>
+            <a:ext cx="2524434" cy="816748"/>
+          </a:xfrm>
+          <a:prstGeom prst="roundRect">
+            <a:avLst/>
+          </a:prstGeom>
+          <a:ln>
+            <a:solidFill>
+              <a:schemeClr val="accent1"/>
+            </a:solidFill>
+            <a:prstDash val="solid"/>
+          </a:ln>
+        </p:spPr>
+        <p:style>
+          <a:lnRef idx="2">
+            <a:schemeClr val="accent1"/>
+          </a:lnRef>
+          <a:fillRef idx="1">
+            <a:schemeClr val="lt1"/>
+          </a:fillRef>
+          <a:effectRef idx="0">
+            <a:schemeClr val="accent1"/>
+          </a:effectRef>
+          <a:fontRef idx="minor">
+            <a:schemeClr val="dk1"/>
+          </a:fontRef>
+        </p:style>
+        <p:txBody>
+          <a:bodyPr rtlCol="0" anchor="ctr"/>
+          <a:lstStyle/>
+          <a:p>
+            <a:pPr algn="ctr"/>
+            <a:endParaRPr lang="nb-NO" sz="800"/>
+          </a:p>
+        </p:txBody>
+      </p:sp>
+      <p:grpSp>
+        <p:nvGrpSpPr>
+          <p:cNvPr id="545" name="Gruppe 544"/>
+          <p:cNvGrpSpPr/>
+          <p:nvPr/>
+        </p:nvGrpSpPr>
+        <p:grpSpPr>
+          <a:xfrm>
+            <a:off x="6478200" y="2711166"/>
+            <a:ext cx="1252912" cy="483535"/>
+            <a:chOff x="6924632" y="2807988"/>
+            <a:chExt cx="1514682" cy="786352"/>
+          </a:xfrm>
+        </p:grpSpPr>
+        <p:sp>
+          <p:nvSpPr>
+            <p:cNvPr id="546" name="Rektangel 545"/>
+            <p:cNvSpPr/>
+            <p:nvPr/>
+          </p:nvSpPr>
+          <p:spPr>
+            <a:xfrm>
+              <a:off x="6988629" y="3081419"/>
+              <a:ext cx="655705" cy="192461"/>
+            </a:xfrm>
+            <a:prstGeom prst="rect">
+              <a:avLst/>
+            </a:prstGeom>
+            <a:ln>
+              <a:solidFill>
+                <a:schemeClr val="accent1"/>
+              </a:solidFill>
+            </a:ln>
+          </p:spPr>
+          <p:style>
+            <a:lnRef idx="2">
+              <a:schemeClr val="dk1"/>
+            </a:lnRef>
+            <a:fillRef idx="1">
+              <a:schemeClr val="lt1"/>
+            </a:fillRef>
+            <a:effectRef idx="0">
+              <a:schemeClr val="dk1"/>
+            </a:effectRef>
+            <a:fontRef idx="minor">
+              <a:schemeClr val="dk1"/>
+            </a:fontRef>
+          </p:style>
+          <p:txBody>
+            <a:bodyPr rtlCol="0" anchor="ctr"/>
+            <a:lstStyle/>
+            <a:p>
+              <a:pPr algn="ctr"/>
+              <a:r>
+                <a:rPr lang="en-US" sz="800" dirty="0"/>
+                <a:t>2</a:t>
+              </a:r>
+              <a:endParaRPr lang="nb-NO" sz="800" dirty="0"/>
+            </a:p>
+          </p:txBody>
+        </p:sp>
+        <p:sp>
+          <p:nvSpPr>
+            <p:cNvPr id="547" name="TekstSylinder 546"/>
+            <p:cNvSpPr txBox="1"/>
+            <p:nvPr/>
+          </p:nvSpPr>
+          <p:spPr>
+            <a:xfrm>
+              <a:off x="6924633" y="2807988"/>
+              <a:ext cx="1514681" cy="350368"/>
+            </a:xfrm>
+            <a:prstGeom prst="rect">
+              <a:avLst/>
+            </a:prstGeom>
+            <a:noFill/>
+          </p:spPr>
+          <p:txBody>
+            <a:bodyPr wrap="square" rtlCol="0">
+              <a:spAutoFit/>
+            </a:bodyPr>
+            <a:lstStyle/>
+            <a:p>
+              <a:r>
+                <a:rPr lang="en-US" sz="800" dirty="0" err="1" smtClean="0"/>
+                <a:t>navn</a:t>
+              </a:r>
+              <a:r>
+                <a:rPr lang="en-US" sz="800" dirty="0" smtClean="0"/>
+                <a:t>:  </a:t>
+              </a:r>
+              <a:r>
+                <a:rPr lang="en-US" sz="800" dirty="0" smtClean="0"/>
+                <a:t>id</a:t>
+              </a:r>
+              <a:endParaRPr lang="nb-NO" sz="800" dirty="0"/>
+            </a:p>
+          </p:txBody>
+        </p:sp>
+        <p:sp>
+          <p:nvSpPr>
+            <p:cNvPr id="548" name="TekstSylinder 547"/>
+            <p:cNvSpPr txBox="1"/>
+            <p:nvPr/>
+          </p:nvSpPr>
+          <p:spPr>
+            <a:xfrm>
+              <a:off x="6924632" y="3243973"/>
+              <a:ext cx="1514681" cy="350367"/>
+            </a:xfrm>
+            <a:prstGeom prst="rect">
+              <a:avLst/>
+            </a:prstGeom>
+            <a:noFill/>
+          </p:spPr>
+          <p:txBody>
+            <a:bodyPr wrap="square" rtlCol="0">
+              <a:spAutoFit/>
+            </a:bodyPr>
+            <a:lstStyle/>
+            <a:p>
+              <a:r>
+                <a:rPr lang="en-US" sz="800" dirty="0" smtClean="0"/>
+                <a:t>type: </a:t>
+              </a:r>
+              <a:r>
+                <a:rPr lang="en-US" sz="800" dirty="0" err="1" smtClean="0"/>
+                <a:t>int</a:t>
+              </a:r>
+              <a:endParaRPr lang="nb-NO" sz="800" dirty="0"/>
+            </a:p>
+          </p:txBody>
+        </p:sp>
+      </p:grpSp>
+      <p:grpSp>
+        <p:nvGrpSpPr>
+          <p:cNvPr id="549" name="Gruppe 548"/>
+          <p:cNvGrpSpPr/>
+          <p:nvPr/>
+        </p:nvGrpSpPr>
+        <p:grpSpPr>
+          <a:xfrm>
+            <a:off x="7099115" y="2706659"/>
+            <a:ext cx="1252912" cy="483535"/>
+            <a:chOff x="6924632" y="2807988"/>
+            <a:chExt cx="1514682" cy="786352"/>
+          </a:xfrm>
+        </p:grpSpPr>
+        <p:sp>
+          <p:nvSpPr>
+            <p:cNvPr id="550" name="Rektangel 549"/>
+            <p:cNvSpPr/>
+            <p:nvPr/>
+          </p:nvSpPr>
+          <p:spPr>
+            <a:xfrm>
+              <a:off x="6988629" y="3086099"/>
+              <a:ext cx="1020535" cy="187779"/>
+            </a:xfrm>
+            <a:prstGeom prst="rect">
+              <a:avLst/>
+            </a:prstGeom>
+            <a:ln>
+              <a:solidFill>
+                <a:schemeClr val="accent1"/>
+              </a:solidFill>
+            </a:ln>
+          </p:spPr>
+          <p:style>
+            <a:lnRef idx="2">
+              <a:schemeClr val="dk1"/>
+            </a:lnRef>
+            <a:fillRef idx="1">
+              <a:schemeClr val="lt1"/>
+            </a:fillRef>
+            <a:effectRef idx="0">
+              <a:schemeClr val="dk1"/>
+            </a:effectRef>
+            <a:fontRef idx="minor">
+              <a:schemeClr val="dk1"/>
+            </a:fontRef>
+          </p:style>
+          <p:txBody>
+            <a:bodyPr rtlCol="0" anchor="ctr"/>
+            <a:lstStyle/>
+            <a:p>
+              <a:pPr algn="ctr"/>
+              <a:r>
+                <a:rPr lang="en-US" sz="800" dirty="0" smtClean="0"/>
+                <a:t>3333</a:t>
+              </a:r>
+              <a:endParaRPr lang="nb-NO" sz="800" dirty="0"/>
+            </a:p>
+          </p:txBody>
+        </p:sp>
+        <p:sp>
+          <p:nvSpPr>
+            <p:cNvPr id="551" name="TekstSylinder 550"/>
+            <p:cNvSpPr txBox="1"/>
+            <p:nvPr/>
+          </p:nvSpPr>
+          <p:spPr>
+            <a:xfrm>
+              <a:off x="6924633" y="2807988"/>
+              <a:ext cx="1514681" cy="350368"/>
+            </a:xfrm>
+            <a:prstGeom prst="rect">
+              <a:avLst/>
+            </a:prstGeom>
+            <a:noFill/>
+          </p:spPr>
+          <p:txBody>
+            <a:bodyPr wrap="square" rtlCol="0">
+              <a:spAutoFit/>
+            </a:bodyPr>
+            <a:lstStyle/>
+            <a:p>
+              <a:r>
+                <a:rPr lang="en-US" sz="800" dirty="0" err="1" smtClean="0"/>
+                <a:t>navn</a:t>
+              </a:r>
+              <a:r>
+                <a:rPr lang="en-US" sz="800" dirty="0" smtClean="0"/>
+                <a:t>:  </a:t>
+              </a:r>
+              <a:r>
+                <a:rPr lang="en-US" sz="800" dirty="0" err="1" smtClean="0"/>
+                <a:t>pasientId</a:t>
+              </a:r>
+              <a:endParaRPr lang="nb-NO" sz="800" dirty="0"/>
+            </a:p>
+          </p:txBody>
+        </p:sp>
+        <p:sp>
+          <p:nvSpPr>
+            <p:cNvPr id="552" name="TekstSylinder 551"/>
+            <p:cNvSpPr txBox="1"/>
+            <p:nvPr/>
+          </p:nvSpPr>
+          <p:spPr>
+            <a:xfrm>
+              <a:off x="6924632" y="3243973"/>
+              <a:ext cx="1514681" cy="350367"/>
+            </a:xfrm>
+            <a:prstGeom prst="rect">
+              <a:avLst/>
+            </a:prstGeom>
+            <a:noFill/>
+          </p:spPr>
+          <p:txBody>
+            <a:bodyPr wrap="square" rtlCol="0">
+              <a:spAutoFit/>
+            </a:bodyPr>
+            <a:lstStyle/>
+            <a:p>
+              <a:r>
+                <a:rPr lang="en-US" sz="800" dirty="0" smtClean="0"/>
+                <a:t>type: </a:t>
+              </a:r>
+              <a:r>
+                <a:rPr lang="en-US" sz="800" dirty="0" err="1" smtClean="0"/>
+                <a:t>int</a:t>
+              </a:r>
+              <a:endParaRPr lang="nb-NO" sz="800" dirty="0"/>
+            </a:p>
+          </p:txBody>
+        </p:sp>
+      </p:grpSp>
+      <p:sp>
+        <p:nvSpPr>
+          <p:cNvPr id="553" name="TekstSylinder 552"/>
+          <p:cNvSpPr txBox="1"/>
+          <p:nvPr/>
+        </p:nvSpPr>
+        <p:spPr>
+          <a:xfrm>
+            <a:off x="6420031" y="2474746"/>
+            <a:ext cx="2346947" cy="400110"/>
+          </a:xfrm>
+          <a:prstGeom prst="rect">
+            <a:avLst/>
+          </a:prstGeom>
+          <a:noFill/>
+        </p:spPr>
+        <p:txBody>
+          <a:bodyPr wrap="square" rtlCol="0">
+            <a:spAutoFit/>
+          </a:bodyPr>
+          <a:lstStyle/>
+          <a:p>
+            <a:r>
+              <a:rPr lang="en-US" sz="1000" dirty="0" err="1" smtClean="0"/>
+              <a:t>pResept</a:t>
+            </a:r>
+            <a:endParaRPr lang="en-US" sz="1000" dirty="0" smtClean="0"/>
+          </a:p>
+          <a:p>
+            <a:endParaRPr lang="nb-NO" sz="1000" dirty="0"/>
+          </a:p>
+        </p:txBody>
+      </p:sp>
+      <p:grpSp>
+        <p:nvGrpSpPr>
+          <p:cNvPr id="554" name="Gruppe 553"/>
+          <p:cNvGrpSpPr/>
+          <p:nvPr/>
+        </p:nvGrpSpPr>
+        <p:grpSpPr>
+          <a:xfrm>
+            <a:off x="6612121" y="3097259"/>
+            <a:ext cx="1252912" cy="483535"/>
+            <a:chOff x="6924632" y="2807988"/>
+            <a:chExt cx="1514682" cy="786352"/>
+          </a:xfrm>
+        </p:grpSpPr>
+        <p:sp>
+          <p:nvSpPr>
+            <p:cNvPr id="555" name="Rektangel 554"/>
+            <p:cNvSpPr/>
+            <p:nvPr/>
+          </p:nvSpPr>
+          <p:spPr>
+            <a:xfrm>
+              <a:off x="6988629" y="3086099"/>
+              <a:ext cx="1020535" cy="187779"/>
+            </a:xfrm>
+            <a:prstGeom prst="rect">
+              <a:avLst/>
+            </a:prstGeom>
+            <a:ln>
+              <a:solidFill>
+                <a:schemeClr val="accent1"/>
+              </a:solidFill>
+            </a:ln>
+          </p:spPr>
+          <p:style>
+            <a:lnRef idx="2">
+              <a:schemeClr val="dk1"/>
+            </a:lnRef>
+            <a:fillRef idx="1">
+              <a:schemeClr val="lt1"/>
+            </a:fillRef>
+            <a:effectRef idx="0">
+              <a:schemeClr val="dk1"/>
+            </a:effectRef>
+            <a:fontRef idx="minor">
+              <a:schemeClr val="dk1"/>
+            </a:fontRef>
+          </p:style>
+          <p:txBody>
+            <a:bodyPr rtlCol="0" anchor="ctr"/>
+            <a:lstStyle/>
+            <a:p>
+              <a:pPr algn="ctr"/>
+              <a:endParaRPr lang="nb-NO" sz="800" dirty="0"/>
+            </a:p>
+          </p:txBody>
+        </p:sp>
+        <p:sp>
+          <p:nvSpPr>
+            <p:cNvPr id="556" name="TekstSylinder 555"/>
+            <p:cNvSpPr txBox="1"/>
+            <p:nvPr/>
+          </p:nvSpPr>
+          <p:spPr>
+            <a:xfrm>
+              <a:off x="6924633" y="2807988"/>
+              <a:ext cx="1514681" cy="350368"/>
+            </a:xfrm>
+            <a:prstGeom prst="rect">
+              <a:avLst/>
+            </a:prstGeom>
+            <a:noFill/>
+          </p:spPr>
+          <p:txBody>
+            <a:bodyPr wrap="square" rtlCol="0">
+              <a:spAutoFit/>
+            </a:bodyPr>
+            <a:lstStyle/>
+            <a:p>
+              <a:r>
+                <a:rPr lang="en-US" sz="800" dirty="0" err="1" smtClean="0"/>
+                <a:t>navn</a:t>
+              </a:r>
+              <a:r>
+                <a:rPr lang="en-US" sz="800" dirty="0" smtClean="0"/>
+                <a:t>:  </a:t>
+              </a:r>
+              <a:r>
+                <a:rPr lang="en-US" sz="800" dirty="0" err="1" smtClean="0"/>
+                <a:t>utskrivendeLege</a:t>
+              </a:r>
+              <a:endParaRPr lang="nb-NO" sz="800" dirty="0"/>
+            </a:p>
+          </p:txBody>
+        </p:sp>
+        <p:sp>
+          <p:nvSpPr>
+            <p:cNvPr id="557" name="TekstSylinder 556"/>
+            <p:cNvSpPr txBox="1"/>
+            <p:nvPr/>
+          </p:nvSpPr>
+          <p:spPr>
+            <a:xfrm>
+              <a:off x="6924632" y="3243973"/>
+              <a:ext cx="1514681" cy="350367"/>
+            </a:xfrm>
+            <a:prstGeom prst="rect">
+              <a:avLst/>
+            </a:prstGeom>
+            <a:noFill/>
+          </p:spPr>
+          <p:txBody>
+            <a:bodyPr wrap="square" rtlCol="0">
+              <a:spAutoFit/>
+            </a:bodyPr>
+            <a:lstStyle/>
+            <a:p>
+              <a:r>
+                <a:rPr lang="en-US" sz="800" dirty="0" smtClean="0"/>
+                <a:t>type: </a:t>
+              </a:r>
+              <a:r>
+                <a:rPr lang="en-US" sz="800" dirty="0" err="1" smtClean="0"/>
+                <a:t>Lege</a:t>
+              </a:r>
+              <a:endParaRPr lang="nb-NO" sz="800" dirty="0"/>
+            </a:p>
+          </p:txBody>
+        </p:sp>
+      </p:grpSp>
+      <p:grpSp>
+        <p:nvGrpSpPr>
+          <p:cNvPr id="558" name="Gruppe 557"/>
+          <p:cNvGrpSpPr/>
+          <p:nvPr/>
+        </p:nvGrpSpPr>
+        <p:grpSpPr>
+          <a:xfrm>
+            <a:off x="7991282" y="2707272"/>
+            <a:ext cx="1252912" cy="483535"/>
+            <a:chOff x="6924632" y="2807988"/>
+            <a:chExt cx="1514682" cy="786352"/>
+          </a:xfrm>
+        </p:grpSpPr>
+        <p:sp>
+          <p:nvSpPr>
+            <p:cNvPr id="559" name="Rektangel 558"/>
+            <p:cNvSpPr/>
+            <p:nvPr/>
+          </p:nvSpPr>
+          <p:spPr>
+            <a:xfrm>
+              <a:off x="6988629" y="3086099"/>
+              <a:ext cx="1020535" cy="187779"/>
+            </a:xfrm>
+            <a:prstGeom prst="rect">
+              <a:avLst/>
+            </a:prstGeom>
+            <a:ln>
+              <a:solidFill>
+                <a:schemeClr val="accent1"/>
+              </a:solidFill>
+            </a:ln>
+          </p:spPr>
+          <p:style>
+            <a:lnRef idx="2">
+              <a:schemeClr val="dk1"/>
+            </a:lnRef>
+            <a:fillRef idx="1">
+              <a:schemeClr val="lt1"/>
+            </a:fillRef>
+            <a:effectRef idx="0">
+              <a:schemeClr val="dk1"/>
+            </a:effectRef>
+            <a:fontRef idx="minor">
+              <a:schemeClr val="dk1"/>
+            </a:fontRef>
+          </p:style>
+          <p:txBody>
+            <a:bodyPr rtlCol="0" anchor="ctr"/>
+            <a:lstStyle/>
+            <a:p>
+              <a:pPr algn="ctr"/>
+              <a:endParaRPr lang="nb-NO" sz="800" dirty="0"/>
+            </a:p>
+          </p:txBody>
+        </p:sp>
+        <p:sp>
+          <p:nvSpPr>
+            <p:cNvPr id="560" name="TekstSylinder 559"/>
+            <p:cNvSpPr txBox="1"/>
+            <p:nvPr/>
+          </p:nvSpPr>
+          <p:spPr>
+            <a:xfrm>
+              <a:off x="6924633" y="2807988"/>
+              <a:ext cx="1514681" cy="350368"/>
+            </a:xfrm>
+            <a:prstGeom prst="rect">
+              <a:avLst/>
+            </a:prstGeom>
+            <a:noFill/>
+          </p:spPr>
+          <p:txBody>
+            <a:bodyPr wrap="square" rtlCol="0">
+              <a:spAutoFit/>
+            </a:bodyPr>
+            <a:lstStyle/>
+            <a:p>
+              <a:r>
+                <a:rPr lang="en-US" sz="800" dirty="0" err="1" smtClean="0"/>
+                <a:t>navn</a:t>
+              </a:r>
+              <a:r>
+                <a:rPr lang="en-US" sz="800" dirty="0" smtClean="0"/>
+                <a:t>:  </a:t>
+              </a:r>
+              <a:r>
+                <a:rPr lang="en-US" sz="800" dirty="0" err="1" smtClean="0"/>
+                <a:t>legemiddel</a:t>
+              </a:r>
+              <a:endParaRPr lang="nb-NO" sz="800" dirty="0"/>
+            </a:p>
+          </p:txBody>
+        </p:sp>
+        <p:sp>
+          <p:nvSpPr>
+            <p:cNvPr id="561" name="TekstSylinder 560"/>
+            <p:cNvSpPr txBox="1"/>
+            <p:nvPr/>
+          </p:nvSpPr>
+          <p:spPr>
+            <a:xfrm>
+              <a:off x="6924632" y="3243973"/>
+              <a:ext cx="1514681" cy="350367"/>
+            </a:xfrm>
+            <a:prstGeom prst="rect">
+              <a:avLst/>
+            </a:prstGeom>
+            <a:noFill/>
+          </p:spPr>
+          <p:txBody>
+            <a:bodyPr wrap="square" rtlCol="0">
+              <a:spAutoFit/>
+            </a:bodyPr>
+            <a:lstStyle/>
+            <a:p>
+              <a:r>
+                <a:rPr lang="en-US" sz="800" dirty="0" smtClean="0"/>
+                <a:t>type: </a:t>
+              </a:r>
+              <a:r>
+                <a:rPr lang="en-US" sz="800" dirty="0" err="1" smtClean="0"/>
+                <a:t>Legemiddel</a:t>
+              </a:r>
+              <a:endParaRPr lang="nb-NO" sz="800" dirty="0"/>
+            </a:p>
+          </p:txBody>
+        </p:sp>
+      </p:grpSp>
+      <p:grpSp>
+        <p:nvGrpSpPr>
+          <p:cNvPr id="562" name="Gruppe 561"/>
+          <p:cNvGrpSpPr/>
+          <p:nvPr/>
+        </p:nvGrpSpPr>
+        <p:grpSpPr>
+          <a:xfrm>
+            <a:off x="7779185" y="3097259"/>
+            <a:ext cx="1252912" cy="483535"/>
+            <a:chOff x="6924632" y="2807988"/>
+            <a:chExt cx="1514682" cy="786352"/>
+          </a:xfrm>
+        </p:grpSpPr>
+        <p:sp>
+          <p:nvSpPr>
+            <p:cNvPr id="563" name="Rektangel 562"/>
+            <p:cNvSpPr/>
+            <p:nvPr/>
+          </p:nvSpPr>
+          <p:spPr>
+            <a:xfrm>
+              <a:off x="6988629" y="3078036"/>
+              <a:ext cx="797510" cy="195844"/>
+            </a:xfrm>
+            <a:prstGeom prst="rect">
+              <a:avLst/>
+            </a:prstGeom>
+            <a:ln>
+              <a:solidFill>
+                <a:schemeClr val="accent1"/>
+              </a:solidFill>
+            </a:ln>
+          </p:spPr>
+          <p:style>
+            <a:lnRef idx="2">
+              <a:schemeClr val="dk1"/>
+            </a:lnRef>
+            <a:fillRef idx="1">
+              <a:schemeClr val="lt1"/>
+            </a:fillRef>
+            <a:effectRef idx="0">
+              <a:schemeClr val="dk1"/>
+            </a:effectRef>
+            <a:fontRef idx="minor">
+              <a:schemeClr val="dk1"/>
+            </a:fontRef>
+          </p:style>
+          <p:txBody>
+            <a:bodyPr rtlCol="0" anchor="ctr"/>
+            <a:lstStyle/>
+            <a:p>
+              <a:pPr algn="ctr"/>
+              <a:r>
+                <a:rPr lang="en-US" sz="800" dirty="0" smtClean="0"/>
+                <a:t>3</a:t>
+              </a:r>
+              <a:endParaRPr lang="nb-NO" sz="800" dirty="0"/>
+            </a:p>
+          </p:txBody>
+        </p:sp>
+        <p:sp>
+          <p:nvSpPr>
+            <p:cNvPr id="564" name="TekstSylinder 563"/>
+            <p:cNvSpPr txBox="1"/>
+            <p:nvPr/>
+          </p:nvSpPr>
+          <p:spPr>
+            <a:xfrm>
+              <a:off x="6924633" y="2807988"/>
+              <a:ext cx="1514681" cy="350368"/>
+            </a:xfrm>
+            <a:prstGeom prst="rect">
+              <a:avLst/>
+            </a:prstGeom>
+            <a:noFill/>
+          </p:spPr>
+          <p:txBody>
+            <a:bodyPr wrap="square" rtlCol="0">
+              <a:spAutoFit/>
+            </a:bodyPr>
+            <a:lstStyle/>
+            <a:p>
+              <a:r>
+                <a:rPr lang="en-US" sz="800" dirty="0" err="1" smtClean="0"/>
+                <a:t>navn</a:t>
+              </a:r>
+              <a:r>
+                <a:rPr lang="en-US" sz="800" dirty="0" smtClean="0"/>
+                <a:t>:  </a:t>
+              </a:r>
+              <a:r>
+                <a:rPr lang="en-US" sz="800" dirty="0" err="1" smtClean="0"/>
+                <a:t>reit</a:t>
+              </a:r>
+              <a:endParaRPr lang="nb-NO" sz="800" dirty="0"/>
+            </a:p>
+          </p:txBody>
+        </p:sp>
+        <p:sp>
+          <p:nvSpPr>
+            <p:cNvPr id="565" name="TekstSylinder 564"/>
+            <p:cNvSpPr txBox="1"/>
+            <p:nvPr/>
+          </p:nvSpPr>
+          <p:spPr>
+            <a:xfrm>
+              <a:off x="6924632" y="3243973"/>
+              <a:ext cx="1514681" cy="350367"/>
+            </a:xfrm>
+            <a:prstGeom prst="rect">
+              <a:avLst/>
+            </a:prstGeom>
+            <a:noFill/>
+          </p:spPr>
+          <p:txBody>
+            <a:bodyPr wrap="square" rtlCol="0">
+              <a:spAutoFit/>
+            </a:bodyPr>
+            <a:lstStyle/>
+            <a:p>
+              <a:r>
+                <a:rPr lang="en-US" sz="800" dirty="0" smtClean="0"/>
+                <a:t>type: </a:t>
+              </a:r>
+              <a:r>
+                <a:rPr lang="en-US" sz="800" dirty="0" err="1" smtClean="0"/>
+                <a:t>int</a:t>
+              </a:r>
+              <a:endParaRPr lang="nb-NO" sz="800" dirty="0"/>
+            </a:p>
+          </p:txBody>
+        </p:sp>
+      </p:grpSp>
+      <p:sp>
+        <p:nvSpPr>
+          <p:cNvPr id="570" name="Avrundet rektangel 569"/>
+          <p:cNvSpPr/>
+          <p:nvPr/>
+        </p:nvSpPr>
+        <p:spPr>
+          <a:xfrm>
+            <a:off x="9288381" y="2729896"/>
+            <a:ext cx="2524434" cy="1315687"/>
+          </a:xfrm>
+          <a:prstGeom prst="roundRect">
+            <a:avLst/>
+          </a:prstGeom>
+          <a:ln>
+            <a:solidFill>
+              <a:schemeClr val="accent1"/>
+            </a:solidFill>
+            <a:prstDash val="solid"/>
+          </a:ln>
+        </p:spPr>
+        <p:style>
+          <a:lnRef idx="2">
+            <a:schemeClr val="accent1"/>
+          </a:lnRef>
+          <a:fillRef idx="1">
+            <a:schemeClr val="lt1"/>
+          </a:fillRef>
+          <a:effectRef idx="0">
+            <a:schemeClr val="accent1"/>
+          </a:effectRef>
+          <a:fontRef idx="minor">
+            <a:schemeClr val="dk1"/>
+          </a:fontRef>
+        </p:style>
+        <p:txBody>
+          <a:bodyPr rtlCol="0" anchor="ctr"/>
+          <a:lstStyle/>
+          <a:p>
+            <a:pPr algn="ctr"/>
+            <a:endParaRPr lang="nb-NO" sz="800"/>
+          </a:p>
+        </p:txBody>
+      </p:sp>
+      <p:sp>
+        <p:nvSpPr>
+          <p:cNvPr id="571" name="Avrundet rektangel 570"/>
+          <p:cNvSpPr/>
+          <p:nvPr/>
+        </p:nvSpPr>
+        <p:spPr>
+          <a:xfrm>
+            <a:off x="9288381" y="2729898"/>
+            <a:ext cx="2524434" cy="816748"/>
+          </a:xfrm>
+          <a:prstGeom prst="roundRect">
+            <a:avLst/>
+          </a:prstGeom>
+          <a:ln>
+            <a:solidFill>
+              <a:schemeClr val="accent1"/>
+            </a:solidFill>
+            <a:prstDash val="solid"/>
+          </a:ln>
+        </p:spPr>
+        <p:style>
+          <a:lnRef idx="2">
+            <a:schemeClr val="accent1"/>
+          </a:lnRef>
+          <a:fillRef idx="1">
+            <a:schemeClr val="lt1"/>
+          </a:fillRef>
+          <a:effectRef idx="0">
+            <a:schemeClr val="accent1"/>
+          </a:effectRef>
+          <a:fontRef idx="minor">
+            <a:schemeClr val="dk1"/>
+          </a:fontRef>
+        </p:style>
+        <p:txBody>
+          <a:bodyPr rtlCol="0" anchor="ctr"/>
+          <a:lstStyle/>
+          <a:p>
+            <a:pPr algn="ctr"/>
+            <a:endParaRPr lang="nb-NO" sz="800"/>
+          </a:p>
+        </p:txBody>
+      </p:sp>
+      <p:grpSp>
+        <p:nvGrpSpPr>
+          <p:cNvPr id="572" name="Gruppe 571"/>
+          <p:cNvGrpSpPr/>
+          <p:nvPr/>
+        </p:nvGrpSpPr>
+        <p:grpSpPr>
+          <a:xfrm>
+            <a:off x="9355300" y="2717429"/>
+            <a:ext cx="1252912" cy="483535"/>
+            <a:chOff x="6924632" y="2807988"/>
+            <a:chExt cx="1514682" cy="786352"/>
+          </a:xfrm>
+        </p:grpSpPr>
+        <p:sp>
+          <p:nvSpPr>
+            <p:cNvPr id="573" name="Rektangel 572"/>
+            <p:cNvSpPr/>
+            <p:nvPr/>
+          </p:nvSpPr>
+          <p:spPr>
+            <a:xfrm>
+              <a:off x="6988629" y="3081419"/>
+              <a:ext cx="655705" cy="192461"/>
+            </a:xfrm>
+            <a:prstGeom prst="rect">
+              <a:avLst/>
+            </a:prstGeom>
+            <a:ln>
+              <a:solidFill>
+                <a:schemeClr val="accent1"/>
+              </a:solidFill>
+            </a:ln>
+          </p:spPr>
+          <p:style>
+            <a:lnRef idx="2">
+              <a:schemeClr val="dk1"/>
+            </a:lnRef>
+            <a:fillRef idx="1">
+              <a:schemeClr val="lt1"/>
+            </a:fillRef>
+            <a:effectRef idx="0">
+              <a:schemeClr val="dk1"/>
+            </a:effectRef>
+            <a:fontRef idx="minor">
+              <a:schemeClr val="dk1"/>
+            </a:fontRef>
+          </p:style>
+          <p:txBody>
+            <a:bodyPr rtlCol="0" anchor="ctr"/>
+            <a:lstStyle/>
+            <a:p>
+              <a:pPr algn="ctr"/>
+              <a:r>
+                <a:rPr lang="en-US" sz="800" dirty="0"/>
+                <a:t>3</a:t>
+              </a:r>
+              <a:endParaRPr lang="nb-NO" sz="800" dirty="0"/>
+            </a:p>
+          </p:txBody>
+        </p:sp>
+        <p:sp>
+          <p:nvSpPr>
+            <p:cNvPr id="574" name="TekstSylinder 573"/>
+            <p:cNvSpPr txBox="1"/>
+            <p:nvPr/>
+          </p:nvSpPr>
+          <p:spPr>
+            <a:xfrm>
+              <a:off x="6924633" y="2807988"/>
+              <a:ext cx="1514681" cy="350368"/>
+            </a:xfrm>
+            <a:prstGeom prst="rect">
+              <a:avLst/>
+            </a:prstGeom>
+            <a:noFill/>
+          </p:spPr>
+          <p:txBody>
+            <a:bodyPr wrap="square" rtlCol="0">
+              <a:spAutoFit/>
+            </a:bodyPr>
+            <a:lstStyle/>
+            <a:p>
+              <a:r>
+                <a:rPr lang="en-US" sz="800" dirty="0" err="1" smtClean="0"/>
+                <a:t>navn</a:t>
+              </a:r>
+              <a:r>
+                <a:rPr lang="en-US" sz="800" dirty="0" smtClean="0"/>
+                <a:t>:  </a:t>
+              </a:r>
+              <a:r>
+                <a:rPr lang="en-US" sz="800" dirty="0" smtClean="0"/>
+                <a:t>id</a:t>
+              </a:r>
+              <a:endParaRPr lang="nb-NO" sz="800" dirty="0"/>
+            </a:p>
+          </p:txBody>
+        </p:sp>
+        <p:sp>
+          <p:nvSpPr>
+            <p:cNvPr id="575" name="TekstSylinder 574"/>
+            <p:cNvSpPr txBox="1"/>
+            <p:nvPr/>
+          </p:nvSpPr>
+          <p:spPr>
+            <a:xfrm>
+              <a:off x="6924632" y="3243973"/>
+              <a:ext cx="1514681" cy="350367"/>
+            </a:xfrm>
+            <a:prstGeom prst="rect">
+              <a:avLst/>
+            </a:prstGeom>
+            <a:noFill/>
+          </p:spPr>
+          <p:txBody>
+            <a:bodyPr wrap="square" rtlCol="0">
+              <a:spAutoFit/>
+            </a:bodyPr>
+            <a:lstStyle/>
+            <a:p>
+              <a:r>
+                <a:rPr lang="en-US" sz="800" dirty="0" smtClean="0"/>
+                <a:t>type: </a:t>
+              </a:r>
+              <a:r>
+                <a:rPr lang="en-US" sz="800" dirty="0" err="1" smtClean="0"/>
+                <a:t>int</a:t>
+              </a:r>
+              <a:endParaRPr lang="nb-NO" sz="800" dirty="0"/>
+            </a:p>
+          </p:txBody>
+        </p:sp>
+      </p:grpSp>
+      <p:grpSp>
+        <p:nvGrpSpPr>
+          <p:cNvPr id="576" name="Gruppe 575"/>
+          <p:cNvGrpSpPr/>
+          <p:nvPr/>
+        </p:nvGrpSpPr>
+        <p:grpSpPr>
+          <a:xfrm>
+            <a:off x="9985943" y="2712520"/>
+            <a:ext cx="1252912" cy="483535"/>
+            <a:chOff x="6924632" y="2807988"/>
+            <a:chExt cx="1514682" cy="786352"/>
+          </a:xfrm>
+        </p:grpSpPr>
+        <p:sp>
+          <p:nvSpPr>
+            <p:cNvPr id="577" name="Rektangel 576"/>
+            <p:cNvSpPr/>
+            <p:nvPr/>
+          </p:nvSpPr>
+          <p:spPr>
+            <a:xfrm>
+              <a:off x="6988628" y="3086099"/>
+              <a:ext cx="1020534" cy="187779"/>
+            </a:xfrm>
+            <a:prstGeom prst="rect">
+              <a:avLst/>
+            </a:prstGeom>
+            <a:ln>
+              <a:solidFill>
+                <a:schemeClr val="accent1"/>
+              </a:solidFill>
+            </a:ln>
+          </p:spPr>
+          <p:style>
+            <a:lnRef idx="2">
+              <a:schemeClr val="dk1"/>
+            </a:lnRef>
+            <a:fillRef idx="1">
+              <a:schemeClr val="lt1"/>
+            </a:fillRef>
+            <a:effectRef idx="0">
+              <a:schemeClr val="dk1"/>
+            </a:effectRef>
+            <a:fontRef idx="minor">
+              <a:schemeClr val="dk1"/>
+            </a:fontRef>
+          </p:style>
+          <p:txBody>
+            <a:bodyPr rtlCol="0" anchor="ctr"/>
+            <a:lstStyle/>
+            <a:p>
+              <a:pPr algn="ctr"/>
+              <a:r>
+                <a:rPr lang="en-US" sz="800" dirty="0" smtClean="0"/>
+                <a:t>4444</a:t>
+              </a:r>
+              <a:endParaRPr lang="nb-NO" sz="800" dirty="0"/>
+            </a:p>
+          </p:txBody>
+        </p:sp>
+        <p:sp>
+          <p:nvSpPr>
+            <p:cNvPr id="578" name="TekstSylinder 577"/>
+            <p:cNvSpPr txBox="1"/>
+            <p:nvPr/>
+          </p:nvSpPr>
+          <p:spPr>
+            <a:xfrm>
+              <a:off x="6924633" y="2807988"/>
+              <a:ext cx="1514681" cy="350368"/>
+            </a:xfrm>
+            <a:prstGeom prst="rect">
+              <a:avLst/>
+            </a:prstGeom>
+            <a:noFill/>
+          </p:spPr>
+          <p:txBody>
+            <a:bodyPr wrap="square" rtlCol="0">
+              <a:spAutoFit/>
+            </a:bodyPr>
+            <a:lstStyle/>
+            <a:p>
+              <a:r>
+                <a:rPr lang="en-US" sz="800" dirty="0" err="1" smtClean="0"/>
+                <a:t>navn</a:t>
+              </a:r>
+              <a:r>
+                <a:rPr lang="en-US" sz="800" dirty="0" smtClean="0"/>
+                <a:t>:  </a:t>
+              </a:r>
+              <a:r>
+                <a:rPr lang="en-US" sz="800" dirty="0" err="1" smtClean="0"/>
+                <a:t>pasientId</a:t>
+              </a:r>
+              <a:endParaRPr lang="nb-NO" sz="800" dirty="0"/>
+            </a:p>
+          </p:txBody>
+        </p:sp>
+        <p:sp>
+          <p:nvSpPr>
+            <p:cNvPr id="579" name="TekstSylinder 578"/>
+            <p:cNvSpPr txBox="1"/>
+            <p:nvPr/>
+          </p:nvSpPr>
+          <p:spPr>
+            <a:xfrm>
+              <a:off x="6924632" y="3243973"/>
+              <a:ext cx="1514681" cy="350367"/>
+            </a:xfrm>
+            <a:prstGeom prst="rect">
+              <a:avLst/>
+            </a:prstGeom>
+            <a:noFill/>
+          </p:spPr>
+          <p:txBody>
+            <a:bodyPr wrap="square" rtlCol="0">
+              <a:spAutoFit/>
+            </a:bodyPr>
+            <a:lstStyle/>
+            <a:p>
+              <a:r>
+                <a:rPr lang="en-US" sz="800" dirty="0" smtClean="0"/>
+                <a:t>type: </a:t>
+              </a:r>
+              <a:r>
+                <a:rPr lang="en-US" sz="800" dirty="0" err="1" smtClean="0"/>
+                <a:t>int</a:t>
+              </a:r>
+              <a:endParaRPr lang="nb-NO" sz="800" dirty="0"/>
+            </a:p>
+          </p:txBody>
+        </p:sp>
+      </p:grpSp>
+      <p:sp>
+        <p:nvSpPr>
+          <p:cNvPr id="580" name="TekstSylinder 579"/>
+          <p:cNvSpPr txBox="1"/>
+          <p:nvPr/>
+        </p:nvSpPr>
+        <p:spPr>
+          <a:xfrm>
+            <a:off x="9297131" y="2481009"/>
+            <a:ext cx="2346947" cy="400110"/>
+          </a:xfrm>
+          <a:prstGeom prst="rect">
+            <a:avLst/>
+          </a:prstGeom>
+          <a:noFill/>
+        </p:spPr>
+        <p:txBody>
+          <a:bodyPr wrap="square" rtlCol="0">
+            <a:spAutoFit/>
+          </a:bodyPr>
+          <a:lstStyle/>
+          <a:p>
+            <a:r>
+              <a:rPr lang="en-US" sz="1000" dirty="0" err="1" smtClean="0"/>
+              <a:t>milResept</a:t>
+            </a:r>
+            <a:endParaRPr lang="en-US" sz="1000" dirty="0" smtClean="0"/>
+          </a:p>
+          <a:p>
+            <a:endParaRPr lang="nb-NO" sz="1000" dirty="0"/>
+          </a:p>
+        </p:txBody>
+      </p:sp>
+      <p:grpSp>
+        <p:nvGrpSpPr>
+          <p:cNvPr id="581" name="Gruppe 580"/>
+          <p:cNvGrpSpPr/>
+          <p:nvPr/>
+        </p:nvGrpSpPr>
+        <p:grpSpPr>
+          <a:xfrm>
+            <a:off x="9489221" y="3103522"/>
+            <a:ext cx="1252912" cy="483535"/>
+            <a:chOff x="6924632" y="2807988"/>
+            <a:chExt cx="1514682" cy="786352"/>
+          </a:xfrm>
+        </p:grpSpPr>
+        <p:sp>
+          <p:nvSpPr>
+            <p:cNvPr id="582" name="Rektangel 581"/>
+            <p:cNvSpPr/>
+            <p:nvPr/>
+          </p:nvSpPr>
+          <p:spPr>
+            <a:xfrm>
+              <a:off x="6988629" y="3086099"/>
+              <a:ext cx="1020535" cy="187779"/>
+            </a:xfrm>
+            <a:prstGeom prst="rect">
+              <a:avLst/>
+            </a:prstGeom>
+            <a:ln>
+              <a:solidFill>
+                <a:schemeClr val="accent1"/>
+              </a:solidFill>
+            </a:ln>
+          </p:spPr>
+          <p:style>
+            <a:lnRef idx="2">
+              <a:schemeClr val="dk1"/>
+            </a:lnRef>
+            <a:fillRef idx="1">
+              <a:schemeClr val="lt1"/>
+            </a:fillRef>
+            <a:effectRef idx="0">
+              <a:schemeClr val="dk1"/>
+            </a:effectRef>
+            <a:fontRef idx="minor">
+              <a:schemeClr val="dk1"/>
+            </a:fontRef>
+          </p:style>
+          <p:txBody>
+            <a:bodyPr rtlCol="0" anchor="ctr"/>
+            <a:lstStyle/>
+            <a:p>
+              <a:pPr algn="ctr"/>
+              <a:endParaRPr lang="nb-NO" sz="800" dirty="0"/>
+            </a:p>
+          </p:txBody>
+        </p:sp>
+        <p:sp>
+          <p:nvSpPr>
+            <p:cNvPr id="583" name="TekstSylinder 582"/>
+            <p:cNvSpPr txBox="1"/>
+            <p:nvPr/>
+          </p:nvSpPr>
+          <p:spPr>
+            <a:xfrm>
+              <a:off x="6924633" y="2807988"/>
+              <a:ext cx="1514681" cy="350368"/>
+            </a:xfrm>
+            <a:prstGeom prst="rect">
+              <a:avLst/>
+            </a:prstGeom>
+            <a:noFill/>
+          </p:spPr>
+          <p:txBody>
+            <a:bodyPr wrap="square" rtlCol="0">
+              <a:spAutoFit/>
+            </a:bodyPr>
+            <a:lstStyle/>
+            <a:p>
+              <a:r>
+                <a:rPr lang="en-US" sz="800" dirty="0" err="1" smtClean="0"/>
+                <a:t>navn</a:t>
+              </a:r>
+              <a:r>
+                <a:rPr lang="en-US" sz="800" dirty="0" smtClean="0"/>
+                <a:t>:  </a:t>
+              </a:r>
+              <a:r>
+                <a:rPr lang="en-US" sz="800" dirty="0" err="1" smtClean="0"/>
+                <a:t>utskrivendeLege</a:t>
+              </a:r>
+              <a:endParaRPr lang="nb-NO" sz="800" dirty="0"/>
+            </a:p>
+          </p:txBody>
+        </p:sp>
+        <p:sp>
+          <p:nvSpPr>
+            <p:cNvPr id="584" name="TekstSylinder 583"/>
+            <p:cNvSpPr txBox="1"/>
+            <p:nvPr/>
+          </p:nvSpPr>
+          <p:spPr>
+            <a:xfrm>
+              <a:off x="6924632" y="3243973"/>
+              <a:ext cx="1514681" cy="350367"/>
+            </a:xfrm>
+            <a:prstGeom prst="rect">
+              <a:avLst/>
+            </a:prstGeom>
+            <a:noFill/>
+          </p:spPr>
+          <p:txBody>
+            <a:bodyPr wrap="square" rtlCol="0">
+              <a:spAutoFit/>
+            </a:bodyPr>
+            <a:lstStyle/>
+            <a:p>
+              <a:r>
+                <a:rPr lang="en-US" sz="800" dirty="0" smtClean="0"/>
+                <a:t>type: </a:t>
+              </a:r>
+              <a:r>
+                <a:rPr lang="en-US" sz="800" dirty="0" err="1" smtClean="0"/>
+                <a:t>Lege</a:t>
+              </a:r>
+              <a:endParaRPr lang="nb-NO" sz="800" dirty="0"/>
+            </a:p>
+          </p:txBody>
+        </p:sp>
+      </p:grpSp>
+      <p:grpSp>
+        <p:nvGrpSpPr>
+          <p:cNvPr id="585" name="Gruppe 584"/>
+          <p:cNvGrpSpPr/>
+          <p:nvPr/>
+        </p:nvGrpSpPr>
+        <p:grpSpPr>
+          <a:xfrm>
+            <a:off x="10898692" y="2712017"/>
+            <a:ext cx="1252912" cy="483535"/>
+            <a:chOff x="6924632" y="2807988"/>
+            <a:chExt cx="1514682" cy="786352"/>
+          </a:xfrm>
+        </p:grpSpPr>
+        <p:sp>
+          <p:nvSpPr>
+            <p:cNvPr id="586" name="Rektangel 585"/>
+            <p:cNvSpPr/>
+            <p:nvPr/>
+          </p:nvSpPr>
+          <p:spPr>
+            <a:xfrm>
+              <a:off x="6988629" y="3086099"/>
+              <a:ext cx="1020535" cy="187779"/>
+            </a:xfrm>
+            <a:prstGeom prst="rect">
+              <a:avLst/>
+            </a:prstGeom>
+            <a:ln>
+              <a:solidFill>
+                <a:schemeClr val="accent1"/>
+              </a:solidFill>
+            </a:ln>
+          </p:spPr>
+          <p:style>
+            <a:lnRef idx="2">
+              <a:schemeClr val="dk1"/>
+            </a:lnRef>
+            <a:fillRef idx="1">
+              <a:schemeClr val="lt1"/>
+            </a:fillRef>
+            <a:effectRef idx="0">
+              <a:schemeClr val="dk1"/>
+            </a:effectRef>
+            <a:fontRef idx="minor">
+              <a:schemeClr val="dk1"/>
+            </a:fontRef>
+          </p:style>
+          <p:txBody>
+            <a:bodyPr rtlCol="0" anchor="ctr"/>
+            <a:lstStyle/>
+            <a:p>
+              <a:pPr algn="ctr"/>
+              <a:endParaRPr lang="nb-NO" sz="800" dirty="0"/>
+            </a:p>
+          </p:txBody>
+        </p:sp>
+        <p:sp>
+          <p:nvSpPr>
+            <p:cNvPr id="587" name="TekstSylinder 586"/>
+            <p:cNvSpPr txBox="1"/>
+            <p:nvPr/>
+          </p:nvSpPr>
+          <p:spPr>
+            <a:xfrm>
+              <a:off x="6924633" y="2807988"/>
+              <a:ext cx="1514681" cy="350368"/>
+            </a:xfrm>
+            <a:prstGeom prst="rect">
+              <a:avLst/>
+            </a:prstGeom>
+            <a:noFill/>
+          </p:spPr>
+          <p:txBody>
+            <a:bodyPr wrap="square" rtlCol="0">
+              <a:spAutoFit/>
+            </a:bodyPr>
+            <a:lstStyle/>
+            <a:p>
+              <a:r>
+                <a:rPr lang="en-US" sz="800" dirty="0" err="1" smtClean="0"/>
+                <a:t>navn</a:t>
+              </a:r>
+              <a:r>
+                <a:rPr lang="en-US" sz="800" dirty="0" smtClean="0"/>
+                <a:t>:  </a:t>
+              </a:r>
+              <a:r>
+                <a:rPr lang="en-US" sz="800" dirty="0" err="1" smtClean="0"/>
+                <a:t>legemiddel</a:t>
+              </a:r>
+              <a:endParaRPr lang="nb-NO" sz="800" dirty="0"/>
+            </a:p>
+          </p:txBody>
+        </p:sp>
+        <p:sp>
+          <p:nvSpPr>
+            <p:cNvPr id="588" name="TekstSylinder 587"/>
+            <p:cNvSpPr txBox="1"/>
+            <p:nvPr/>
+          </p:nvSpPr>
+          <p:spPr>
+            <a:xfrm>
+              <a:off x="6924632" y="3243973"/>
+              <a:ext cx="1514681" cy="350367"/>
+            </a:xfrm>
+            <a:prstGeom prst="rect">
+              <a:avLst/>
+            </a:prstGeom>
+            <a:noFill/>
+          </p:spPr>
+          <p:txBody>
+            <a:bodyPr wrap="square" rtlCol="0">
+              <a:spAutoFit/>
+            </a:bodyPr>
+            <a:lstStyle/>
+            <a:p>
+              <a:r>
+                <a:rPr lang="en-US" sz="800" dirty="0" smtClean="0"/>
+                <a:t>type: </a:t>
+              </a:r>
+              <a:r>
+                <a:rPr lang="en-US" sz="800" dirty="0" err="1" smtClean="0"/>
+                <a:t>Legemiddel</a:t>
+              </a:r>
+              <a:endParaRPr lang="nb-NO" sz="800" dirty="0"/>
+            </a:p>
+          </p:txBody>
+        </p:sp>
+      </p:grpSp>
+      <p:grpSp>
+        <p:nvGrpSpPr>
+          <p:cNvPr id="589" name="Gruppe 588"/>
+          <p:cNvGrpSpPr/>
+          <p:nvPr/>
+        </p:nvGrpSpPr>
+        <p:grpSpPr>
+          <a:xfrm>
+            <a:off x="10690466" y="3099830"/>
+            <a:ext cx="1252912" cy="483535"/>
+            <a:chOff x="6924632" y="2807988"/>
+            <a:chExt cx="1514682" cy="786352"/>
+          </a:xfrm>
+        </p:grpSpPr>
+        <p:sp>
+          <p:nvSpPr>
+            <p:cNvPr id="590" name="Rektangel 589"/>
+            <p:cNvSpPr/>
+            <p:nvPr/>
+          </p:nvSpPr>
+          <p:spPr>
+            <a:xfrm>
+              <a:off x="6988629" y="3078036"/>
+              <a:ext cx="797510" cy="195844"/>
+            </a:xfrm>
+            <a:prstGeom prst="rect">
+              <a:avLst/>
+            </a:prstGeom>
+            <a:ln>
+              <a:solidFill>
+                <a:schemeClr val="accent1"/>
+              </a:solidFill>
+            </a:ln>
+          </p:spPr>
+          <p:style>
+            <a:lnRef idx="2">
+              <a:schemeClr val="dk1"/>
+            </a:lnRef>
+            <a:fillRef idx="1">
+              <a:schemeClr val="lt1"/>
+            </a:fillRef>
+            <a:effectRef idx="0">
+              <a:schemeClr val="dk1"/>
+            </a:effectRef>
+            <a:fontRef idx="minor">
+              <a:schemeClr val="dk1"/>
+            </a:fontRef>
+          </p:style>
+          <p:txBody>
+            <a:bodyPr rtlCol="0" anchor="ctr"/>
+            <a:lstStyle/>
+            <a:p>
+              <a:pPr algn="ctr"/>
+              <a:r>
+                <a:rPr lang="en-US" sz="800" dirty="0"/>
+                <a:t>4</a:t>
+              </a:r>
+              <a:endParaRPr lang="nb-NO" sz="800" dirty="0"/>
+            </a:p>
+          </p:txBody>
+        </p:sp>
+        <p:sp>
+          <p:nvSpPr>
+            <p:cNvPr id="591" name="TekstSylinder 590"/>
+            <p:cNvSpPr txBox="1"/>
+            <p:nvPr/>
+          </p:nvSpPr>
+          <p:spPr>
+            <a:xfrm>
+              <a:off x="6924633" y="2807988"/>
+              <a:ext cx="1514681" cy="350368"/>
+            </a:xfrm>
+            <a:prstGeom prst="rect">
+              <a:avLst/>
+            </a:prstGeom>
+            <a:noFill/>
+          </p:spPr>
+          <p:txBody>
+            <a:bodyPr wrap="square" rtlCol="0">
+              <a:spAutoFit/>
+            </a:bodyPr>
+            <a:lstStyle/>
+            <a:p>
+              <a:r>
+                <a:rPr lang="en-US" sz="800" dirty="0" err="1" smtClean="0"/>
+                <a:t>navn</a:t>
+              </a:r>
+              <a:r>
+                <a:rPr lang="en-US" sz="800" dirty="0" smtClean="0"/>
+                <a:t>:  </a:t>
+              </a:r>
+              <a:r>
+                <a:rPr lang="en-US" sz="800" dirty="0" err="1" smtClean="0"/>
+                <a:t>reit</a:t>
+              </a:r>
+              <a:endParaRPr lang="nb-NO" sz="800" dirty="0"/>
+            </a:p>
+          </p:txBody>
+        </p:sp>
+        <p:sp>
+          <p:nvSpPr>
+            <p:cNvPr id="592" name="TekstSylinder 591"/>
+            <p:cNvSpPr txBox="1"/>
+            <p:nvPr/>
+          </p:nvSpPr>
+          <p:spPr>
+            <a:xfrm>
+              <a:off x="6924632" y="3243973"/>
+              <a:ext cx="1514681" cy="350367"/>
+            </a:xfrm>
+            <a:prstGeom prst="rect">
+              <a:avLst/>
+            </a:prstGeom>
+            <a:noFill/>
+          </p:spPr>
+          <p:txBody>
+            <a:bodyPr wrap="square" rtlCol="0">
+              <a:spAutoFit/>
+            </a:bodyPr>
+            <a:lstStyle/>
+            <a:p>
+              <a:r>
+                <a:rPr lang="en-US" sz="800" dirty="0" smtClean="0"/>
+                <a:t>type: </a:t>
+              </a:r>
+              <a:r>
+                <a:rPr lang="en-US" sz="800" dirty="0" err="1" smtClean="0"/>
+                <a:t>int</a:t>
+              </a:r>
+              <a:endParaRPr lang="nb-NO" sz="800" dirty="0"/>
+            </a:p>
+          </p:txBody>
+        </p:sp>
+      </p:grpSp>
+      <p:cxnSp>
+        <p:nvCxnSpPr>
+          <p:cNvPr id="615" name="Rett pilkobling 614"/>
+          <p:cNvCxnSpPr>
+            <a:endCxn id="245" idx="2"/>
+          </p:cNvCxnSpPr>
+          <p:nvPr/>
+        </p:nvCxnSpPr>
+        <p:spPr>
+          <a:xfrm>
+            <a:off x="1713934" y="3318966"/>
+            <a:ext cx="386288" cy="1891228"/>
+          </a:xfrm>
+          <a:prstGeom prst="straightConnector1">
+            <a:avLst/>
+          </a:prstGeom>
+          <a:ln>
+            <a:tailEnd type="triangle"/>
+          </a:ln>
+        </p:spPr>
+        <p:style>
+          <a:lnRef idx="1">
+            <a:schemeClr val="accent1"/>
+          </a:lnRef>
+          <a:fillRef idx="0">
+            <a:schemeClr val="accent1"/>
+          </a:fillRef>
+          <a:effectRef idx="0">
+            <a:schemeClr val="accent1"/>
+          </a:effectRef>
+          <a:fontRef idx="minor">
+            <a:schemeClr val="tx1"/>
+          </a:fontRef>
+        </p:style>
+      </p:cxnSp>
+      <p:cxnSp>
+        <p:nvCxnSpPr>
+          <p:cNvPr id="616" name="Rett pilkobling 615"/>
+          <p:cNvCxnSpPr>
+            <a:endCxn id="134" idx="2"/>
+          </p:cNvCxnSpPr>
+          <p:nvPr/>
+        </p:nvCxnSpPr>
+        <p:spPr>
+          <a:xfrm>
+            <a:off x="4352849" y="3300164"/>
+            <a:ext cx="820430" cy="1900800"/>
+          </a:xfrm>
+          <a:prstGeom prst="straightConnector1">
+            <a:avLst/>
+          </a:prstGeom>
+          <a:ln>
+            <a:tailEnd type="triangle"/>
+          </a:ln>
+        </p:spPr>
+        <p:style>
+          <a:lnRef idx="1">
+            <a:schemeClr val="accent1"/>
+          </a:lnRef>
+          <a:fillRef idx="0">
+            <a:schemeClr val="accent1"/>
+          </a:fillRef>
+          <a:effectRef idx="0">
+            <a:schemeClr val="accent1"/>
+          </a:effectRef>
+          <a:fontRef idx="minor">
+            <a:schemeClr val="tx1"/>
+          </a:fontRef>
+        </p:style>
+      </p:cxnSp>
+      <p:cxnSp>
+        <p:nvCxnSpPr>
+          <p:cNvPr id="619" name="Rett pilkobling 618"/>
+          <p:cNvCxnSpPr>
+            <a:endCxn id="283" idx="2"/>
+          </p:cNvCxnSpPr>
+          <p:nvPr/>
+        </p:nvCxnSpPr>
+        <p:spPr>
+          <a:xfrm flipH="1" flipV="1">
+            <a:off x="1869071" y="1742419"/>
+            <a:ext cx="833534" cy="1216421"/>
+          </a:xfrm>
+          <a:prstGeom prst="straightConnector1">
+            <a:avLst/>
+          </a:prstGeom>
+          <a:ln>
+            <a:tailEnd type="triangle"/>
+          </a:ln>
+        </p:spPr>
+        <p:style>
+          <a:lnRef idx="1">
+            <a:schemeClr val="accent1"/>
+          </a:lnRef>
+          <a:fillRef idx="0">
+            <a:schemeClr val="accent1"/>
+          </a:fillRef>
+          <a:effectRef idx="0">
+            <a:schemeClr val="accent1"/>
+          </a:effectRef>
+          <a:fontRef idx="minor">
+            <a:schemeClr val="tx1"/>
+          </a:fontRef>
+        </p:style>
+      </p:cxnSp>
+      <p:cxnSp>
+        <p:nvCxnSpPr>
+          <p:cNvPr id="622" name="Rett pilkobling 621"/>
+          <p:cNvCxnSpPr>
+            <a:endCxn id="266" idx="2"/>
+          </p:cNvCxnSpPr>
+          <p:nvPr/>
+        </p:nvCxnSpPr>
+        <p:spPr>
+          <a:xfrm flipH="1" flipV="1">
+            <a:off x="4692069" y="1493018"/>
+            <a:ext cx="831241" cy="1427946"/>
+          </a:xfrm>
+          <a:prstGeom prst="straightConnector1">
+            <a:avLst/>
+          </a:prstGeom>
+          <a:ln>
+            <a:tailEnd type="triangle"/>
+          </a:ln>
+        </p:spPr>
+        <p:style>
+          <a:lnRef idx="1">
+            <a:schemeClr val="accent1"/>
+          </a:lnRef>
+          <a:fillRef idx="0">
+            <a:schemeClr val="accent1"/>
+          </a:fillRef>
+          <a:effectRef idx="0">
+            <a:schemeClr val="accent1"/>
+          </a:effectRef>
+          <a:fontRef idx="minor">
+            <a:schemeClr val="tx1"/>
+          </a:fontRef>
+        </p:style>
+      </p:cxnSp>
+      <p:cxnSp>
+        <p:nvCxnSpPr>
+          <p:cNvPr id="624" name="Rett pilkobling 623"/>
+          <p:cNvCxnSpPr>
+            <a:endCxn id="328" idx="2"/>
+          </p:cNvCxnSpPr>
+          <p:nvPr/>
+        </p:nvCxnSpPr>
+        <p:spPr>
+          <a:xfrm flipH="1" flipV="1">
+            <a:off x="7640980" y="1444771"/>
+            <a:ext cx="717936" cy="1486637"/>
+          </a:xfrm>
+          <a:prstGeom prst="straightConnector1">
+            <a:avLst/>
+          </a:prstGeom>
+          <a:ln>
+            <a:tailEnd type="triangle"/>
+          </a:ln>
+        </p:spPr>
+        <p:style>
+          <a:lnRef idx="1">
+            <a:schemeClr val="accent1"/>
+          </a:lnRef>
+          <a:fillRef idx="0">
+            <a:schemeClr val="accent1"/>
+          </a:fillRef>
+          <a:effectRef idx="0">
+            <a:schemeClr val="accent1"/>
+          </a:effectRef>
+          <a:fontRef idx="minor">
+            <a:schemeClr val="tx1"/>
+          </a:fontRef>
+        </p:style>
+      </p:cxnSp>
+      <p:cxnSp>
+        <p:nvCxnSpPr>
+          <p:cNvPr id="626" name="Rett pilkobling 625"/>
+          <p:cNvCxnSpPr>
+            <a:endCxn id="289" idx="2"/>
+          </p:cNvCxnSpPr>
+          <p:nvPr/>
+        </p:nvCxnSpPr>
+        <p:spPr>
+          <a:xfrm flipH="1" flipV="1">
+            <a:off x="10619008" y="1685620"/>
+            <a:ext cx="627672" cy="1252820"/>
+          </a:xfrm>
+          <a:prstGeom prst="straightConnector1">
+            <a:avLst/>
+          </a:prstGeom>
+          <a:ln>
+            <a:tailEnd type="triangle"/>
+          </a:ln>
+        </p:spPr>
+        <p:style>
+          <a:lnRef idx="1">
+            <a:schemeClr val="accent1"/>
+          </a:lnRef>
+          <a:fillRef idx="0">
+            <a:schemeClr val="accent1"/>
+          </a:fillRef>
+          <a:effectRef idx="0">
+            <a:schemeClr val="accent1"/>
+          </a:effectRef>
+          <a:fontRef idx="minor">
+            <a:schemeClr val="tx1"/>
+          </a:fontRef>
+        </p:style>
+      </p:cxnSp>
+      <p:cxnSp>
+        <p:nvCxnSpPr>
+          <p:cNvPr id="628" name="Rett pilkobling 627"/>
+          <p:cNvCxnSpPr/>
+          <p:nvPr/>
+        </p:nvCxnSpPr>
+        <p:spPr>
+          <a:xfrm flipH="1">
+            <a:off x="5286059" y="3326005"/>
+            <a:ext cx="1946870" cy="1850344"/>
+          </a:xfrm>
+          <a:prstGeom prst="straightConnector1">
+            <a:avLst/>
+          </a:prstGeom>
+          <a:ln>
+            <a:tailEnd type="triangle"/>
+          </a:ln>
+        </p:spPr>
+        <p:style>
+          <a:lnRef idx="1">
+            <a:schemeClr val="accent1"/>
+          </a:lnRef>
+          <a:fillRef idx="0">
+            <a:schemeClr val="accent1"/>
+          </a:fillRef>
+          <a:effectRef idx="0">
+            <a:schemeClr val="accent1"/>
+          </a:effectRef>
+          <a:fontRef idx="minor">
+            <a:schemeClr val="tx1"/>
+          </a:fontRef>
+        </p:style>
+      </p:cxnSp>
+      <p:cxnSp>
+        <p:nvCxnSpPr>
+          <p:cNvPr id="631" name="Rett pilkobling 630"/>
+          <p:cNvCxnSpPr/>
+          <p:nvPr/>
+        </p:nvCxnSpPr>
+        <p:spPr>
+          <a:xfrm flipH="1">
+            <a:off x="5621626" y="3334997"/>
+            <a:ext cx="4094770" cy="1841352"/>
+          </a:xfrm>
+          <a:prstGeom prst="straightConnector1">
+            <a:avLst/>
+          </a:prstGeom>
+          <a:ln>
+            <a:tailEnd type="triangle"/>
+          </a:ln>
+        </p:spPr>
+        <p:style>
+          <a:lnRef idx="1">
+            <a:schemeClr val="accent1"/>
+          </a:lnRef>
+          <a:fillRef idx="0">
+            <a:schemeClr val="accent1"/>
+          </a:fillRef>
+          <a:effectRef idx="0">
+            <a:schemeClr val="accent1"/>
+          </a:effectRef>
+          <a:fontRef idx="minor">
+            <a:schemeClr val="tx1"/>
+          </a:fontRef>
+        </p:style>
+      </p:cxnSp>
+      <p:sp>
+        <p:nvSpPr>
+          <p:cNvPr id="633" name="Avrundet rektangel 632"/>
+          <p:cNvSpPr/>
+          <p:nvPr/>
+        </p:nvSpPr>
+        <p:spPr>
+          <a:xfrm>
+            <a:off x="6843294" y="6031624"/>
+            <a:ext cx="2524434" cy="661927"/>
+          </a:xfrm>
+          <a:prstGeom prst="roundRect">
+            <a:avLst/>
+          </a:prstGeom>
+          <a:ln>
+            <a:solidFill>
+              <a:schemeClr val="accent1"/>
+            </a:solidFill>
+            <a:prstDash val="sysDash"/>
+          </a:ln>
+        </p:spPr>
+        <p:style>
+          <a:lnRef idx="2">
+            <a:schemeClr val="accent1"/>
+          </a:lnRef>
+          <a:fillRef idx="1">
+            <a:schemeClr val="lt1"/>
+          </a:fillRef>
+          <a:effectRef idx="0">
+            <a:schemeClr val="accent1"/>
+          </a:effectRef>
+          <a:fontRef idx="minor">
+            <a:schemeClr val="dk1"/>
+          </a:fontRef>
+        </p:style>
+        <p:txBody>
+          <a:bodyPr rtlCol="0" anchor="ctr"/>
+          <a:lstStyle/>
+          <a:p>
+            <a:pPr algn="ctr"/>
+            <a:endParaRPr lang="nb-NO" sz="800"/>
+          </a:p>
+        </p:txBody>
+      </p:sp>
+      <p:sp>
+        <p:nvSpPr>
+          <p:cNvPr id="634" name="TekstSylinder 633"/>
+          <p:cNvSpPr txBox="1"/>
+          <p:nvPr/>
+        </p:nvSpPr>
+        <p:spPr>
+          <a:xfrm>
+            <a:off x="6870745" y="5782891"/>
+            <a:ext cx="2346947" cy="400110"/>
+          </a:xfrm>
+          <a:prstGeom prst="rect">
+            <a:avLst/>
+          </a:prstGeom>
+          <a:noFill/>
+        </p:spPr>
+        <p:txBody>
+          <a:bodyPr wrap="square" rtlCol="0">
+            <a:spAutoFit/>
+          </a:bodyPr>
+          <a:lstStyle/>
+          <a:p>
+            <a:r>
+              <a:rPr lang="en-US" sz="1000" dirty="0" err="1"/>
+              <a:t>B</a:t>
+            </a:r>
+            <a:r>
+              <a:rPr lang="en-US" sz="1000" dirty="0" err="1" smtClean="0"/>
+              <a:t>laa</a:t>
+            </a:r>
+            <a:endParaRPr lang="en-US" sz="1000" dirty="0" smtClean="0"/>
+          </a:p>
+          <a:p>
+            <a:endParaRPr lang="nb-NO" sz="1000" dirty="0"/>
+          </a:p>
+        </p:txBody>
+      </p:sp>
+      <p:sp>
+        <p:nvSpPr>
+          <p:cNvPr id="635" name="Avrundet rektangel 634"/>
+          <p:cNvSpPr/>
+          <p:nvPr/>
+        </p:nvSpPr>
+        <p:spPr>
+          <a:xfrm>
+            <a:off x="9502872" y="6023377"/>
+            <a:ext cx="2524434" cy="661927"/>
+          </a:xfrm>
+          <a:prstGeom prst="roundRect">
+            <a:avLst/>
+          </a:prstGeom>
+          <a:ln>
+            <a:solidFill>
+              <a:schemeClr val="accent1"/>
+            </a:solidFill>
+            <a:prstDash val="sysDash"/>
+          </a:ln>
+        </p:spPr>
+        <p:style>
+          <a:lnRef idx="2">
+            <a:schemeClr val="accent1"/>
+          </a:lnRef>
+          <a:fillRef idx="1">
+            <a:schemeClr val="lt1"/>
+          </a:fillRef>
+          <a:effectRef idx="0">
+            <a:schemeClr val="accent1"/>
+          </a:effectRef>
+          <a:fontRef idx="minor">
+            <a:schemeClr val="dk1"/>
+          </a:fontRef>
+        </p:style>
+        <p:txBody>
+          <a:bodyPr rtlCol="0" anchor="ctr"/>
+          <a:lstStyle/>
+          <a:p>
+            <a:pPr algn="ctr"/>
+            <a:endParaRPr lang="nb-NO" sz="800"/>
+          </a:p>
+        </p:txBody>
+      </p:sp>
+      <p:sp>
+        <p:nvSpPr>
+          <p:cNvPr id="636" name="TekstSylinder 635"/>
+          <p:cNvSpPr txBox="1"/>
+          <p:nvPr/>
+        </p:nvSpPr>
+        <p:spPr>
+          <a:xfrm>
+            <a:off x="9530323" y="5774644"/>
+            <a:ext cx="2346947" cy="400110"/>
+          </a:xfrm>
+          <a:prstGeom prst="rect">
+            <a:avLst/>
+          </a:prstGeom>
+          <a:noFill/>
+        </p:spPr>
+        <p:txBody>
+          <a:bodyPr wrap="square" rtlCol="0">
+            <a:spAutoFit/>
+          </a:bodyPr>
+          <a:lstStyle/>
+          <a:p>
+            <a:r>
+              <a:rPr lang="en-US" sz="1000" dirty="0" err="1" smtClean="0"/>
+              <a:t>Hvit</a:t>
+            </a:r>
+            <a:endParaRPr lang="en-US" sz="1000" dirty="0" smtClean="0"/>
+          </a:p>
+          <a:p>
+            <a:endParaRPr lang="nb-NO" sz="1000" dirty="0"/>
+          </a:p>
+        </p:txBody>
+      </p:sp>
+      <p:grpSp>
+        <p:nvGrpSpPr>
+          <p:cNvPr id="637" name="Gruppe 636"/>
+          <p:cNvGrpSpPr/>
+          <p:nvPr/>
+        </p:nvGrpSpPr>
+        <p:grpSpPr>
+          <a:xfrm>
+            <a:off x="6987670" y="6080228"/>
+            <a:ext cx="1252912" cy="483535"/>
+            <a:chOff x="6924632" y="2807988"/>
+            <a:chExt cx="1514682" cy="786352"/>
+          </a:xfrm>
+        </p:grpSpPr>
+        <p:sp>
+          <p:nvSpPr>
+            <p:cNvPr id="638" name="Rektangel 637"/>
+            <p:cNvSpPr/>
+            <p:nvPr/>
+          </p:nvSpPr>
+          <p:spPr>
+            <a:xfrm>
+              <a:off x="6988629" y="3086099"/>
+              <a:ext cx="1020535" cy="187779"/>
+            </a:xfrm>
+            <a:prstGeom prst="rect">
+              <a:avLst/>
+            </a:prstGeom>
+            <a:ln>
+              <a:solidFill>
+                <a:schemeClr val="accent1"/>
+              </a:solidFill>
+            </a:ln>
+          </p:spPr>
+          <p:style>
+            <a:lnRef idx="2">
+              <a:schemeClr val="dk1"/>
+            </a:lnRef>
+            <a:fillRef idx="1">
+              <a:schemeClr val="lt1"/>
+            </a:fillRef>
+            <a:effectRef idx="0">
+              <a:schemeClr val="dk1"/>
+            </a:effectRef>
+            <a:fontRef idx="minor">
+              <a:schemeClr val="dk1"/>
+            </a:fontRef>
+          </p:style>
+          <p:txBody>
+            <a:bodyPr rtlCol="0" anchor="ctr"/>
+            <a:lstStyle/>
+            <a:p>
+              <a:pPr algn="ctr"/>
+              <a:r>
+                <a:rPr lang="en-US" sz="800" dirty="0" smtClean="0"/>
+                <a:t>BLAA</a:t>
+              </a:r>
+              <a:endParaRPr lang="nb-NO" sz="800" dirty="0"/>
+            </a:p>
+          </p:txBody>
+        </p:sp>
+        <p:sp>
+          <p:nvSpPr>
+            <p:cNvPr id="639" name="TekstSylinder 638"/>
+            <p:cNvSpPr txBox="1"/>
+            <p:nvPr/>
+          </p:nvSpPr>
+          <p:spPr>
+            <a:xfrm>
+              <a:off x="6924633" y="2807988"/>
+              <a:ext cx="1514681" cy="350368"/>
+            </a:xfrm>
+            <a:prstGeom prst="rect">
+              <a:avLst/>
+            </a:prstGeom>
+            <a:noFill/>
+          </p:spPr>
+          <p:txBody>
+            <a:bodyPr wrap="square" rtlCol="0">
+              <a:spAutoFit/>
+            </a:bodyPr>
+            <a:lstStyle/>
+            <a:p>
+              <a:r>
+                <a:rPr lang="en-US" sz="800" dirty="0" err="1" smtClean="0"/>
+                <a:t>navn</a:t>
+              </a:r>
+              <a:r>
+                <a:rPr lang="en-US" sz="800" dirty="0" smtClean="0"/>
+                <a:t>:  </a:t>
+              </a:r>
+              <a:r>
+                <a:rPr lang="en-US" sz="800" dirty="0" smtClean="0"/>
+                <a:t>RESEPT_FARGE</a:t>
+              </a:r>
+              <a:endParaRPr lang="nb-NO" sz="800" dirty="0"/>
+            </a:p>
+          </p:txBody>
+        </p:sp>
+        <p:sp>
+          <p:nvSpPr>
+            <p:cNvPr id="640" name="TekstSylinder 639"/>
+            <p:cNvSpPr txBox="1"/>
+            <p:nvPr/>
+          </p:nvSpPr>
+          <p:spPr>
+            <a:xfrm>
+              <a:off x="6924632" y="3243973"/>
+              <a:ext cx="1514681" cy="350367"/>
+            </a:xfrm>
+            <a:prstGeom prst="rect">
+              <a:avLst/>
+            </a:prstGeom>
+            <a:noFill/>
+          </p:spPr>
+          <p:txBody>
+            <a:bodyPr wrap="square" rtlCol="0">
+              <a:spAutoFit/>
+            </a:bodyPr>
+            <a:lstStyle/>
+            <a:p>
+              <a:r>
+                <a:rPr lang="en-US" sz="800" dirty="0" smtClean="0"/>
+                <a:t>type: </a:t>
+              </a:r>
+              <a:r>
+                <a:rPr lang="en-US" sz="800" dirty="0" smtClean="0"/>
+                <a:t>String</a:t>
+              </a:r>
+              <a:endParaRPr lang="nb-NO" sz="800" dirty="0"/>
+            </a:p>
+          </p:txBody>
+        </p:sp>
+      </p:grpSp>
+      <p:grpSp>
+        <p:nvGrpSpPr>
+          <p:cNvPr id="641" name="Gruppe 640"/>
+          <p:cNvGrpSpPr/>
+          <p:nvPr/>
+        </p:nvGrpSpPr>
+        <p:grpSpPr>
+          <a:xfrm>
+            <a:off x="9609213" y="6087683"/>
+            <a:ext cx="1252912" cy="483535"/>
+            <a:chOff x="6924632" y="2807988"/>
+            <a:chExt cx="1514682" cy="786352"/>
+          </a:xfrm>
+        </p:grpSpPr>
+        <p:sp>
+          <p:nvSpPr>
+            <p:cNvPr id="642" name="Rektangel 641"/>
+            <p:cNvSpPr/>
+            <p:nvPr/>
+          </p:nvSpPr>
+          <p:spPr>
+            <a:xfrm>
+              <a:off x="6988629" y="3086099"/>
+              <a:ext cx="1020535" cy="187779"/>
+            </a:xfrm>
+            <a:prstGeom prst="rect">
+              <a:avLst/>
+            </a:prstGeom>
+            <a:ln>
+              <a:solidFill>
+                <a:schemeClr val="accent1"/>
+              </a:solidFill>
+            </a:ln>
+          </p:spPr>
+          <p:style>
+            <a:lnRef idx="2">
+              <a:schemeClr val="dk1"/>
+            </a:lnRef>
+            <a:fillRef idx="1">
+              <a:schemeClr val="lt1"/>
+            </a:fillRef>
+            <a:effectRef idx="0">
+              <a:schemeClr val="dk1"/>
+            </a:effectRef>
+            <a:fontRef idx="minor">
+              <a:schemeClr val="dk1"/>
+            </a:fontRef>
+          </p:style>
+          <p:txBody>
+            <a:bodyPr rtlCol="0" anchor="ctr"/>
+            <a:lstStyle/>
+            <a:p>
+              <a:pPr algn="ctr"/>
+              <a:r>
+                <a:rPr lang="en-US" sz="800" dirty="0" smtClean="0"/>
+                <a:t>HVIT</a:t>
+              </a:r>
+              <a:endParaRPr lang="nb-NO" sz="800" dirty="0"/>
+            </a:p>
+          </p:txBody>
+        </p:sp>
+        <p:sp>
+          <p:nvSpPr>
+            <p:cNvPr id="643" name="TekstSylinder 642"/>
+            <p:cNvSpPr txBox="1"/>
+            <p:nvPr/>
+          </p:nvSpPr>
+          <p:spPr>
+            <a:xfrm>
+              <a:off x="6924633" y="2807988"/>
+              <a:ext cx="1514681" cy="350368"/>
+            </a:xfrm>
+            <a:prstGeom prst="rect">
+              <a:avLst/>
+            </a:prstGeom>
+            <a:noFill/>
+          </p:spPr>
+          <p:txBody>
+            <a:bodyPr wrap="square" rtlCol="0">
+              <a:spAutoFit/>
+            </a:bodyPr>
+            <a:lstStyle/>
+            <a:p>
+              <a:r>
+                <a:rPr lang="en-US" sz="800" dirty="0" err="1" smtClean="0"/>
+                <a:t>navn</a:t>
+              </a:r>
+              <a:r>
+                <a:rPr lang="en-US" sz="800" dirty="0" smtClean="0"/>
+                <a:t>:  </a:t>
+              </a:r>
+              <a:r>
+                <a:rPr lang="en-US" sz="800" dirty="0" smtClean="0"/>
+                <a:t>RESEPT_FARGE</a:t>
+              </a:r>
+              <a:endParaRPr lang="nb-NO" sz="800" dirty="0"/>
+            </a:p>
+          </p:txBody>
+        </p:sp>
+        <p:sp>
+          <p:nvSpPr>
+            <p:cNvPr id="644" name="TekstSylinder 643"/>
+            <p:cNvSpPr txBox="1"/>
+            <p:nvPr/>
+          </p:nvSpPr>
+          <p:spPr>
+            <a:xfrm>
+              <a:off x="6924632" y="3243973"/>
+              <a:ext cx="1514681" cy="350367"/>
+            </a:xfrm>
+            <a:prstGeom prst="rect">
+              <a:avLst/>
+            </a:prstGeom>
+            <a:noFill/>
+          </p:spPr>
+          <p:txBody>
+            <a:bodyPr wrap="square" rtlCol="0">
+              <a:spAutoFit/>
+            </a:bodyPr>
+            <a:lstStyle/>
+            <a:p>
+              <a:r>
+                <a:rPr lang="en-US" sz="800" dirty="0" smtClean="0"/>
+                <a:t>type: </a:t>
+              </a:r>
+              <a:r>
+                <a:rPr lang="en-US" sz="800" dirty="0" smtClean="0"/>
+                <a:t>String</a:t>
+              </a:r>
+              <a:endParaRPr lang="nb-NO" sz="800" dirty="0"/>
+            </a:p>
+          </p:txBody>
+        </p:sp>
+      </p:grpSp>
+      <p:sp>
+        <p:nvSpPr>
+          <p:cNvPr id="645" name="Avrundet rektangel 644"/>
+          <p:cNvSpPr/>
+          <p:nvPr/>
+        </p:nvSpPr>
+        <p:spPr>
+          <a:xfrm>
+            <a:off x="3874978" y="6021320"/>
+            <a:ext cx="2524434" cy="661927"/>
+          </a:xfrm>
+          <a:prstGeom prst="roundRect">
+            <a:avLst/>
+          </a:prstGeom>
+          <a:ln>
+            <a:solidFill>
+              <a:schemeClr val="accent1"/>
+            </a:solidFill>
+            <a:prstDash val="sysDash"/>
+          </a:ln>
+        </p:spPr>
+        <p:style>
+          <a:lnRef idx="2">
+            <a:schemeClr val="accent1"/>
+          </a:lnRef>
+          <a:fillRef idx="1">
+            <a:schemeClr val="lt1"/>
+          </a:fillRef>
+          <a:effectRef idx="0">
+            <a:schemeClr val="accent1"/>
+          </a:effectRef>
+          <a:fontRef idx="minor">
+            <a:schemeClr val="dk1"/>
+          </a:fontRef>
+        </p:style>
+        <p:txBody>
+          <a:bodyPr rtlCol="0" anchor="ctr"/>
+          <a:lstStyle/>
+          <a:p>
+            <a:pPr algn="ctr"/>
+            <a:endParaRPr lang="nb-NO" sz="800"/>
+          </a:p>
+        </p:txBody>
+      </p:sp>
+      <p:sp>
+        <p:nvSpPr>
+          <p:cNvPr id="646" name="TekstSylinder 645"/>
+          <p:cNvSpPr txBox="1"/>
+          <p:nvPr/>
+        </p:nvSpPr>
+        <p:spPr>
+          <a:xfrm>
+            <a:off x="3902429" y="5772587"/>
+            <a:ext cx="2346947" cy="400110"/>
+          </a:xfrm>
+          <a:prstGeom prst="rect">
+            <a:avLst/>
+          </a:prstGeom>
+          <a:noFill/>
+        </p:spPr>
+        <p:txBody>
+          <a:bodyPr wrap="square" rtlCol="0">
+            <a:spAutoFit/>
+          </a:bodyPr>
+          <a:lstStyle/>
+          <a:p>
+            <a:r>
+              <a:rPr lang="en-US" sz="1000" dirty="0" err="1" smtClean="0"/>
+              <a:t>Legemiddel</a:t>
+            </a:r>
+            <a:endParaRPr lang="en-US" sz="1000" dirty="0" smtClean="0"/>
+          </a:p>
+          <a:p>
+            <a:endParaRPr lang="nb-NO" sz="1000" dirty="0"/>
+          </a:p>
+        </p:txBody>
+      </p:sp>
+      <p:grpSp>
+        <p:nvGrpSpPr>
+          <p:cNvPr id="647" name="Gruppe 646"/>
+          <p:cNvGrpSpPr/>
+          <p:nvPr/>
+        </p:nvGrpSpPr>
+        <p:grpSpPr>
+          <a:xfrm>
+            <a:off x="4019354" y="6069924"/>
+            <a:ext cx="1252912" cy="483535"/>
+            <a:chOff x="6924632" y="2807988"/>
+            <a:chExt cx="1514682" cy="786352"/>
+          </a:xfrm>
+        </p:grpSpPr>
+        <p:sp>
+          <p:nvSpPr>
+            <p:cNvPr id="648" name="Rektangel 647"/>
+            <p:cNvSpPr/>
+            <p:nvPr/>
+          </p:nvSpPr>
+          <p:spPr>
+            <a:xfrm>
+              <a:off x="6988629" y="3086099"/>
+              <a:ext cx="1020535" cy="187779"/>
+            </a:xfrm>
+            <a:prstGeom prst="rect">
+              <a:avLst/>
+            </a:prstGeom>
+            <a:ln>
+              <a:solidFill>
+                <a:schemeClr val="accent1"/>
+              </a:solidFill>
+            </a:ln>
+          </p:spPr>
+          <p:style>
+            <a:lnRef idx="2">
+              <a:schemeClr val="dk1"/>
+            </a:lnRef>
+            <a:fillRef idx="1">
+              <a:schemeClr val="lt1"/>
+            </a:fillRef>
+            <a:effectRef idx="0">
+              <a:schemeClr val="dk1"/>
+            </a:effectRef>
+            <a:fontRef idx="minor">
+              <a:schemeClr val="dk1"/>
+            </a:fontRef>
+          </p:style>
+          <p:txBody>
+            <a:bodyPr rtlCol="0" anchor="ctr"/>
+            <a:lstStyle/>
+            <a:p>
+              <a:pPr algn="ctr"/>
+              <a:r>
+                <a:rPr lang="en-US" sz="800" dirty="0"/>
+                <a:t>4</a:t>
+              </a:r>
+              <a:endParaRPr lang="nb-NO" sz="800" dirty="0"/>
+            </a:p>
+          </p:txBody>
+        </p:sp>
+        <p:sp>
+          <p:nvSpPr>
+            <p:cNvPr id="649" name="TekstSylinder 648"/>
+            <p:cNvSpPr txBox="1"/>
+            <p:nvPr/>
+          </p:nvSpPr>
+          <p:spPr>
+            <a:xfrm>
+              <a:off x="6924633" y="2807988"/>
+              <a:ext cx="1514681" cy="350368"/>
+            </a:xfrm>
+            <a:prstGeom prst="rect">
+              <a:avLst/>
+            </a:prstGeom>
+            <a:noFill/>
+          </p:spPr>
+          <p:txBody>
+            <a:bodyPr wrap="square" rtlCol="0">
+              <a:spAutoFit/>
+            </a:bodyPr>
+            <a:lstStyle/>
+            <a:p>
+              <a:r>
+                <a:rPr lang="en-US" sz="800" dirty="0" err="1" smtClean="0"/>
+                <a:t>navn</a:t>
+              </a:r>
+              <a:r>
+                <a:rPr lang="en-US" sz="800" dirty="0" smtClean="0"/>
+                <a:t>:  </a:t>
+              </a:r>
+              <a:r>
+                <a:rPr lang="en-US" sz="800" dirty="0" err="1" smtClean="0"/>
+                <a:t>antall</a:t>
+              </a:r>
+              <a:endParaRPr lang="nb-NO" sz="800" dirty="0"/>
+            </a:p>
+          </p:txBody>
+        </p:sp>
+        <p:sp>
+          <p:nvSpPr>
+            <p:cNvPr id="650" name="TekstSylinder 649"/>
+            <p:cNvSpPr txBox="1"/>
+            <p:nvPr/>
+          </p:nvSpPr>
+          <p:spPr>
+            <a:xfrm>
+              <a:off x="6924632" y="3243973"/>
+              <a:ext cx="1514681" cy="350367"/>
+            </a:xfrm>
+            <a:prstGeom prst="rect">
+              <a:avLst/>
+            </a:prstGeom>
+            <a:noFill/>
+          </p:spPr>
+          <p:txBody>
+            <a:bodyPr wrap="square" rtlCol="0">
+              <a:spAutoFit/>
+            </a:bodyPr>
+            <a:lstStyle/>
+            <a:p>
+              <a:r>
+                <a:rPr lang="en-US" sz="800" dirty="0" smtClean="0"/>
+                <a:t>type: </a:t>
+              </a:r>
+              <a:r>
+                <a:rPr lang="en-US" sz="800" dirty="0" err="1" smtClean="0"/>
+                <a:t>int</a:t>
+              </a:r>
+              <a:endParaRPr lang="nb-NO" sz="800" dirty="0"/>
+            </a:p>
+          </p:txBody>
+        </p:sp>
+      </p:grpSp>
+      <p:sp>
+        <p:nvSpPr>
+          <p:cNvPr id="651" name="Avrundet rektangel 650"/>
+          <p:cNvSpPr/>
+          <p:nvPr/>
+        </p:nvSpPr>
+        <p:spPr>
+          <a:xfrm>
+            <a:off x="6843294" y="5016768"/>
+            <a:ext cx="2524434" cy="661927"/>
+          </a:xfrm>
+          <a:prstGeom prst="roundRect">
+            <a:avLst/>
+          </a:prstGeom>
+          <a:ln>
+            <a:solidFill>
+              <a:schemeClr val="accent1"/>
+            </a:solidFill>
+            <a:prstDash val="sysDash"/>
+          </a:ln>
+        </p:spPr>
+        <p:style>
+          <a:lnRef idx="2">
+            <a:schemeClr val="accent1"/>
+          </a:lnRef>
+          <a:fillRef idx="1">
+            <a:schemeClr val="lt1"/>
+          </a:fillRef>
+          <a:effectRef idx="0">
+            <a:schemeClr val="accent1"/>
+          </a:effectRef>
+          <a:fontRef idx="minor">
+            <a:schemeClr val="dk1"/>
+          </a:fontRef>
+        </p:style>
+        <p:txBody>
+          <a:bodyPr rtlCol="0" anchor="ctr"/>
+          <a:lstStyle/>
+          <a:p>
+            <a:pPr algn="ctr"/>
+            <a:endParaRPr lang="nb-NO" sz="800"/>
+          </a:p>
+        </p:txBody>
+      </p:sp>
+      <p:sp>
+        <p:nvSpPr>
+          <p:cNvPr id="652" name="TekstSylinder 651"/>
+          <p:cNvSpPr txBox="1"/>
+          <p:nvPr/>
+        </p:nvSpPr>
+        <p:spPr>
+          <a:xfrm>
+            <a:off x="6870745" y="4768035"/>
+            <a:ext cx="2346947" cy="400110"/>
+          </a:xfrm>
+          <a:prstGeom prst="rect">
+            <a:avLst/>
+          </a:prstGeom>
+          <a:noFill/>
+        </p:spPr>
+        <p:txBody>
+          <a:bodyPr wrap="square" rtlCol="0">
+            <a:spAutoFit/>
+          </a:bodyPr>
+          <a:lstStyle/>
+          <a:p>
+            <a:r>
+              <a:rPr lang="en-US" sz="1000" dirty="0" err="1" smtClean="0"/>
+              <a:t>MilResept</a:t>
+            </a:r>
+            <a:endParaRPr lang="en-US" sz="1000" dirty="0" smtClean="0"/>
+          </a:p>
+          <a:p>
+            <a:endParaRPr lang="nb-NO" sz="1000" dirty="0"/>
+          </a:p>
+        </p:txBody>
+      </p:sp>
+      <p:grpSp>
+        <p:nvGrpSpPr>
+          <p:cNvPr id="653" name="Gruppe 652"/>
+          <p:cNvGrpSpPr/>
+          <p:nvPr/>
+        </p:nvGrpSpPr>
+        <p:grpSpPr>
+          <a:xfrm>
+            <a:off x="6987670" y="5065372"/>
+            <a:ext cx="1252912" cy="483535"/>
+            <a:chOff x="6924632" y="2807988"/>
+            <a:chExt cx="1514682" cy="786352"/>
+          </a:xfrm>
+        </p:grpSpPr>
+        <p:sp>
+          <p:nvSpPr>
+            <p:cNvPr id="654" name="Rektangel 653"/>
+            <p:cNvSpPr/>
+            <p:nvPr/>
+          </p:nvSpPr>
+          <p:spPr>
+            <a:xfrm>
+              <a:off x="6988629" y="3086099"/>
+              <a:ext cx="1020535" cy="187779"/>
+            </a:xfrm>
+            <a:prstGeom prst="rect">
+              <a:avLst/>
+            </a:prstGeom>
+            <a:ln>
+              <a:solidFill>
+                <a:schemeClr val="accent1"/>
+              </a:solidFill>
+            </a:ln>
+          </p:spPr>
+          <p:style>
+            <a:lnRef idx="2">
+              <a:schemeClr val="dk1"/>
+            </a:lnRef>
+            <a:fillRef idx="1">
+              <a:schemeClr val="lt1"/>
+            </a:fillRef>
+            <a:effectRef idx="0">
+              <a:schemeClr val="dk1"/>
+            </a:effectRef>
+            <a:fontRef idx="minor">
+              <a:schemeClr val="dk1"/>
+            </a:fontRef>
+          </p:style>
+          <p:txBody>
+            <a:bodyPr rtlCol="0" anchor="ctr"/>
+            <a:lstStyle/>
+            <a:p>
+              <a:pPr algn="ctr"/>
+              <a:r>
+                <a:rPr lang="en-US" sz="800" dirty="0" smtClean="0"/>
+                <a:t>0</a:t>
+              </a:r>
+              <a:endParaRPr lang="nb-NO" sz="800" dirty="0"/>
+            </a:p>
+          </p:txBody>
+        </p:sp>
+        <p:sp>
+          <p:nvSpPr>
+            <p:cNvPr id="655" name="TekstSylinder 654"/>
+            <p:cNvSpPr txBox="1"/>
+            <p:nvPr/>
+          </p:nvSpPr>
+          <p:spPr>
+            <a:xfrm>
+              <a:off x="6924633" y="2807988"/>
+              <a:ext cx="1514681" cy="350368"/>
+            </a:xfrm>
+            <a:prstGeom prst="rect">
+              <a:avLst/>
+            </a:prstGeom>
+            <a:noFill/>
+          </p:spPr>
+          <p:txBody>
+            <a:bodyPr wrap="square" rtlCol="0">
+              <a:spAutoFit/>
+            </a:bodyPr>
+            <a:lstStyle/>
+            <a:p>
+              <a:r>
+                <a:rPr lang="en-US" sz="800" dirty="0" err="1" smtClean="0"/>
+                <a:t>navn</a:t>
+              </a:r>
+              <a:r>
+                <a:rPr lang="en-US" sz="800" dirty="0" smtClean="0"/>
+                <a:t>:  </a:t>
+              </a:r>
+              <a:r>
+                <a:rPr lang="en-US" sz="800" dirty="0" smtClean="0"/>
+                <a:t>PRIS</a:t>
+              </a:r>
+              <a:endParaRPr lang="nb-NO" sz="800" dirty="0"/>
+            </a:p>
+          </p:txBody>
+        </p:sp>
+        <p:sp>
+          <p:nvSpPr>
+            <p:cNvPr id="656" name="TekstSylinder 655"/>
+            <p:cNvSpPr txBox="1"/>
+            <p:nvPr/>
+          </p:nvSpPr>
+          <p:spPr>
+            <a:xfrm>
+              <a:off x="6924632" y="3243973"/>
+              <a:ext cx="1514681" cy="350367"/>
+            </a:xfrm>
+            <a:prstGeom prst="rect">
+              <a:avLst/>
+            </a:prstGeom>
+            <a:noFill/>
+          </p:spPr>
+          <p:txBody>
+            <a:bodyPr wrap="square" rtlCol="0">
+              <a:spAutoFit/>
+            </a:bodyPr>
+            <a:lstStyle/>
+            <a:p>
+              <a:r>
+                <a:rPr lang="en-US" sz="800" dirty="0" smtClean="0"/>
+                <a:t>type: </a:t>
+              </a:r>
+              <a:r>
+                <a:rPr lang="en-US" sz="800" dirty="0" smtClean="0"/>
+                <a:t>double</a:t>
+              </a:r>
+              <a:endParaRPr lang="nb-NO" sz="800" dirty="0"/>
+            </a:p>
+          </p:txBody>
+        </p:sp>
+      </p:grpSp>
+      <p:sp>
+        <p:nvSpPr>
+          <p:cNvPr id="657" name="Avrundet rektangel 656"/>
+          <p:cNvSpPr/>
+          <p:nvPr/>
+        </p:nvSpPr>
+        <p:spPr>
+          <a:xfrm>
+            <a:off x="9489541" y="5000806"/>
+            <a:ext cx="2524434" cy="661927"/>
+          </a:xfrm>
+          <a:prstGeom prst="roundRect">
+            <a:avLst/>
+          </a:prstGeom>
+          <a:ln>
+            <a:solidFill>
+              <a:schemeClr val="accent1"/>
+            </a:solidFill>
+            <a:prstDash val="sysDash"/>
+          </a:ln>
+        </p:spPr>
+        <p:style>
+          <a:lnRef idx="2">
+            <a:schemeClr val="accent1"/>
+          </a:lnRef>
+          <a:fillRef idx="1">
+            <a:schemeClr val="lt1"/>
+          </a:fillRef>
+          <a:effectRef idx="0">
+            <a:schemeClr val="accent1"/>
+          </a:effectRef>
+          <a:fontRef idx="minor">
+            <a:schemeClr val="dk1"/>
+          </a:fontRef>
+        </p:style>
+        <p:txBody>
+          <a:bodyPr rtlCol="0" anchor="ctr"/>
+          <a:lstStyle/>
+          <a:p>
+            <a:pPr algn="ctr"/>
+            <a:endParaRPr lang="nb-NO" sz="800"/>
+          </a:p>
+        </p:txBody>
+      </p:sp>
+      <p:sp>
+        <p:nvSpPr>
+          <p:cNvPr id="658" name="TekstSylinder 657"/>
+          <p:cNvSpPr txBox="1"/>
+          <p:nvPr/>
+        </p:nvSpPr>
+        <p:spPr>
+          <a:xfrm>
+            <a:off x="9516992" y="4752073"/>
+            <a:ext cx="2346947" cy="400110"/>
+          </a:xfrm>
+          <a:prstGeom prst="rect">
+            <a:avLst/>
+          </a:prstGeom>
+          <a:noFill/>
+        </p:spPr>
+        <p:txBody>
+          <a:bodyPr wrap="square" rtlCol="0">
+            <a:spAutoFit/>
+          </a:bodyPr>
+          <a:lstStyle/>
+          <a:p>
+            <a:r>
+              <a:rPr lang="en-US" sz="1000" dirty="0" err="1" smtClean="0"/>
+              <a:t>PResept</a:t>
+            </a:r>
+            <a:endParaRPr lang="en-US" sz="1000" dirty="0" smtClean="0"/>
+          </a:p>
+          <a:p>
+            <a:endParaRPr lang="nb-NO" sz="1000" dirty="0"/>
+          </a:p>
+        </p:txBody>
+      </p:sp>
+      <p:grpSp>
+        <p:nvGrpSpPr>
+          <p:cNvPr id="659" name="Gruppe 658"/>
+          <p:cNvGrpSpPr/>
+          <p:nvPr/>
+        </p:nvGrpSpPr>
+        <p:grpSpPr>
+          <a:xfrm>
+            <a:off x="9633917" y="5049410"/>
+            <a:ext cx="1252912" cy="483535"/>
+            <a:chOff x="6924632" y="2807988"/>
+            <a:chExt cx="1514682" cy="786352"/>
+          </a:xfrm>
+        </p:grpSpPr>
+        <p:sp>
+          <p:nvSpPr>
+            <p:cNvPr id="660" name="Rektangel 659"/>
+            <p:cNvSpPr/>
+            <p:nvPr/>
+          </p:nvSpPr>
+          <p:spPr>
+            <a:xfrm>
+              <a:off x="6988629" y="3086099"/>
+              <a:ext cx="1020535" cy="187779"/>
+            </a:xfrm>
+            <a:prstGeom prst="rect">
+              <a:avLst/>
+            </a:prstGeom>
+            <a:ln>
+              <a:solidFill>
+                <a:schemeClr val="accent1"/>
+              </a:solidFill>
+            </a:ln>
+          </p:spPr>
+          <p:style>
+            <a:lnRef idx="2">
+              <a:schemeClr val="dk1"/>
+            </a:lnRef>
+            <a:fillRef idx="1">
+              <a:schemeClr val="lt1"/>
+            </a:fillRef>
+            <a:effectRef idx="0">
+              <a:schemeClr val="dk1"/>
+            </a:effectRef>
+            <a:fontRef idx="minor">
+              <a:schemeClr val="dk1"/>
+            </a:fontRef>
+          </p:style>
+          <p:txBody>
+            <a:bodyPr rtlCol="0" anchor="ctr"/>
+            <a:lstStyle/>
+            <a:p>
+              <a:pPr algn="ctr"/>
+              <a:r>
+                <a:rPr lang="en-US" sz="800" dirty="0" smtClean="0"/>
+                <a:t>108</a:t>
+              </a:r>
+              <a:endParaRPr lang="nb-NO" sz="800" dirty="0"/>
+            </a:p>
+          </p:txBody>
+        </p:sp>
+        <p:sp>
+          <p:nvSpPr>
+            <p:cNvPr id="661" name="TekstSylinder 660"/>
+            <p:cNvSpPr txBox="1"/>
+            <p:nvPr/>
+          </p:nvSpPr>
+          <p:spPr>
+            <a:xfrm>
+              <a:off x="6924633" y="2807988"/>
+              <a:ext cx="1514681" cy="350368"/>
+            </a:xfrm>
+            <a:prstGeom prst="rect">
+              <a:avLst/>
+            </a:prstGeom>
+            <a:noFill/>
+          </p:spPr>
+          <p:txBody>
+            <a:bodyPr wrap="square" rtlCol="0">
+              <a:spAutoFit/>
+            </a:bodyPr>
+            <a:lstStyle/>
+            <a:p>
+              <a:r>
+                <a:rPr lang="en-US" sz="800" dirty="0" err="1" smtClean="0"/>
+                <a:t>navn</a:t>
+              </a:r>
+              <a:r>
+                <a:rPr lang="en-US" sz="800" dirty="0" smtClean="0"/>
+                <a:t>:  </a:t>
+              </a:r>
+              <a:r>
+                <a:rPr lang="en-US" sz="800" dirty="0" smtClean="0"/>
+                <a:t>RABATT</a:t>
+              </a:r>
+              <a:endParaRPr lang="nb-NO" sz="800" dirty="0"/>
+            </a:p>
+          </p:txBody>
+        </p:sp>
+        <p:sp>
+          <p:nvSpPr>
+            <p:cNvPr id="662" name="TekstSylinder 661"/>
+            <p:cNvSpPr txBox="1"/>
+            <p:nvPr/>
+          </p:nvSpPr>
+          <p:spPr>
+            <a:xfrm>
+              <a:off x="6924632" y="3243973"/>
+              <a:ext cx="1514681" cy="350367"/>
+            </a:xfrm>
+            <a:prstGeom prst="rect">
+              <a:avLst/>
+            </a:prstGeom>
+            <a:noFill/>
+          </p:spPr>
+          <p:txBody>
+            <a:bodyPr wrap="square" rtlCol="0">
+              <a:spAutoFit/>
+            </a:bodyPr>
+            <a:lstStyle/>
+            <a:p>
+              <a:r>
+                <a:rPr lang="en-US" sz="800" dirty="0" smtClean="0"/>
+                <a:t>type: </a:t>
+              </a:r>
+              <a:r>
+                <a:rPr lang="en-US" sz="800" dirty="0" err="1" smtClean="0"/>
+                <a:t>int</a:t>
+              </a:r>
+              <a:endParaRPr lang="nb-NO" sz="800" dirty="0"/>
+            </a:p>
+          </p:txBody>
+        </p:sp>
+      </p:grpSp>
+    </p:spTree>
+    <p:extLst>
+      <p:ext uri="{BB962C8B-B14F-4D97-AF65-F5344CB8AC3E}">
+        <p14:creationId xmlns:p14="http://schemas.microsoft.com/office/powerpoint/2010/main" val="3273353257"/>
       </p:ext>
     </p:extLst>
   </p:cSld>

--- a/Oblig2/Datastruktur.pptx
+++ b/Oblig2/Datastruktur.pptx
@@ -3641,6 +3641,36 @@
           </a:fontRef>
         </p:style>
       </p:cxnSp>
+      <p:sp>
+        <p:nvSpPr>
+          <p:cNvPr id="9" name="TekstSylinder 8"/>
+          <p:cNvSpPr txBox="1"/>
+          <p:nvPr/>
+        </p:nvSpPr>
+        <p:spPr>
+          <a:xfrm>
+            <a:off x="0" y="12128"/>
+            <a:ext cx="932903" cy="369332"/>
+          </a:xfrm>
+          <a:prstGeom prst="rect">
+            <a:avLst/>
+          </a:prstGeom>
+          <a:noFill/>
+        </p:spPr>
+        <p:txBody>
+          <a:bodyPr wrap="square" rtlCol="0">
+            <a:spAutoFit/>
+          </a:bodyPr>
+          <a:lstStyle/>
+          <a:p>
+            <a:r>
+              <a:rPr lang="en-US" dirty="0" smtClean="0"/>
+              <a:t>DEL A</a:t>
+            </a:r>
+            <a:endParaRPr lang="nb-NO" dirty="0"/>
+          </a:p>
+        </p:txBody>
+      </p:sp>
     </p:spTree>
     <p:extLst>
       <p:ext uri="{BB962C8B-B14F-4D97-AF65-F5344CB8AC3E}">
@@ -4067,6 +4097,36 @@
           </a:fontRef>
         </p:style>
       </p:cxnSp>
+      <p:sp>
+        <p:nvSpPr>
+          <p:cNvPr id="11" name="TekstSylinder 10"/>
+          <p:cNvSpPr txBox="1"/>
+          <p:nvPr/>
+        </p:nvSpPr>
+        <p:spPr>
+          <a:xfrm>
+            <a:off x="0" y="12128"/>
+            <a:ext cx="932903" cy="369332"/>
+          </a:xfrm>
+          <a:prstGeom prst="rect">
+            <a:avLst/>
+          </a:prstGeom>
+          <a:noFill/>
+        </p:spPr>
+        <p:txBody>
+          <a:bodyPr wrap="square" rtlCol="0">
+            <a:spAutoFit/>
+          </a:bodyPr>
+          <a:lstStyle/>
+          <a:p>
+            <a:r>
+              <a:rPr lang="en-US" dirty="0" smtClean="0"/>
+              <a:t>DEL B</a:t>
+            </a:r>
+            <a:endParaRPr lang="nb-NO" dirty="0"/>
+          </a:p>
+        </p:txBody>
+      </p:sp>
     </p:spTree>
     <p:extLst>
       <p:ext uri="{BB962C8B-B14F-4D97-AF65-F5344CB8AC3E}">
@@ -4310,6 +4370,36 @@
           </a:fontRef>
         </p:style>
       </p:cxnSp>
+      <p:sp>
+        <p:nvSpPr>
+          <p:cNvPr id="7" name="TekstSylinder 6"/>
+          <p:cNvSpPr txBox="1"/>
+          <p:nvPr/>
+        </p:nvSpPr>
+        <p:spPr>
+          <a:xfrm>
+            <a:off x="0" y="12128"/>
+            <a:ext cx="932903" cy="369332"/>
+          </a:xfrm>
+          <a:prstGeom prst="rect">
+            <a:avLst/>
+          </a:prstGeom>
+          <a:noFill/>
+        </p:spPr>
+        <p:txBody>
+          <a:bodyPr wrap="square" rtlCol="0">
+            <a:spAutoFit/>
+          </a:bodyPr>
+          <a:lstStyle/>
+          <a:p>
+            <a:r>
+              <a:rPr lang="en-US" dirty="0" smtClean="0"/>
+              <a:t>DEL C</a:t>
+            </a:r>
+            <a:endParaRPr lang="nb-NO" dirty="0"/>
+          </a:p>
+        </p:txBody>
+      </p:sp>
     </p:spTree>
     <p:extLst>
       <p:ext uri="{BB962C8B-B14F-4D97-AF65-F5344CB8AC3E}">
@@ -4349,7 +4439,7 @@
         <p:spPr>
           <a:xfrm>
             <a:off x="565407" y="366694"/>
-            <a:ext cx="2524434" cy="1375725"/>
+            <a:ext cx="2524434" cy="1854818"/>
           </a:xfrm>
           <a:prstGeom prst="roundRect">
             <a:avLst/>
@@ -5057,6 +5147,18 @@
           </a:bodyPr>
           <a:lstStyle/>
           <a:p>
+            <a:r>
+              <a:rPr lang="en-US" sz="800" dirty="0"/>
+              <a:t>r</a:t>
+            </a:r>
+            <a:r>
+              <a:rPr lang="en-US" sz="800" dirty="0" smtClean="0"/>
+              <a:t>eturn </a:t>
+            </a:r>
+            <a:r>
+              <a:rPr lang="en-US" sz="800" dirty="0" err="1" smtClean="0"/>
+              <a:t>kontrollID</a:t>
+            </a:r>
             <a:endParaRPr lang="en-US" sz="800" dirty="0" smtClean="0"/>
           </a:p>
         </p:txBody>
@@ -5990,8 +6092,8 @@
         </p:nvSpPr>
         <p:spPr>
           <a:xfrm>
-            <a:off x="9356791" y="246096"/>
-            <a:ext cx="2524434" cy="1439524"/>
+            <a:off x="9356791" y="246095"/>
+            <a:ext cx="2524434" cy="1829039"/>
           </a:xfrm>
           <a:prstGeom prst="roundRect">
             <a:avLst/>
@@ -7953,7 +8055,7 @@
         <p:spPr>
           <a:xfrm>
             <a:off x="765433" y="2723633"/>
-            <a:ext cx="2524434" cy="1264119"/>
+            <a:ext cx="2524434" cy="1786038"/>
           </a:xfrm>
           <a:prstGeom prst="roundRect">
             <a:avLst/>
@@ -8735,8 +8837,8 @@
         </p:nvSpPr>
         <p:spPr>
           <a:xfrm>
-            <a:off x="3555416" y="2707272"/>
-            <a:ext cx="2524434" cy="1280480"/>
+            <a:off x="3555416" y="2707271"/>
+            <a:ext cx="2524434" cy="1802399"/>
           </a:xfrm>
           <a:prstGeom prst="roundRect">
             <a:avLst/>
@@ -9516,7 +9618,7 @@
         <p:spPr>
           <a:xfrm>
             <a:off x="6411281" y="2723633"/>
-            <a:ext cx="2524434" cy="1315687"/>
+            <a:ext cx="2524434" cy="1782585"/>
           </a:xfrm>
           <a:prstGeom prst="roundRect">
             <a:avLst/>
@@ -10299,7 +10401,7 @@
         <p:spPr>
           <a:xfrm>
             <a:off x="9288381" y="2729896"/>
-            <a:ext cx="2524434" cy="1315687"/>
+            <a:ext cx="2524434" cy="1783549"/>
           </a:xfrm>
           <a:prstGeom prst="roundRect">
             <a:avLst/>
@@ -11258,8 +11360,8 @@
         </p:nvCxnSpPr>
         <p:spPr>
           <a:xfrm flipH="1" flipV="1">
-            <a:off x="10619008" y="1685620"/>
-            <a:ext cx="627672" cy="1252820"/>
+            <a:off x="10619008" y="2075134"/>
+            <a:ext cx="627672" cy="863306"/>
           </a:xfrm>
           <a:prstGeom prst="straightConnector1">
             <a:avLst/>
@@ -12404,6 +12506,1608 @@
                 <a:t>int</a:t>
               </a:r>
               <a:endParaRPr lang="nb-NO" sz="800" dirty="0"/>
+            </a:p>
+          </p:txBody>
+        </p:sp>
+      </p:grpSp>
+      <p:sp>
+        <p:nvSpPr>
+          <p:cNvPr id="663" name="TekstSylinder 662"/>
+          <p:cNvSpPr txBox="1"/>
+          <p:nvPr/>
+        </p:nvSpPr>
+        <p:spPr>
+          <a:xfrm>
+            <a:off x="0" y="12128"/>
+            <a:ext cx="932903" cy="369332"/>
+          </a:xfrm>
+          <a:prstGeom prst="rect">
+            <a:avLst/>
+          </a:prstGeom>
+          <a:noFill/>
+        </p:spPr>
+        <p:txBody>
+          <a:bodyPr wrap="square" rtlCol="0">
+            <a:spAutoFit/>
+          </a:bodyPr>
+          <a:lstStyle/>
+          <a:p>
+            <a:r>
+              <a:rPr lang="en-US" dirty="0" smtClean="0"/>
+              <a:t>DEL D</a:t>
+            </a:r>
+            <a:endParaRPr lang="nb-NO" dirty="0"/>
+          </a:p>
+        </p:txBody>
+      </p:sp>
+      <p:grpSp>
+        <p:nvGrpSpPr>
+          <p:cNvPr id="664" name="Gruppe 663"/>
+          <p:cNvGrpSpPr/>
+          <p:nvPr/>
+        </p:nvGrpSpPr>
+        <p:grpSpPr>
+          <a:xfrm>
+            <a:off x="590529" y="3593796"/>
+            <a:ext cx="2842354" cy="381402"/>
+            <a:chOff x="6156119" y="1929458"/>
+            <a:chExt cx="3336870" cy="510271"/>
+          </a:xfrm>
+        </p:grpSpPr>
+        <p:grpSp>
+          <p:nvGrpSpPr>
+            <p:cNvPr id="665" name="Gruppe 664"/>
+            <p:cNvGrpSpPr/>
+            <p:nvPr/>
+          </p:nvGrpSpPr>
+          <p:grpSpPr>
+            <a:xfrm>
+              <a:off x="6156119" y="2148619"/>
+              <a:ext cx="2962481" cy="291110"/>
+              <a:chOff x="851807" y="1161503"/>
+              <a:chExt cx="2962481" cy="291110"/>
+            </a:xfrm>
+          </p:grpSpPr>
+          <p:sp>
+            <p:nvSpPr>
+              <p:cNvPr id="667" name="TekstSylinder 666"/>
+              <p:cNvSpPr txBox="1"/>
+              <p:nvPr/>
+            </p:nvSpPr>
+            <p:spPr>
+              <a:xfrm>
+                <a:off x="1227363" y="1164374"/>
+                <a:ext cx="2586925" cy="288239"/>
+              </a:xfrm>
+              <a:prstGeom prst="rect">
+                <a:avLst/>
+              </a:prstGeom>
+              <a:noFill/>
+              <a:ln>
+                <a:solidFill>
+                  <a:schemeClr val="accent1"/>
+                </a:solidFill>
+              </a:ln>
+            </p:spPr>
+            <p:txBody>
+              <a:bodyPr wrap="square" rtlCol="0">
+                <a:spAutoFit/>
+              </a:bodyPr>
+              <a:lstStyle/>
+              <a:p>
+                <a:r>
+                  <a:rPr lang="en-US" sz="800" dirty="0"/>
+                  <a:t>r</a:t>
+                </a:r>
+                <a:r>
+                  <a:rPr lang="en-US" sz="800" dirty="0" smtClean="0"/>
+                  <a:t>eturn </a:t>
+                </a:r>
+                <a:r>
+                  <a:rPr lang="en-US" sz="800" dirty="0" smtClean="0"/>
+                  <a:t>RESEPT_FARGE</a:t>
+                </a:r>
+                <a:endParaRPr lang="en-US" sz="800" dirty="0" smtClean="0"/>
+              </a:p>
+            </p:txBody>
+          </p:sp>
+          <p:cxnSp>
+            <p:nvCxnSpPr>
+              <p:cNvPr id="668" name="Rett linje 667"/>
+              <p:cNvCxnSpPr/>
+              <p:nvPr/>
+            </p:nvCxnSpPr>
+            <p:spPr>
+              <a:xfrm flipH="1">
+                <a:off x="851807" y="1161503"/>
+                <a:ext cx="457200" cy="0"/>
+              </a:xfrm>
+              <a:prstGeom prst="line">
+                <a:avLst/>
+              </a:prstGeom>
+              <a:ln>
+                <a:solidFill>
+                  <a:schemeClr val="accent1"/>
+                </a:solidFill>
+              </a:ln>
+            </p:spPr>
+            <p:style>
+              <a:lnRef idx="1">
+                <a:schemeClr val="accent1"/>
+              </a:lnRef>
+              <a:fillRef idx="0">
+                <a:schemeClr val="accent1"/>
+              </a:fillRef>
+              <a:effectRef idx="0">
+                <a:schemeClr val="accent1"/>
+              </a:effectRef>
+              <a:fontRef idx="minor">
+                <a:schemeClr val="tx1"/>
+              </a:fontRef>
+            </p:style>
+          </p:cxnSp>
+        </p:grpSp>
+        <p:sp>
+          <p:nvSpPr>
+            <p:cNvPr id="666" name="TekstSylinder 665"/>
+            <p:cNvSpPr txBox="1"/>
+            <p:nvPr/>
+          </p:nvSpPr>
+          <p:spPr>
+            <a:xfrm>
+              <a:off x="6531674" y="1929458"/>
+              <a:ext cx="2961315" cy="288239"/>
+            </a:xfrm>
+            <a:prstGeom prst="rect">
+              <a:avLst/>
+            </a:prstGeom>
+            <a:noFill/>
+          </p:spPr>
+          <p:txBody>
+            <a:bodyPr wrap="square" rtlCol="0">
+              <a:spAutoFit/>
+            </a:bodyPr>
+            <a:lstStyle/>
+            <a:p>
+              <a:r>
+                <a:rPr lang="en-US" sz="800" dirty="0"/>
+                <a:t>p</a:t>
+              </a:r>
+              <a:r>
+                <a:rPr lang="en-US" sz="800" dirty="0" smtClean="0"/>
+                <a:t>ublic </a:t>
+              </a:r>
+              <a:r>
+                <a:rPr lang="en-US" sz="800" dirty="0" smtClean="0"/>
+                <a:t>String </a:t>
+              </a:r>
+              <a:r>
+                <a:rPr lang="en-US" sz="800" dirty="0" err="1" smtClean="0"/>
+                <a:t>farge</a:t>
+              </a:r>
+              <a:r>
+                <a:rPr lang="en-US" sz="800" dirty="0" smtClean="0"/>
+                <a:t>()</a:t>
+              </a:r>
+              <a:endParaRPr lang="en-US" sz="800" dirty="0"/>
+            </a:p>
+          </p:txBody>
+        </p:sp>
+      </p:grpSp>
+      <p:grpSp>
+        <p:nvGrpSpPr>
+          <p:cNvPr id="669" name="Gruppe 668"/>
+          <p:cNvGrpSpPr/>
+          <p:nvPr/>
+        </p:nvGrpSpPr>
+        <p:grpSpPr>
+          <a:xfrm>
+            <a:off x="590529" y="4005204"/>
+            <a:ext cx="2842354" cy="381402"/>
+            <a:chOff x="6156119" y="1929458"/>
+            <a:chExt cx="3336870" cy="510271"/>
+          </a:xfrm>
+        </p:grpSpPr>
+        <p:grpSp>
+          <p:nvGrpSpPr>
+            <p:cNvPr id="670" name="Gruppe 669"/>
+            <p:cNvGrpSpPr/>
+            <p:nvPr/>
+          </p:nvGrpSpPr>
+          <p:grpSpPr>
+            <a:xfrm>
+              <a:off x="6156119" y="2148619"/>
+              <a:ext cx="2962481" cy="291110"/>
+              <a:chOff x="851807" y="1161503"/>
+              <a:chExt cx="2962481" cy="291110"/>
+            </a:xfrm>
+          </p:grpSpPr>
+          <p:sp>
+            <p:nvSpPr>
+              <p:cNvPr id="672" name="TekstSylinder 671"/>
+              <p:cNvSpPr txBox="1"/>
+              <p:nvPr/>
+            </p:nvSpPr>
+            <p:spPr>
+              <a:xfrm>
+                <a:off x="1227363" y="1164374"/>
+                <a:ext cx="2586925" cy="288239"/>
+              </a:xfrm>
+              <a:prstGeom prst="rect">
+                <a:avLst/>
+              </a:prstGeom>
+              <a:noFill/>
+              <a:ln>
+                <a:solidFill>
+                  <a:schemeClr val="accent1"/>
+                </a:solidFill>
+              </a:ln>
+            </p:spPr>
+            <p:txBody>
+              <a:bodyPr wrap="square" rtlCol="0">
+                <a:spAutoFit/>
+              </a:bodyPr>
+              <a:lstStyle/>
+              <a:p>
+                <a:r>
+                  <a:rPr lang="en-US" sz="800" dirty="0"/>
+                  <a:t>r</a:t>
+                </a:r>
+                <a:r>
+                  <a:rPr lang="en-US" sz="800" dirty="0" smtClean="0"/>
+                  <a:t>eturn </a:t>
+                </a:r>
+                <a:r>
+                  <a:rPr lang="en-US" sz="800" dirty="0" err="1" smtClean="0"/>
+                  <a:t>hentLegemiddel</a:t>
+                </a:r>
+                <a:r>
+                  <a:rPr lang="en-US" sz="800" dirty="0" smtClean="0"/>
+                  <a:t>().</a:t>
+                </a:r>
+                <a:r>
+                  <a:rPr lang="en-US" sz="800" dirty="0" err="1" smtClean="0"/>
+                  <a:t>pris</a:t>
+                </a:r>
+                <a:r>
+                  <a:rPr lang="en-US" sz="800" dirty="0" smtClean="0"/>
+                  <a:t> * 0.25</a:t>
+                </a:r>
+                <a:endParaRPr lang="en-US" sz="800" dirty="0" smtClean="0"/>
+              </a:p>
+            </p:txBody>
+          </p:sp>
+          <p:cxnSp>
+            <p:nvCxnSpPr>
+              <p:cNvPr id="673" name="Rett linje 672"/>
+              <p:cNvCxnSpPr/>
+              <p:nvPr/>
+            </p:nvCxnSpPr>
+            <p:spPr>
+              <a:xfrm flipH="1">
+                <a:off x="851807" y="1161503"/>
+                <a:ext cx="457200" cy="0"/>
+              </a:xfrm>
+              <a:prstGeom prst="line">
+                <a:avLst/>
+              </a:prstGeom>
+              <a:ln>
+                <a:solidFill>
+                  <a:schemeClr val="accent1"/>
+                </a:solidFill>
+              </a:ln>
+            </p:spPr>
+            <p:style>
+              <a:lnRef idx="1">
+                <a:schemeClr val="accent1"/>
+              </a:lnRef>
+              <a:fillRef idx="0">
+                <a:schemeClr val="accent1"/>
+              </a:fillRef>
+              <a:effectRef idx="0">
+                <a:schemeClr val="accent1"/>
+              </a:effectRef>
+              <a:fontRef idx="minor">
+                <a:schemeClr val="tx1"/>
+              </a:fontRef>
+            </p:style>
+          </p:cxnSp>
+        </p:grpSp>
+        <p:sp>
+          <p:nvSpPr>
+            <p:cNvPr id="671" name="TekstSylinder 670"/>
+            <p:cNvSpPr txBox="1"/>
+            <p:nvPr/>
+          </p:nvSpPr>
+          <p:spPr>
+            <a:xfrm>
+              <a:off x="6531674" y="1929458"/>
+              <a:ext cx="2961315" cy="288239"/>
+            </a:xfrm>
+            <a:prstGeom prst="rect">
+              <a:avLst/>
+            </a:prstGeom>
+            <a:noFill/>
+          </p:spPr>
+          <p:txBody>
+            <a:bodyPr wrap="square" rtlCol="0">
+              <a:spAutoFit/>
+            </a:bodyPr>
+            <a:lstStyle/>
+            <a:p>
+              <a:r>
+                <a:rPr lang="en-US" sz="800" dirty="0"/>
+                <a:t>p</a:t>
+              </a:r>
+              <a:r>
+                <a:rPr lang="en-US" sz="800" dirty="0" smtClean="0"/>
+                <a:t>ublic </a:t>
+              </a:r>
+              <a:r>
+                <a:rPr lang="en-US" sz="800" dirty="0" smtClean="0"/>
+                <a:t>double </a:t>
+              </a:r>
+              <a:r>
+                <a:rPr lang="en-US" sz="800" dirty="0" err="1" smtClean="0"/>
+                <a:t>prisAaBetale</a:t>
+              </a:r>
+              <a:r>
+                <a:rPr lang="en-US" sz="800" dirty="0" smtClean="0"/>
+                <a:t>()</a:t>
+              </a:r>
+              <a:endParaRPr lang="en-US" sz="800" dirty="0"/>
+            </a:p>
+          </p:txBody>
+        </p:sp>
+      </p:grpSp>
+      <p:grpSp>
+        <p:nvGrpSpPr>
+          <p:cNvPr id="674" name="Gruppe 673"/>
+          <p:cNvGrpSpPr/>
+          <p:nvPr/>
+        </p:nvGrpSpPr>
+        <p:grpSpPr>
+          <a:xfrm>
+            <a:off x="3339321" y="3571352"/>
+            <a:ext cx="2842354" cy="381402"/>
+            <a:chOff x="6156119" y="1929458"/>
+            <a:chExt cx="3336870" cy="510271"/>
+          </a:xfrm>
+        </p:grpSpPr>
+        <p:grpSp>
+          <p:nvGrpSpPr>
+            <p:cNvPr id="675" name="Gruppe 674"/>
+            <p:cNvGrpSpPr/>
+            <p:nvPr/>
+          </p:nvGrpSpPr>
+          <p:grpSpPr>
+            <a:xfrm>
+              <a:off x="6156119" y="2148619"/>
+              <a:ext cx="2962481" cy="291110"/>
+              <a:chOff x="851807" y="1161503"/>
+              <a:chExt cx="2962481" cy="291110"/>
+            </a:xfrm>
+          </p:grpSpPr>
+          <p:sp>
+            <p:nvSpPr>
+              <p:cNvPr id="677" name="TekstSylinder 676"/>
+              <p:cNvSpPr txBox="1"/>
+              <p:nvPr/>
+            </p:nvSpPr>
+            <p:spPr>
+              <a:xfrm>
+                <a:off x="1227363" y="1164374"/>
+                <a:ext cx="2586925" cy="288239"/>
+              </a:xfrm>
+              <a:prstGeom prst="rect">
+                <a:avLst/>
+              </a:prstGeom>
+              <a:noFill/>
+              <a:ln>
+                <a:solidFill>
+                  <a:schemeClr val="accent1"/>
+                </a:solidFill>
+              </a:ln>
+            </p:spPr>
+            <p:txBody>
+              <a:bodyPr wrap="square" rtlCol="0">
+                <a:spAutoFit/>
+              </a:bodyPr>
+              <a:lstStyle/>
+              <a:p>
+                <a:r>
+                  <a:rPr lang="en-US" sz="800" dirty="0"/>
+                  <a:t>r</a:t>
+                </a:r>
+                <a:r>
+                  <a:rPr lang="en-US" sz="800" dirty="0" smtClean="0"/>
+                  <a:t>eturn </a:t>
+                </a:r>
+                <a:r>
+                  <a:rPr lang="en-US" sz="800" dirty="0" smtClean="0"/>
+                  <a:t>RESEPT_FARGE</a:t>
+                </a:r>
+                <a:endParaRPr lang="en-US" sz="800" dirty="0" smtClean="0"/>
+              </a:p>
+            </p:txBody>
+          </p:sp>
+          <p:cxnSp>
+            <p:nvCxnSpPr>
+              <p:cNvPr id="678" name="Rett linje 677"/>
+              <p:cNvCxnSpPr/>
+              <p:nvPr/>
+            </p:nvCxnSpPr>
+            <p:spPr>
+              <a:xfrm flipH="1">
+                <a:off x="851807" y="1161503"/>
+                <a:ext cx="457200" cy="0"/>
+              </a:xfrm>
+              <a:prstGeom prst="line">
+                <a:avLst/>
+              </a:prstGeom>
+              <a:ln>
+                <a:solidFill>
+                  <a:schemeClr val="accent1"/>
+                </a:solidFill>
+              </a:ln>
+            </p:spPr>
+            <p:style>
+              <a:lnRef idx="1">
+                <a:schemeClr val="accent1"/>
+              </a:lnRef>
+              <a:fillRef idx="0">
+                <a:schemeClr val="accent1"/>
+              </a:fillRef>
+              <a:effectRef idx="0">
+                <a:schemeClr val="accent1"/>
+              </a:effectRef>
+              <a:fontRef idx="minor">
+                <a:schemeClr val="tx1"/>
+              </a:fontRef>
+            </p:style>
+          </p:cxnSp>
+        </p:grpSp>
+        <p:sp>
+          <p:nvSpPr>
+            <p:cNvPr id="676" name="TekstSylinder 675"/>
+            <p:cNvSpPr txBox="1"/>
+            <p:nvPr/>
+          </p:nvSpPr>
+          <p:spPr>
+            <a:xfrm>
+              <a:off x="6531674" y="1929458"/>
+              <a:ext cx="2961315" cy="288239"/>
+            </a:xfrm>
+            <a:prstGeom prst="rect">
+              <a:avLst/>
+            </a:prstGeom>
+            <a:noFill/>
+          </p:spPr>
+          <p:txBody>
+            <a:bodyPr wrap="square" rtlCol="0">
+              <a:spAutoFit/>
+            </a:bodyPr>
+            <a:lstStyle/>
+            <a:p>
+              <a:r>
+                <a:rPr lang="en-US" sz="800" dirty="0"/>
+                <a:t>p</a:t>
+              </a:r>
+              <a:r>
+                <a:rPr lang="en-US" sz="800" dirty="0" smtClean="0"/>
+                <a:t>ublic </a:t>
+              </a:r>
+              <a:r>
+                <a:rPr lang="en-US" sz="800" dirty="0" smtClean="0"/>
+                <a:t>String </a:t>
+              </a:r>
+              <a:r>
+                <a:rPr lang="en-US" sz="800" dirty="0" err="1" smtClean="0"/>
+                <a:t>farge</a:t>
+              </a:r>
+              <a:r>
+                <a:rPr lang="en-US" sz="800" dirty="0" smtClean="0"/>
+                <a:t>()</a:t>
+              </a:r>
+              <a:endParaRPr lang="en-US" sz="800" dirty="0"/>
+            </a:p>
+          </p:txBody>
+        </p:sp>
+      </p:grpSp>
+      <p:grpSp>
+        <p:nvGrpSpPr>
+          <p:cNvPr id="679" name="Gruppe 678"/>
+          <p:cNvGrpSpPr/>
+          <p:nvPr/>
+        </p:nvGrpSpPr>
+        <p:grpSpPr>
+          <a:xfrm>
+            <a:off x="3339321" y="3982760"/>
+            <a:ext cx="2842354" cy="381402"/>
+            <a:chOff x="6156119" y="1929458"/>
+            <a:chExt cx="3336870" cy="510271"/>
+          </a:xfrm>
+        </p:grpSpPr>
+        <p:grpSp>
+          <p:nvGrpSpPr>
+            <p:cNvPr id="680" name="Gruppe 679"/>
+            <p:cNvGrpSpPr/>
+            <p:nvPr/>
+          </p:nvGrpSpPr>
+          <p:grpSpPr>
+            <a:xfrm>
+              <a:off x="6156119" y="2148619"/>
+              <a:ext cx="2962481" cy="291110"/>
+              <a:chOff x="851807" y="1161503"/>
+              <a:chExt cx="2962481" cy="291110"/>
+            </a:xfrm>
+          </p:grpSpPr>
+          <p:sp>
+            <p:nvSpPr>
+              <p:cNvPr id="682" name="TekstSylinder 681"/>
+              <p:cNvSpPr txBox="1"/>
+              <p:nvPr/>
+            </p:nvSpPr>
+            <p:spPr>
+              <a:xfrm>
+                <a:off x="1227363" y="1164374"/>
+                <a:ext cx="2586925" cy="288239"/>
+              </a:xfrm>
+              <a:prstGeom prst="rect">
+                <a:avLst/>
+              </a:prstGeom>
+              <a:noFill/>
+              <a:ln>
+                <a:solidFill>
+                  <a:schemeClr val="accent1"/>
+                </a:solidFill>
+              </a:ln>
+            </p:spPr>
+            <p:txBody>
+              <a:bodyPr wrap="square" rtlCol="0">
+                <a:spAutoFit/>
+              </a:bodyPr>
+              <a:lstStyle/>
+              <a:p>
+                <a:r>
+                  <a:rPr lang="en-US" sz="800" dirty="0"/>
+                  <a:t>r</a:t>
+                </a:r>
+                <a:r>
+                  <a:rPr lang="en-US" sz="800" dirty="0" smtClean="0"/>
+                  <a:t>eturn </a:t>
+                </a:r>
+                <a:r>
+                  <a:rPr lang="en-US" sz="800" dirty="0" err="1" smtClean="0"/>
+                  <a:t>hentLegemiddel</a:t>
+                </a:r>
+                <a:r>
+                  <a:rPr lang="en-US" sz="800" dirty="0" smtClean="0"/>
+                  <a:t>().</a:t>
+                </a:r>
+                <a:r>
+                  <a:rPr lang="en-US" sz="800" dirty="0" err="1" smtClean="0"/>
+                  <a:t>pris</a:t>
+                </a:r>
+                <a:endParaRPr lang="en-US" sz="800" dirty="0" smtClean="0"/>
+              </a:p>
+            </p:txBody>
+          </p:sp>
+          <p:cxnSp>
+            <p:nvCxnSpPr>
+              <p:cNvPr id="683" name="Rett linje 682"/>
+              <p:cNvCxnSpPr/>
+              <p:nvPr/>
+            </p:nvCxnSpPr>
+            <p:spPr>
+              <a:xfrm flipH="1">
+                <a:off x="851807" y="1161503"/>
+                <a:ext cx="457200" cy="0"/>
+              </a:xfrm>
+              <a:prstGeom prst="line">
+                <a:avLst/>
+              </a:prstGeom>
+              <a:ln>
+                <a:solidFill>
+                  <a:schemeClr val="accent1"/>
+                </a:solidFill>
+              </a:ln>
+            </p:spPr>
+            <p:style>
+              <a:lnRef idx="1">
+                <a:schemeClr val="accent1"/>
+              </a:lnRef>
+              <a:fillRef idx="0">
+                <a:schemeClr val="accent1"/>
+              </a:fillRef>
+              <a:effectRef idx="0">
+                <a:schemeClr val="accent1"/>
+              </a:effectRef>
+              <a:fontRef idx="minor">
+                <a:schemeClr val="tx1"/>
+              </a:fontRef>
+            </p:style>
+          </p:cxnSp>
+        </p:grpSp>
+        <p:sp>
+          <p:nvSpPr>
+            <p:cNvPr id="681" name="TekstSylinder 680"/>
+            <p:cNvSpPr txBox="1"/>
+            <p:nvPr/>
+          </p:nvSpPr>
+          <p:spPr>
+            <a:xfrm>
+              <a:off x="6531674" y="1929458"/>
+              <a:ext cx="2961315" cy="288239"/>
+            </a:xfrm>
+            <a:prstGeom prst="rect">
+              <a:avLst/>
+            </a:prstGeom>
+            <a:noFill/>
+          </p:spPr>
+          <p:txBody>
+            <a:bodyPr wrap="square" rtlCol="0">
+              <a:spAutoFit/>
+            </a:bodyPr>
+            <a:lstStyle/>
+            <a:p>
+              <a:r>
+                <a:rPr lang="en-US" sz="800" dirty="0"/>
+                <a:t>p</a:t>
+              </a:r>
+              <a:r>
+                <a:rPr lang="en-US" sz="800" dirty="0" smtClean="0"/>
+                <a:t>ublic </a:t>
+              </a:r>
+              <a:r>
+                <a:rPr lang="en-US" sz="800" dirty="0" smtClean="0"/>
+                <a:t>double </a:t>
+              </a:r>
+              <a:r>
+                <a:rPr lang="en-US" sz="800" dirty="0" err="1" smtClean="0"/>
+                <a:t>prisAaBetale</a:t>
+              </a:r>
+              <a:r>
+                <a:rPr lang="en-US" sz="800" dirty="0" smtClean="0"/>
+                <a:t>()</a:t>
+              </a:r>
+              <a:endParaRPr lang="en-US" sz="800" dirty="0"/>
+            </a:p>
+          </p:txBody>
+        </p:sp>
+      </p:grpSp>
+      <p:grpSp>
+        <p:nvGrpSpPr>
+          <p:cNvPr id="684" name="Gruppe 683"/>
+          <p:cNvGrpSpPr/>
+          <p:nvPr/>
+        </p:nvGrpSpPr>
+        <p:grpSpPr>
+          <a:xfrm>
+            <a:off x="9109841" y="3594573"/>
+            <a:ext cx="2842354" cy="381402"/>
+            <a:chOff x="6156119" y="1929458"/>
+            <a:chExt cx="3336870" cy="510271"/>
+          </a:xfrm>
+        </p:grpSpPr>
+        <p:grpSp>
+          <p:nvGrpSpPr>
+            <p:cNvPr id="685" name="Gruppe 684"/>
+            <p:cNvGrpSpPr/>
+            <p:nvPr/>
+          </p:nvGrpSpPr>
+          <p:grpSpPr>
+            <a:xfrm>
+              <a:off x="6156119" y="2148619"/>
+              <a:ext cx="2962481" cy="291110"/>
+              <a:chOff x="851807" y="1161503"/>
+              <a:chExt cx="2962481" cy="291110"/>
+            </a:xfrm>
+          </p:grpSpPr>
+          <p:sp>
+            <p:nvSpPr>
+              <p:cNvPr id="687" name="TekstSylinder 686"/>
+              <p:cNvSpPr txBox="1"/>
+              <p:nvPr/>
+            </p:nvSpPr>
+            <p:spPr>
+              <a:xfrm>
+                <a:off x="1227363" y="1164374"/>
+                <a:ext cx="2586925" cy="288239"/>
+              </a:xfrm>
+              <a:prstGeom prst="rect">
+                <a:avLst/>
+              </a:prstGeom>
+              <a:noFill/>
+              <a:ln>
+                <a:solidFill>
+                  <a:schemeClr val="accent1"/>
+                </a:solidFill>
+              </a:ln>
+            </p:spPr>
+            <p:txBody>
+              <a:bodyPr wrap="square" rtlCol="0">
+                <a:spAutoFit/>
+              </a:bodyPr>
+              <a:lstStyle/>
+              <a:p>
+                <a:r>
+                  <a:rPr lang="en-US" sz="800" dirty="0"/>
+                  <a:t>r</a:t>
+                </a:r>
+                <a:r>
+                  <a:rPr lang="en-US" sz="800" dirty="0" smtClean="0"/>
+                  <a:t>eturn </a:t>
+                </a:r>
+                <a:r>
+                  <a:rPr lang="en-US" sz="800" dirty="0" smtClean="0"/>
+                  <a:t>RESEPT_FARGE + “ – MIL”</a:t>
+                </a:r>
+                <a:endParaRPr lang="en-US" sz="800" dirty="0" smtClean="0"/>
+              </a:p>
+            </p:txBody>
+          </p:sp>
+          <p:cxnSp>
+            <p:nvCxnSpPr>
+              <p:cNvPr id="688" name="Rett linje 687"/>
+              <p:cNvCxnSpPr/>
+              <p:nvPr/>
+            </p:nvCxnSpPr>
+            <p:spPr>
+              <a:xfrm flipH="1">
+                <a:off x="851807" y="1161503"/>
+                <a:ext cx="457200" cy="0"/>
+              </a:xfrm>
+              <a:prstGeom prst="line">
+                <a:avLst/>
+              </a:prstGeom>
+              <a:ln>
+                <a:solidFill>
+                  <a:schemeClr val="accent1"/>
+                </a:solidFill>
+              </a:ln>
+            </p:spPr>
+            <p:style>
+              <a:lnRef idx="1">
+                <a:schemeClr val="accent1"/>
+              </a:lnRef>
+              <a:fillRef idx="0">
+                <a:schemeClr val="accent1"/>
+              </a:fillRef>
+              <a:effectRef idx="0">
+                <a:schemeClr val="accent1"/>
+              </a:effectRef>
+              <a:fontRef idx="minor">
+                <a:schemeClr val="tx1"/>
+              </a:fontRef>
+            </p:style>
+          </p:cxnSp>
+        </p:grpSp>
+        <p:sp>
+          <p:nvSpPr>
+            <p:cNvPr id="686" name="TekstSylinder 685"/>
+            <p:cNvSpPr txBox="1"/>
+            <p:nvPr/>
+          </p:nvSpPr>
+          <p:spPr>
+            <a:xfrm>
+              <a:off x="6531674" y="1929458"/>
+              <a:ext cx="2961315" cy="288239"/>
+            </a:xfrm>
+            <a:prstGeom prst="rect">
+              <a:avLst/>
+            </a:prstGeom>
+            <a:noFill/>
+          </p:spPr>
+          <p:txBody>
+            <a:bodyPr wrap="square" rtlCol="0">
+              <a:spAutoFit/>
+            </a:bodyPr>
+            <a:lstStyle/>
+            <a:p>
+              <a:r>
+                <a:rPr lang="en-US" sz="800" dirty="0"/>
+                <a:t>p</a:t>
+              </a:r>
+              <a:r>
+                <a:rPr lang="en-US" sz="800" dirty="0" smtClean="0"/>
+                <a:t>ublic </a:t>
+              </a:r>
+              <a:r>
+                <a:rPr lang="en-US" sz="800" dirty="0" smtClean="0"/>
+                <a:t>String </a:t>
+              </a:r>
+              <a:r>
+                <a:rPr lang="en-US" sz="800" dirty="0" err="1" smtClean="0"/>
+                <a:t>farge</a:t>
+              </a:r>
+              <a:r>
+                <a:rPr lang="en-US" sz="800" dirty="0" smtClean="0"/>
+                <a:t>()</a:t>
+              </a:r>
+              <a:endParaRPr lang="en-US" sz="800" dirty="0"/>
+            </a:p>
+          </p:txBody>
+        </p:sp>
+      </p:grpSp>
+      <p:grpSp>
+        <p:nvGrpSpPr>
+          <p:cNvPr id="689" name="Gruppe 688"/>
+          <p:cNvGrpSpPr/>
+          <p:nvPr/>
+        </p:nvGrpSpPr>
+        <p:grpSpPr>
+          <a:xfrm>
+            <a:off x="9109841" y="4005981"/>
+            <a:ext cx="2842354" cy="381402"/>
+            <a:chOff x="6156119" y="1929458"/>
+            <a:chExt cx="3336870" cy="510271"/>
+          </a:xfrm>
+        </p:grpSpPr>
+        <p:grpSp>
+          <p:nvGrpSpPr>
+            <p:cNvPr id="690" name="Gruppe 689"/>
+            <p:cNvGrpSpPr/>
+            <p:nvPr/>
+          </p:nvGrpSpPr>
+          <p:grpSpPr>
+            <a:xfrm>
+              <a:off x="6156119" y="2148619"/>
+              <a:ext cx="2962481" cy="291110"/>
+              <a:chOff x="851807" y="1161503"/>
+              <a:chExt cx="2962481" cy="291110"/>
+            </a:xfrm>
+          </p:grpSpPr>
+          <p:sp>
+            <p:nvSpPr>
+              <p:cNvPr id="692" name="TekstSylinder 691"/>
+              <p:cNvSpPr txBox="1"/>
+              <p:nvPr/>
+            </p:nvSpPr>
+            <p:spPr>
+              <a:xfrm>
+                <a:off x="1227363" y="1164374"/>
+                <a:ext cx="2586925" cy="288239"/>
+              </a:xfrm>
+              <a:prstGeom prst="rect">
+                <a:avLst/>
+              </a:prstGeom>
+              <a:noFill/>
+              <a:ln>
+                <a:solidFill>
+                  <a:schemeClr val="accent1"/>
+                </a:solidFill>
+              </a:ln>
+            </p:spPr>
+            <p:txBody>
+              <a:bodyPr wrap="square" rtlCol="0">
+                <a:spAutoFit/>
+              </a:bodyPr>
+              <a:lstStyle/>
+              <a:p>
+                <a:r>
+                  <a:rPr lang="en-US" sz="800" dirty="0"/>
+                  <a:t>r</a:t>
+                </a:r>
+                <a:r>
+                  <a:rPr lang="en-US" sz="800" dirty="0" smtClean="0"/>
+                  <a:t>eturn </a:t>
+                </a:r>
+                <a:r>
+                  <a:rPr lang="en-US" sz="800" dirty="0" smtClean="0"/>
+                  <a:t>PRIS</a:t>
+                </a:r>
+                <a:endParaRPr lang="en-US" sz="800" dirty="0" smtClean="0"/>
+              </a:p>
+            </p:txBody>
+          </p:sp>
+          <p:cxnSp>
+            <p:nvCxnSpPr>
+              <p:cNvPr id="693" name="Rett linje 692"/>
+              <p:cNvCxnSpPr/>
+              <p:nvPr/>
+            </p:nvCxnSpPr>
+            <p:spPr>
+              <a:xfrm flipH="1">
+                <a:off x="851807" y="1161503"/>
+                <a:ext cx="457200" cy="0"/>
+              </a:xfrm>
+              <a:prstGeom prst="line">
+                <a:avLst/>
+              </a:prstGeom>
+              <a:ln>
+                <a:solidFill>
+                  <a:schemeClr val="accent1"/>
+                </a:solidFill>
+              </a:ln>
+            </p:spPr>
+            <p:style>
+              <a:lnRef idx="1">
+                <a:schemeClr val="accent1"/>
+              </a:lnRef>
+              <a:fillRef idx="0">
+                <a:schemeClr val="accent1"/>
+              </a:fillRef>
+              <a:effectRef idx="0">
+                <a:schemeClr val="accent1"/>
+              </a:effectRef>
+              <a:fontRef idx="minor">
+                <a:schemeClr val="tx1"/>
+              </a:fontRef>
+            </p:style>
+          </p:cxnSp>
+        </p:grpSp>
+        <p:sp>
+          <p:nvSpPr>
+            <p:cNvPr id="691" name="TekstSylinder 690"/>
+            <p:cNvSpPr txBox="1"/>
+            <p:nvPr/>
+          </p:nvSpPr>
+          <p:spPr>
+            <a:xfrm>
+              <a:off x="6531674" y="1929458"/>
+              <a:ext cx="2961315" cy="288239"/>
+            </a:xfrm>
+            <a:prstGeom prst="rect">
+              <a:avLst/>
+            </a:prstGeom>
+            <a:noFill/>
+          </p:spPr>
+          <p:txBody>
+            <a:bodyPr wrap="square" rtlCol="0">
+              <a:spAutoFit/>
+            </a:bodyPr>
+            <a:lstStyle/>
+            <a:p>
+              <a:r>
+                <a:rPr lang="en-US" sz="800" dirty="0"/>
+                <a:t>p</a:t>
+              </a:r>
+              <a:r>
+                <a:rPr lang="en-US" sz="800" dirty="0" smtClean="0"/>
+                <a:t>ublic </a:t>
+              </a:r>
+              <a:r>
+                <a:rPr lang="en-US" sz="800" dirty="0" smtClean="0"/>
+                <a:t>double </a:t>
+              </a:r>
+              <a:r>
+                <a:rPr lang="en-US" sz="800" dirty="0" err="1" smtClean="0"/>
+                <a:t>prisAaBetale</a:t>
+              </a:r>
+              <a:r>
+                <a:rPr lang="en-US" sz="800" dirty="0" smtClean="0"/>
+                <a:t>()</a:t>
+              </a:r>
+              <a:endParaRPr lang="en-US" sz="800" dirty="0"/>
+            </a:p>
+          </p:txBody>
+        </p:sp>
+      </p:grpSp>
+      <p:grpSp>
+        <p:nvGrpSpPr>
+          <p:cNvPr id="694" name="Gruppe 693"/>
+          <p:cNvGrpSpPr/>
+          <p:nvPr/>
+        </p:nvGrpSpPr>
+        <p:grpSpPr>
+          <a:xfrm>
+            <a:off x="6253662" y="3572816"/>
+            <a:ext cx="2842354" cy="381402"/>
+            <a:chOff x="6156119" y="1929458"/>
+            <a:chExt cx="3336870" cy="510271"/>
+          </a:xfrm>
+        </p:grpSpPr>
+        <p:grpSp>
+          <p:nvGrpSpPr>
+            <p:cNvPr id="695" name="Gruppe 694"/>
+            <p:cNvGrpSpPr/>
+            <p:nvPr/>
+          </p:nvGrpSpPr>
+          <p:grpSpPr>
+            <a:xfrm>
+              <a:off x="6156119" y="2148619"/>
+              <a:ext cx="2962481" cy="291110"/>
+              <a:chOff x="851807" y="1161503"/>
+              <a:chExt cx="2962481" cy="291110"/>
+            </a:xfrm>
+          </p:grpSpPr>
+          <p:sp>
+            <p:nvSpPr>
+              <p:cNvPr id="697" name="TekstSylinder 696"/>
+              <p:cNvSpPr txBox="1"/>
+              <p:nvPr/>
+            </p:nvSpPr>
+            <p:spPr>
+              <a:xfrm>
+                <a:off x="1227363" y="1164374"/>
+                <a:ext cx="2586925" cy="288239"/>
+              </a:xfrm>
+              <a:prstGeom prst="rect">
+                <a:avLst/>
+              </a:prstGeom>
+              <a:noFill/>
+              <a:ln>
+                <a:solidFill>
+                  <a:schemeClr val="accent1"/>
+                </a:solidFill>
+              </a:ln>
+            </p:spPr>
+            <p:txBody>
+              <a:bodyPr wrap="square" rtlCol="0">
+                <a:spAutoFit/>
+              </a:bodyPr>
+              <a:lstStyle/>
+              <a:p>
+                <a:r>
+                  <a:rPr lang="en-US" sz="800" dirty="0"/>
+                  <a:t>r</a:t>
+                </a:r>
+                <a:r>
+                  <a:rPr lang="en-US" sz="800" dirty="0" smtClean="0"/>
+                  <a:t>eturn </a:t>
+                </a:r>
+                <a:r>
+                  <a:rPr lang="en-US" sz="800" dirty="0" smtClean="0"/>
+                  <a:t>RESEPT_FARGE + “ – P”</a:t>
+                </a:r>
+                <a:endParaRPr lang="en-US" sz="800" dirty="0" smtClean="0"/>
+              </a:p>
+            </p:txBody>
+          </p:sp>
+          <p:cxnSp>
+            <p:nvCxnSpPr>
+              <p:cNvPr id="698" name="Rett linje 697"/>
+              <p:cNvCxnSpPr/>
+              <p:nvPr/>
+            </p:nvCxnSpPr>
+            <p:spPr>
+              <a:xfrm flipH="1">
+                <a:off x="851807" y="1161503"/>
+                <a:ext cx="457200" cy="0"/>
+              </a:xfrm>
+              <a:prstGeom prst="line">
+                <a:avLst/>
+              </a:prstGeom>
+              <a:ln>
+                <a:solidFill>
+                  <a:schemeClr val="accent1"/>
+                </a:solidFill>
+              </a:ln>
+            </p:spPr>
+            <p:style>
+              <a:lnRef idx="1">
+                <a:schemeClr val="accent1"/>
+              </a:lnRef>
+              <a:fillRef idx="0">
+                <a:schemeClr val="accent1"/>
+              </a:fillRef>
+              <a:effectRef idx="0">
+                <a:schemeClr val="accent1"/>
+              </a:effectRef>
+              <a:fontRef idx="minor">
+                <a:schemeClr val="tx1"/>
+              </a:fontRef>
+            </p:style>
+          </p:cxnSp>
+        </p:grpSp>
+        <p:sp>
+          <p:nvSpPr>
+            <p:cNvPr id="696" name="TekstSylinder 695"/>
+            <p:cNvSpPr txBox="1"/>
+            <p:nvPr/>
+          </p:nvSpPr>
+          <p:spPr>
+            <a:xfrm>
+              <a:off x="6531674" y="1929458"/>
+              <a:ext cx="2961315" cy="288239"/>
+            </a:xfrm>
+            <a:prstGeom prst="rect">
+              <a:avLst/>
+            </a:prstGeom>
+            <a:noFill/>
+          </p:spPr>
+          <p:txBody>
+            <a:bodyPr wrap="square" rtlCol="0">
+              <a:spAutoFit/>
+            </a:bodyPr>
+            <a:lstStyle/>
+            <a:p>
+              <a:r>
+                <a:rPr lang="en-US" sz="800" dirty="0"/>
+                <a:t>p</a:t>
+              </a:r>
+              <a:r>
+                <a:rPr lang="en-US" sz="800" dirty="0" smtClean="0"/>
+                <a:t>ublic </a:t>
+              </a:r>
+              <a:r>
+                <a:rPr lang="en-US" sz="800" dirty="0" smtClean="0"/>
+                <a:t>String </a:t>
+              </a:r>
+              <a:r>
+                <a:rPr lang="en-US" sz="800" dirty="0" err="1" smtClean="0"/>
+                <a:t>farge</a:t>
+              </a:r>
+              <a:r>
+                <a:rPr lang="en-US" sz="800" dirty="0" smtClean="0"/>
+                <a:t>()</a:t>
+              </a:r>
+              <a:endParaRPr lang="en-US" sz="800" dirty="0"/>
+            </a:p>
+          </p:txBody>
+        </p:sp>
+      </p:grpSp>
+      <p:grpSp>
+        <p:nvGrpSpPr>
+          <p:cNvPr id="699" name="Gruppe 698"/>
+          <p:cNvGrpSpPr/>
+          <p:nvPr/>
+        </p:nvGrpSpPr>
+        <p:grpSpPr>
+          <a:xfrm>
+            <a:off x="6253662" y="3984224"/>
+            <a:ext cx="2842354" cy="381402"/>
+            <a:chOff x="6156119" y="1929458"/>
+            <a:chExt cx="3336870" cy="510271"/>
+          </a:xfrm>
+        </p:grpSpPr>
+        <p:grpSp>
+          <p:nvGrpSpPr>
+            <p:cNvPr id="700" name="Gruppe 699"/>
+            <p:cNvGrpSpPr/>
+            <p:nvPr/>
+          </p:nvGrpSpPr>
+          <p:grpSpPr>
+            <a:xfrm>
+              <a:off x="6156119" y="2148619"/>
+              <a:ext cx="2962481" cy="291110"/>
+              <a:chOff x="851807" y="1161503"/>
+              <a:chExt cx="2962481" cy="291110"/>
+            </a:xfrm>
+          </p:grpSpPr>
+          <p:sp>
+            <p:nvSpPr>
+              <p:cNvPr id="702" name="TekstSylinder 701"/>
+              <p:cNvSpPr txBox="1"/>
+              <p:nvPr/>
+            </p:nvSpPr>
+            <p:spPr>
+              <a:xfrm>
+                <a:off x="1227363" y="1164374"/>
+                <a:ext cx="2586925" cy="288239"/>
+              </a:xfrm>
+              <a:prstGeom prst="rect">
+                <a:avLst/>
+              </a:prstGeom>
+              <a:noFill/>
+              <a:ln>
+                <a:solidFill>
+                  <a:schemeClr val="accent1"/>
+                </a:solidFill>
+              </a:ln>
+            </p:spPr>
+            <p:txBody>
+              <a:bodyPr wrap="square" rtlCol="0">
+                <a:spAutoFit/>
+              </a:bodyPr>
+              <a:lstStyle/>
+              <a:p>
+                <a:r>
+                  <a:rPr lang="en-US" sz="800" dirty="0"/>
+                  <a:t>r</a:t>
+                </a:r>
+                <a:r>
+                  <a:rPr lang="en-US" sz="800" dirty="0" smtClean="0"/>
+                  <a:t>eturn </a:t>
+                </a:r>
+                <a:r>
+                  <a:rPr lang="en-US" sz="800" dirty="0" err="1" smtClean="0"/>
+                  <a:t>pris</a:t>
+                </a:r>
+                <a:r>
+                  <a:rPr lang="en-US" sz="800" dirty="0" smtClean="0"/>
+                  <a:t> – RABATT / return 0</a:t>
+                </a:r>
+                <a:endParaRPr lang="en-US" sz="800" dirty="0" smtClean="0"/>
+              </a:p>
+            </p:txBody>
+          </p:sp>
+          <p:cxnSp>
+            <p:nvCxnSpPr>
+              <p:cNvPr id="703" name="Rett linje 702"/>
+              <p:cNvCxnSpPr/>
+              <p:nvPr/>
+            </p:nvCxnSpPr>
+            <p:spPr>
+              <a:xfrm flipH="1">
+                <a:off x="851807" y="1161503"/>
+                <a:ext cx="457200" cy="0"/>
+              </a:xfrm>
+              <a:prstGeom prst="line">
+                <a:avLst/>
+              </a:prstGeom>
+              <a:ln>
+                <a:solidFill>
+                  <a:schemeClr val="accent1"/>
+                </a:solidFill>
+              </a:ln>
+            </p:spPr>
+            <p:style>
+              <a:lnRef idx="1">
+                <a:schemeClr val="accent1"/>
+              </a:lnRef>
+              <a:fillRef idx="0">
+                <a:schemeClr val="accent1"/>
+              </a:fillRef>
+              <a:effectRef idx="0">
+                <a:schemeClr val="accent1"/>
+              </a:effectRef>
+              <a:fontRef idx="minor">
+                <a:schemeClr val="tx1"/>
+              </a:fontRef>
+            </p:style>
+          </p:cxnSp>
+        </p:grpSp>
+        <p:sp>
+          <p:nvSpPr>
+            <p:cNvPr id="701" name="TekstSylinder 700"/>
+            <p:cNvSpPr txBox="1"/>
+            <p:nvPr/>
+          </p:nvSpPr>
+          <p:spPr>
+            <a:xfrm>
+              <a:off x="6531674" y="1929458"/>
+              <a:ext cx="2961315" cy="288239"/>
+            </a:xfrm>
+            <a:prstGeom prst="rect">
+              <a:avLst/>
+            </a:prstGeom>
+            <a:noFill/>
+          </p:spPr>
+          <p:txBody>
+            <a:bodyPr wrap="square" rtlCol="0">
+              <a:spAutoFit/>
+            </a:bodyPr>
+            <a:lstStyle/>
+            <a:p>
+              <a:r>
+                <a:rPr lang="en-US" sz="800" dirty="0"/>
+                <a:t>p</a:t>
+              </a:r>
+              <a:r>
+                <a:rPr lang="en-US" sz="800" dirty="0" smtClean="0"/>
+                <a:t>ublic </a:t>
+              </a:r>
+              <a:r>
+                <a:rPr lang="en-US" sz="800" dirty="0" smtClean="0"/>
+                <a:t>double </a:t>
+              </a:r>
+              <a:r>
+                <a:rPr lang="en-US" sz="800" dirty="0" err="1" smtClean="0"/>
+                <a:t>prisAaBetale</a:t>
+              </a:r>
+              <a:r>
+                <a:rPr lang="en-US" sz="800" dirty="0" smtClean="0"/>
+                <a:t>()</a:t>
+              </a:r>
+              <a:endParaRPr lang="en-US" sz="800" dirty="0"/>
+            </a:p>
+          </p:txBody>
+        </p:sp>
+      </p:grpSp>
+      <p:grpSp>
+        <p:nvGrpSpPr>
+          <p:cNvPr id="705" name="Gruppe 704"/>
+          <p:cNvGrpSpPr/>
+          <p:nvPr/>
+        </p:nvGrpSpPr>
+        <p:grpSpPr>
+          <a:xfrm>
+            <a:off x="393788" y="1688411"/>
+            <a:ext cx="2842354" cy="381402"/>
+            <a:chOff x="6156119" y="1929458"/>
+            <a:chExt cx="3336870" cy="510271"/>
+          </a:xfrm>
+        </p:grpSpPr>
+        <p:grpSp>
+          <p:nvGrpSpPr>
+            <p:cNvPr id="706" name="Gruppe 705"/>
+            <p:cNvGrpSpPr/>
+            <p:nvPr/>
+          </p:nvGrpSpPr>
+          <p:grpSpPr>
+            <a:xfrm>
+              <a:off x="6156119" y="2148619"/>
+              <a:ext cx="2962481" cy="291110"/>
+              <a:chOff x="851807" y="1161503"/>
+              <a:chExt cx="2962481" cy="291110"/>
+            </a:xfrm>
+          </p:grpSpPr>
+          <p:sp>
+            <p:nvSpPr>
+              <p:cNvPr id="708" name="TekstSylinder 707"/>
+              <p:cNvSpPr txBox="1"/>
+              <p:nvPr/>
+            </p:nvSpPr>
+            <p:spPr>
+              <a:xfrm>
+                <a:off x="1227363" y="1164374"/>
+                <a:ext cx="2586925" cy="288239"/>
+              </a:xfrm>
+              <a:prstGeom prst="rect">
+                <a:avLst/>
+              </a:prstGeom>
+              <a:noFill/>
+              <a:ln>
+                <a:solidFill>
+                  <a:schemeClr val="accent1"/>
+                </a:solidFill>
+              </a:ln>
+            </p:spPr>
+            <p:txBody>
+              <a:bodyPr wrap="square" rtlCol="0">
+                <a:spAutoFit/>
+              </a:bodyPr>
+              <a:lstStyle/>
+              <a:p>
+                <a:r>
+                  <a:rPr lang="en-US" sz="800" dirty="0"/>
+                  <a:t>r</a:t>
+                </a:r>
+                <a:r>
+                  <a:rPr lang="en-US" sz="800" dirty="0" smtClean="0"/>
+                  <a:t>eturn </a:t>
+                </a:r>
+                <a:r>
+                  <a:rPr lang="en-US" sz="800" dirty="0" err="1" smtClean="0"/>
+                  <a:t>narkotiskStyrke</a:t>
+                </a:r>
+                <a:endParaRPr lang="en-US" sz="800" dirty="0" smtClean="0"/>
+              </a:p>
+            </p:txBody>
+          </p:sp>
+          <p:cxnSp>
+            <p:nvCxnSpPr>
+              <p:cNvPr id="709" name="Rett linje 708"/>
+              <p:cNvCxnSpPr/>
+              <p:nvPr/>
+            </p:nvCxnSpPr>
+            <p:spPr>
+              <a:xfrm flipH="1">
+                <a:off x="851807" y="1161503"/>
+                <a:ext cx="457200" cy="0"/>
+              </a:xfrm>
+              <a:prstGeom prst="line">
+                <a:avLst/>
+              </a:prstGeom>
+              <a:ln>
+                <a:solidFill>
+                  <a:schemeClr val="accent1"/>
+                </a:solidFill>
+              </a:ln>
+            </p:spPr>
+            <p:style>
+              <a:lnRef idx="1">
+                <a:schemeClr val="accent1"/>
+              </a:lnRef>
+              <a:fillRef idx="0">
+                <a:schemeClr val="accent1"/>
+              </a:fillRef>
+              <a:effectRef idx="0">
+                <a:schemeClr val="accent1"/>
+              </a:effectRef>
+              <a:fontRef idx="minor">
+                <a:schemeClr val="tx1"/>
+              </a:fontRef>
+            </p:style>
+          </p:cxnSp>
+        </p:grpSp>
+        <p:sp>
+          <p:nvSpPr>
+            <p:cNvPr id="707" name="TekstSylinder 706"/>
+            <p:cNvSpPr txBox="1"/>
+            <p:nvPr/>
+          </p:nvSpPr>
+          <p:spPr>
+            <a:xfrm>
+              <a:off x="6531674" y="1929458"/>
+              <a:ext cx="2961315" cy="288239"/>
+            </a:xfrm>
+            <a:prstGeom prst="rect">
+              <a:avLst/>
+            </a:prstGeom>
+            <a:noFill/>
+          </p:spPr>
+          <p:txBody>
+            <a:bodyPr wrap="square" rtlCol="0">
+              <a:spAutoFit/>
+            </a:bodyPr>
+            <a:lstStyle/>
+            <a:p>
+              <a:r>
+                <a:rPr lang="en-US" sz="800" dirty="0"/>
+                <a:t>p</a:t>
+              </a:r>
+              <a:r>
+                <a:rPr lang="en-US" sz="800" dirty="0" smtClean="0"/>
+                <a:t>ublic </a:t>
+              </a:r>
+              <a:r>
+                <a:rPr lang="en-US" sz="800" dirty="0" err="1" smtClean="0"/>
+                <a:t>int</a:t>
+              </a:r>
+              <a:r>
+                <a:rPr lang="en-US" sz="800" dirty="0" smtClean="0"/>
+                <a:t> </a:t>
+              </a:r>
+              <a:r>
+                <a:rPr lang="en-US" sz="800" dirty="0" err="1" smtClean="0"/>
+                <a:t>hentNarkotiskStyrke</a:t>
+              </a:r>
+              <a:r>
+                <a:rPr lang="en-US" sz="800" dirty="0" smtClean="0"/>
+                <a:t>()</a:t>
+              </a:r>
+              <a:endParaRPr lang="en-US" sz="800" dirty="0"/>
+            </a:p>
+          </p:txBody>
+        </p:sp>
+      </p:grpSp>
+      <p:grpSp>
+        <p:nvGrpSpPr>
+          <p:cNvPr id="710" name="Gruppe 709"/>
+          <p:cNvGrpSpPr/>
+          <p:nvPr/>
+        </p:nvGrpSpPr>
+        <p:grpSpPr>
+          <a:xfrm>
+            <a:off x="9170120" y="1573937"/>
+            <a:ext cx="2842354" cy="381402"/>
+            <a:chOff x="6156119" y="1929458"/>
+            <a:chExt cx="3336870" cy="510271"/>
+          </a:xfrm>
+        </p:grpSpPr>
+        <p:grpSp>
+          <p:nvGrpSpPr>
+            <p:cNvPr id="711" name="Gruppe 710"/>
+            <p:cNvGrpSpPr/>
+            <p:nvPr/>
+          </p:nvGrpSpPr>
+          <p:grpSpPr>
+            <a:xfrm>
+              <a:off x="6156119" y="2148619"/>
+              <a:ext cx="2962481" cy="291110"/>
+              <a:chOff x="851807" y="1161503"/>
+              <a:chExt cx="2962481" cy="291110"/>
+            </a:xfrm>
+          </p:grpSpPr>
+          <p:sp>
+            <p:nvSpPr>
+              <p:cNvPr id="713" name="TekstSylinder 712"/>
+              <p:cNvSpPr txBox="1"/>
+              <p:nvPr/>
+            </p:nvSpPr>
+            <p:spPr>
+              <a:xfrm>
+                <a:off x="1227363" y="1164374"/>
+                <a:ext cx="2586925" cy="288239"/>
+              </a:xfrm>
+              <a:prstGeom prst="rect">
+                <a:avLst/>
+              </a:prstGeom>
+              <a:noFill/>
+              <a:ln>
+                <a:solidFill>
+                  <a:schemeClr val="accent1"/>
+                </a:solidFill>
+              </a:ln>
+            </p:spPr>
+            <p:txBody>
+              <a:bodyPr wrap="square" rtlCol="0">
+                <a:spAutoFit/>
+              </a:bodyPr>
+              <a:lstStyle/>
+              <a:p>
+                <a:r>
+                  <a:rPr lang="en-US" sz="800" dirty="0"/>
+                  <a:t>r</a:t>
+                </a:r>
+                <a:r>
+                  <a:rPr lang="en-US" sz="800" dirty="0" smtClean="0"/>
+                  <a:t>eturn </a:t>
+                </a:r>
+                <a:r>
+                  <a:rPr lang="en-US" sz="800" dirty="0" err="1" smtClean="0"/>
+                  <a:t>vanedannendeStyrke</a:t>
+                </a:r>
+                <a:endParaRPr lang="en-US" sz="800" dirty="0" smtClean="0"/>
+              </a:p>
+            </p:txBody>
+          </p:sp>
+          <p:cxnSp>
+            <p:nvCxnSpPr>
+              <p:cNvPr id="714" name="Rett linje 713"/>
+              <p:cNvCxnSpPr/>
+              <p:nvPr/>
+            </p:nvCxnSpPr>
+            <p:spPr>
+              <a:xfrm flipH="1">
+                <a:off x="851807" y="1161503"/>
+                <a:ext cx="457200" cy="0"/>
+              </a:xfrm>
+              <a:prstGeom prst="line">
+                <a:avLst/>
+              </a:prstGeom>
+              <a:ln>
+                <a:solidFill>
+                  <a:schemeClr val="accent1"/>
+                </a:solidFill>
+              </a:ln>
+            </p:spPr>
+            <p:style>
+              <a:lnRef idx="1">
+                <a:schemeClr val="accent1"/>
+              </a:lnRef>
+              <a:fillRef idx="0">
+                <a:schemeClr val="accent1"/>
+              </a:fillRef>
+              <a:effectRef idx="0">
+                <a:schemeClr val="accent1"/>
+              </a:effectRef>
+              <a:fontRef idx="minor">
+                <a:schemeClr val="tx1"/>
+              </a:fontRef>
+            </p:style>
+          </p:cxnSp>
+        </p:grpSp>
+        <p:sp>
+          <p:nvSpPr>
+            <p:cNvPr id="712" name="TekstSylinder 711"/>
+            <p:cNvSpPr txBox="1"/>
+            <p:nvPr/>
+          </p:nvSpPr>
+          <p:spPr>
+            <a:xfrm>
+              <a:off x="6531674" y="1929458"/>
+              <a:ext cx="2961315" cy="288239"/>
+            </a:xfrm>
+            <a:prstGeom prst="rect">
+              <a:avLst/>
+            </a:prstGeom>
+            <a:noFill/>
+          </p:spPr>
+          <p:txBody>
+            <a:bodyPr wrap="square" rtlCol="0">
+              <a:spAutoFit/>
+            </a:bodyPr>
+            <a:lstStyle/>
+            <a:p>
+              <a:r>
+                <a:rPr lang="en-US" sz="800" dirty="0"/>
+                <a:t>p</a:t>
+              </a:r>
+              <a:r>
+                <a:rPr lang="en-US" sz="800" dirty="0" smtClean="0"/>
+                <a:t>ublic </a:t>
+              </a:r>
+              <a:r>
+                <a:rPr lang="en-US" sz="800" dirty="0" err="1" smtClean="0"/>
+                <a:t>int</a:t>
+              </a:r>
+              <a:r>
+                <a:rPr lang="en-US" sz="800" dirty="0" smtClean="0"/>
+                <a:t> </a:t>
+              </a:r>
+              <a:r>
+                <a:rPr lang="en-US" sz="800" dirty="0" err="1" smtClean="0"/>
+                <a:t>hentVanedannnendeStyrke</a:t>
+              </a:r>
+              <a:r>
+                <a:rPr lang="en-US" sz="800" dirty="0" smtClean="0"/>
+                <a:t>()</a:t>
+              </a:r>
+              <a:endParaRPr lang="en-US" sz="800" dirty="0"/>
             </a:p>
           </p:txBody>
         </p:sp>
